--- a/renewables/ErcotForwards_Presentation.pptx
+++ b/renewables/ErcotForwards_Presentation.pptx
@@ -5,42 +5,52 @@
     <p:sldMasterId id="2147483648" r:id="rId1"/>
   </p:sldMasterIdLst>
   <p:notesMasterIdLst>
-    <p:notesMasterId r:id="rId35"/>
+    <p:notesMasterId r:id="rId45"/>
   </p:notesMasterIdLst>
   <p:sldIdLst>
     <p:sldId id="256" r:id="rId2"/>
-    <p:sldId id="277" r:id="rId3"/>
-    <p:sldId id="278" r:id="rId4"/>
+    <p:sldId id="303" r:id="rId3"/>
+    <p:sldId id="277" r:id="rId4"/>
     <p:sldId id="276" r:id="rId5"/>
-    <p:sldId id="268" r:id="rId6"/>
-    <p:sldId id="270" r:id="rId7"/>
-    <p:sldId id="271" r:id="rId8"/>
-    <p:sldId id="265" r:id="rId9"/>
-    <p:sldId id="282" r:id="rId10"/>
-    <p:sldId id="280" r:id="rId11"/>
-    <p:sldId id="281" r:id="rId12"/>
-    <p:sldId id="272" r:id="rId13"/>
-    <p:sldId id="285" r:id="rId14"/>
-    <p:sldId id="283" r:id="rId15"/>
-    <p:sldId id="261" r:id="rId16"/>
-    <p:sldId id="284" r:id="rId17"/>
-    <p:sldId id="286" r:id="rId18"/>
-    <p:sldId id="264" r:id="rId19"/>
-    <p:sldId id="287" r:id="rId20"/>
-    <p:sldId id="269" r:id="rId21"/>
-    <p:sldId id="273" r:id="rId22"/>
-    <p:sldId id="274" r:id="rId23"/>
-    <p:sldId id="279" r:id="rId24"/>
-    <p:sldId id="291" r:id="rId25"/>
-    <p:sldId id="292" r:id="rId26"/>
-    <p:sldId id="275" r:id="rId27"/>
-    <p:sldId id="289" r:id="rId28"/>
-    <p:sldId id="290" r:id="rId29"/>
-    <p:sldId id="266" r:id="rId30"/>
-    <p:sldId id="257" r:id="rId31"/>
-    <p:sldId id="258" r:id="rId32"/>
-    <p:sldId id="259" r:id="rId33"/>
-    <p:sldId id="260" r:id="rId34"/>
+    <p:sldId id="270" r:id="rId6"/>
+    <p:sldId id="271" r:id="rId7"/>
+    <p:sldId id="295" r:id="rId8"/>
+    <p:sldId id="293" r:id="rId9"/>
+    <p:sldId id="294" r:id="rId10"/>
+    <p:sldId id="265" r:id="rId11"/>
+    <p:sldId id="282" r:id="rId12"/>
+    <p:sldId id="280" r:id="rId13"/>
+    <p:sldId id="281" r:id="rId14"/>
+    <p:sldId id="272" r:id="rId15"/>
+    <p:sldId id="285" r:id="rId16"/>
+    <p:sldId id="283" r:id="rId17"/>
+    <p:sldId id="261" r:id="rId18"/>
+    <p:sldId id="284" r:id="rId19"/>
+    <p:sldId id="286" r:id="rId20"/>
+    <p:sldId id="287" r:id="rId21"/>
+    <p:sldId id="297" r:id="rId22"/>
+    <p:sldId id="264" r:id="rId23"/>
+    <p:sldId id="273" r:id="rId24"/>
+    <p:sldId id="274" r:id="rId25"/>
+    <p:sldId id="291" r:id="rId26"/>
+    <p:sldId id="308" r:id="rId27"/>
+    <p:sldId id="315" r:id="rId28"/>
+    <p:sldId id="305" r:id="rId29"/>
+    <p:sldId id="310" r:id="rId30"/>
+    <p:sldId id="314" r:id="rId31"/>
+    <p:sldId id="302" r:id="rId32"/>
+    <p:sldId id="312" r:id="rId33"/>
+    <p:sldId id="304" r:id="rId34"/>
+    <p:sldId id="316" r:id="rId35"/>
+    <p:sldId id="275" r:id="rId36"/>
+    <p:sldId id="309" r:id="rId37"/>
+    <p:sldId id="306" r:id="rId38"/>
+    <p:sldId id="289" r:id="rId39"/>
+    <p:sldId id="266" r:id="rId40"/>
+    <p:sldId id="257" r:id="rId41"/>
+    <p:sldId id="258" r:id="rId42"/>
+    <p:sldId id="259" r:id="rId43"/>
+    <p:sldId id="260" r:id="rId44"/>
   </p:sldIdLst>
   <p:sldSz cx="12192000" cy="6858000"/>
   <p:notesSz cx="6858000" cy="9144000"/>
@@ -145,14 +155,6 @@
     </p:ext>
   </p:extLst>
 </p:presentation>
-</file>
-
-<file path=ppt/revisionInfo.xml><?xml version="1.0" encoding="utf-8"?>
-<p1510:revInfo xmlns:a="http://schemas.openxmlformats.org/drawingml/2006/main" xmlns:r="http://schemas.openxmlformats.org/officeDocument/2006/relationships" xmlns:p1510="http://schemas.microsoft.com/office/powerpoint/2015/10/main">
-  <p1510:revLst>
-    <p1510:client id="{68F113DB-7063-804E-8480-DB3A5F65F6DD}" v="105" dt="2020-08-11T20:02:06.223"/>
-  </p1510:revLst>
-</p1510:revInfo>
 </file>
 
 <file path=ppt/notesMasters/notesMaster1.xml><?xml version="1.0" encoding="utf-8"?>
@@ -548,104 +550,6 @@
           <a:bodyPr/>
           <a:lstStyle/>
           <a:p>
-            <a:r>
-              <a:rPr lang="en-US" dirty="0"/>
-              <a:t>Test case: Pick a start date and see every 365 days and look at the spread and the delta – pull market forwards 10 </a:t>
-            </a:r>
-            <a:r>
-              <a:rPr lang="en-US" dirty="0" err="1"/>
-              <a:t>yrs</a:t>
-            </a:r>
-            <a:r>
-              <a:rPr lang="en-US" dirty="0"/>
-              <a:t> out (so </a:t>
-            </a:r>
-            <a:r>
-              <a:rPr lang="en-US" dirty="0" err="1"/>
-              <a:t>asofdate</a:t>
-            </a:r>
-            <a:r>
-              <a:rPr lang="en-US" dirty="0"/>
-              <a:t> = 2010) and all the way up to 2019 </a:t>
-            </a:r>
-            <a:r>
-              <a:rPr lang="en-US" dirty="0">
-                <a:sym typeface="Wingdings" pitchFamily="2" charset="2"/>
-              </a:rPr>
-              <a:t> how much the price has moved for each forward date</a:t>
-            </a:r>
-          </a:p>
-          <a:p>
-            <a:endParaRPr lang="en-US" dirty="0">
-              <a:sym typeface="Wingdings" pitchFamily="2" charset="2"/>
-            </a:endParaRPr>
-          </a:p>
-          <a:p>
-            <a:r>
-              <a:rPr lang="en-US" dirty="0">
-                <a:sym typeface="Wingdings" pitchFamily="2" charset="2"/>
-              </a:rPr>
-              <a:t>Between every Jan 1 of year x, see how much the forwards moved over the year (could have changed)</a:t>
-            </a:r>
-          </a:p>
-          <a:p>
-            <a:r>
-              <a:rPr lang="en-US" dirty="0">
-                <a:sym typeface="Wingdings" pitchFamily="2" charset="2"/>
-              </a:rPr>
-              <a:t>Same as of date, but term over next 10 </a:t>
-            </a:r>
-            <a:r>
-              <a:rPr lang="en-US" dirty="0" err="1">
-                <a:sym typeface="Wingdings" pitchFamily="2" charset="2"/>
-              </a:rPr>
-              <a:t>yrs</a:t>
-            </a:r>
-            <a:r>
-              <a:rPr lang="en-US" dirty="0">
-                <a:sym typeface="Wingdings" pitchFamily="2" charset="2"/>
-              </a:rPr>
-              <a:t> (looking always at January)</a:t>
-            </a:r>
-          </a:p>
-          <a:p>
-            <a:r>
-              <a:rPr lang="en-US" dirty="0">
-                <a:sym typeface="Wingdings" pitchFamily="2" charset="2"/>
-              </a:rPr>
-              <a:t>See for </a:t>
-            </a:r>
-            <a:r>
-              <a:rPr lang="en-US" dirty="0" err="1">
-                <a:sym typeface="Wingdings" pitchFamily="2" charset="2"/>
-              </a:rPr>
-              <a:t>jan</a:t>
-            </a:r>
-            <a:r>
-              <a:rPr lang="en-US" dirty="0">
-                <a:sym typeface="Wingdings" pitchFamily="2" charset="2"/>
-              </a:rPr>
-              <a:t> 1 2010 and </a:t>
-            </a:r>
-            <a:r>
-              <a:rPr lang="en-US" dirty="0" err="1">
-                <a:sym typeface="Wingdings" pitchFamily="2" charset="2"/>
-              </a:rPr>
-              <a:t>dec</a:t>
-            </a:r>
-            <a:r>
-              <a:rPr lang="en-US" dirty="0">
-                <a:sym typeface="Wingdings" pitchFamily="2" charset="2"/>
-              </a:rPr>
-              <a:t> 31 2010 within year time frame</a:t>
-            </a:r>
-          </a:p>
-          <a:p>
-            <a:endParaRPr lang="en-US" dirty="0">
-              <a:sym typeface="Wingdings" pitchFamily="2" charset="2"/>
-            </a:endParaRPr>
-          </a:p>
-          <a:p>
             <a:endParaRPr lang="en-US" dirty="0"/>
           </a:p>
         </p:txBody>
@@ -667,7 +571,7 @@
           <a:p>
             <a:fld id="{F9A40FA3-8469-4D4D-B51C-53CE63B966C1}" type="slidenum">
               <a:rPr lang="en-US" smtClean="0"/>
-              <a:t>5</a:t>
+              <a:t>13</a:t>
             </a:fld>
             <a:endParaRPr lang="en-US"/>
           </a:p>
@@ -676,7 +580,7 @@
     </p:spTree>
     <p:extLst>
       <p:ext uri="{BB962C8B-B14F-4D97-AF65-F5344CB8AC3E}">
-        <p14:creationId xmlns:p14="http://schemas.microsoft.com/office/powerpoint/2010/main" val="1335675872"/>
+        <p14:creationId xmlns:p14="http://schemas.microsoft.com/office/powerpoint/2010/main" val="866904743"/>
       </p:ext>
     </p:extLst>
   </p:cSld>
@@ -754,7 +658,7 @@
           <a:p>
             <a:fld id="{F9A40FA3-8469-4D4D-B51C-53CE63B966C1}" type="slidenum">
               <a:rPr lang="en-US" smtClean="0"/>
-              <a:t>18</a:t>
+              <a:t>22</a:t>
             </a:fld>
             <a:endParaRPr lang="en-US"/>
           </a:p>
@@ -939,7 +843,7 @@
           <a:p>
             <a:fld id="{F9A40FA3-8469-4D4D-B51C-53CE63B966C1}" type="slidenum">
               <a:rPr lang="en-US" smtClean="0"/>
-              <a:t>22</a:t>
+              <a:t>24</a:t>
             </a:fld>
             <a:endParaRPr lang="en-US"/>
           </a:p>
@@ -1002,7 +906,10 @@
           <a:bodyPr/>
           <a:lstStyle/>
           <a:p>
-            <a:endParaRPr lang="en-US" dirty="0"/>
+            <a:r>
+              <a:rPr lang="en-US" dirty="0"/>
+              <a:t>Note: in comparison to the all Terms, (not just Jan) the range is similar of PL is similar.</a:t>
+            </a:r>
           </a:p>
         </p:txBody>
       </p:sp>
@@ -1023,7 +930,7 @@
           <a:p>
             <a:fld id="{F9A40FA3-8469-4D4D-B51C-53CE63B966C1}" type="slidenum">
               <a:rPr lang="en-US" smtClean="0"/>
-              <a:t>27</a:t>
+              <a:t>26</a:t>
             </a:fld>
             <a:endParaRPr lang="en-US"/>
           </a:p>
@@ -1032,7 +939,7 @@
     </p:spTree>
     <p:extLst>
       <p:ext uri="{BB962C8B-B14F-4D97-AF65-F5344CB8AC3E}">
-        <p14:creationId xmlns:p14="http://schemas.microsoft.com/office/powerpoint/2010/main" val="3285672806"/>
+        <p14:creationId xmlns:p14="http://schemas.microsoft.com/office/powerpoint/2010/main" val="3340376939"/>
       </p:ext>
     </p:extLst>
   </p:cSld>
@@ -1086,7 +993,10 @@
           <a:bodyPr/>
           <a:lstStyle/>
           <a:p>
-            <a:endParaRPr lang="en-US" dirty="0"/>
+            <a:r>
+              <a:rPr lang="en-US" dirty="0"/>
+              <a:t>Note: in comparison to the all Terms, (not just Jan) the range is similar of PL is similar.</a:t>
+            </a:r>
           </a:p>
         </p:txBody>
       </p:sp>
@@ -1107,7 +1017,7 @@
           <a:p>
             <a:fld id="{F9A40FA3-8469-4D4D-B51C-53CE63B966C1}" type="slidenum">
               <a:rPr lang="en-US" smtClean="0"/>
-              <a:t>28</a:t>
+              <a:t>27</a:t>
             </a:fld>
             <a:endParaRPr lang="en-US"/>
           </a:p>
@@ -1116,7 +1026,276 @@
     </p:spTree>
     <p:extLst>
       <p:ext uri="{BB962C8B-B14F-4D97-AF65-F5344CB8AC3E}">
-        <p14:creationId xmlns:p14="http://schemas.microsoft.com/office/powerpoint/2010/main" val="2005962380"/>
+        <p14:creationId xmlns:p14="http://schemas.microsoft.com/office/powerpoint/2010/main" val="146330318"/>
+      </p:ext>
+    </p:extLst>
+  </p:cSld>
+  <p:clrMapOvr>
+    <a:masterClrMapping/>
+  </p:clrMapOvr>
+</p:notes>
+</file>
+
+<file path=ppt/notesSlides/notesSlide6.xml><?xml version="1.0" encoding="utf-8"?>
+<p:notes xmlns:a="http://schemas.openxmlformats.org/drawingml/2006/main" xmlns:r="http://schemas.openxmlformats.org/officeDocument/2006/relationships" xmlns:p="http://schemas.openxmlformats.org/presentationml/2006/main">
+  <p:cSld>
+    <p:spTree>
+      <p:nvGrpSpPr>
+        <p:cNvPr id="1" name=""/>
+        <p:cNvGrpSpPr/>
+        <p:nvPr/>
+      </p:nvGrpSpPr>
+      <p:grpSpPr>
+        <a:xfrm>
+          <a:off x="0" y="0"/>
+          <a:ext cx="0" cy="0"/>
+          <a:chOff x="0" y="0"/>
+          <a:chExt cx="0" cy="0"/>
+        </a:xfrm>
+      </p:grpSpPr>
+      <p:sp>
+        <p:nvSpPr>
+          <p:cNvPr id="2" name="Slide Image Placeholder 1"/>
+          <p:cNvSpPr>
+            <a:spLocks noGrp="1" noRot="1" noChangeAspect="1"/>
+          </p:cNvSpPr>
+          <p:nvPr>
+            <p:ph type="sldImg"/>
+          </p:nvPr>
+        </p:nvSpPr>
+        <p:spPr/>
+      </p:sp>
+      <p:sp>
+        <p:nvSpPr>
+          <p:cNvPr id="3" name="Notes Placeholder 2"/>
+          <p:cNvSpPr>
+            <a:spLocks noGrp="1"/>
+          </p:cNvSpPr>
+          <p:nvPr>
+            <p:ph type="body" idx="1"/>
+          </p:nvPr>
+        </p:nvSpPr>
+        <p:spPr/>
+        <p:txBody>
+          <a:bodyPr/>
+          <a:lstStyle/>
+          <a:p>
+            <a:r>
+              <a:rPr lang="en-US" dirty="0"/>
+              <a:t>Test case: Pick a start date and see every 365 days and look at the spread and the delta – pull market forwards 10 </a:t>
+            </a:r>
+            <a:r>
+              <a:rPr lang="en-US" dirty="0" err="1"/>
+              <a:t>yrs</a:t>
+            </a:r>
+            <a:r>
+              <a:rPr lang="en-US" dirty="0"/>
+              <a:t> out (so </a:t>
+            </a:r>
+            <a:r>
+              <a:rPr lang="en-US" dirty="0" err="1"/>
+              <a:t>asofdate</a:t>
+            </a:r>
+            <a:r>
+              <a:rPr lang="en-US" dirty="0"/>
+              <a:t> = 2010) and all the way up to 2019 </a:t>
+            </a:r>
+            <a:r>
+              <a:rPr lang="en-US" dirty="0">
+                <a:sym typeface="Wingdings" pitchFamily="2" charset="2"/>
+              </a:rPr>
+              <a:t> how much the price has moved for each forward date</a:t>
+            </a:r>
+          </a:p>
+          <a:p>
+            <a:endParaRPr lang="en-US" dirty="0">
+              <a:sym typeface="Wingdings" pitchFamily="2" charset="2"/>
+            </a:endParaRPr>
+          </a:p>
+          <a:p>
+            <a:r>
+              <a:rPr lang="en-US" dirty="0">
+                <a:sym typeface="Wingdings" pitchFamily="2" charset="2"/>
+              </a:rPr>
+              <a:t>Between every Jan 1 of year x, see how much the forwards moved over the year (could have changed)</a:t>
+            </a:r>
+          </a:p>
+          <a:p>
+            <a:r>
+              <a:rPr lang="en-US" dirty="0">
+                <a:sym typeface="Wingdings" pitchFamily="2" charset="2"/>
+              </a:rPr>
+              <a:t>Same as of date, but term over next 10 </a:t>
+            </a:r>
+            <a:r>
+              <a:rPr lang="en-US" dirty="0" err="1">
+                <a:sym typeface="Wingdings" pitchFamily="2" charset="2"/>
+              </a:rPr>
+              <a:t>yrs</a:t>
+            </a:r>
+            <a:r>
+              <a:rPr lang="en-US" dirty="0">
+                <a:sym typeface="Wingdings" pitchFamily="2" charset="2"/>
+              </a:rPr>
+              <a:t> (looking always at January)</a:t>
+            </a:r>
+          </a:p>
+          <a:p>
+            <a:r>
+              <a:rPr lang="en-US" dirty="0">
+                <a:sym typeface="Wingdings" pitchFamily="2" charset="2"/>
+              </a:rPr>
+              <a:t>See for </a:t>
+            </a:r>
+            <a:r>
+              <a:rPr lang="en-US" dirty="0" err="1">
+                <a:sym typeface="Wingdings" pitchFamily="2" charset="2"/>
+              </a:rPr>
+              <a:t>jan</a:t>
+            </a:r>
+            <a:r>
+              <a:rPr lang="en-US" dirty="0">
+                <a:sym typeface="Wingdings" pitchFamily="2" charset="2"/>
+              </a:rPr>
+              <a:t> 1 2010 and </a:t>
+            </a:r>
+            <a:r>
+              <a:rPr lang="en-US" dirty="0" err="1">
+                <a:sym typeface="Wingdings" pitchFamily="2" charset="2"/>
+              </a:rPr>
+              <a:t>dec</a:t>
+            </a:r>
+            <a:r>
+              <a:rPr lang="en-US" dirty="0">
+                <a:sym typeface="Wingdings" pitchFamily="2" charset="2"/>
+              </a:rPr>
+              <a:t> 31 2010 within year time frame</a:t>
+            </a:r>
+          </a:p>
+          <a:p>
+            <a:endParaRPr lang="en-US" dirty="0">
+              <a:sym typeface="Wingdings" pitchFamily="2" charset="2"/>
+            </a:endParaRPr>
+          </a:p>
+          <a:p>
+            <a:endParaRPr lang="en-US" dirty="0"/>
+          </a:p>
+          <a:p>
+            <a:endParaRPr lang="en-US" dirty="0"/>
+          </a:p>
+        </p:txBody>
+      </p:sp>
+      <p:sp>
+        <p:nvSpPr>
+          <p:cNvPr id="4" name="Slide Number Placeholder 3"/>
+          <p:cNvSpPr>
+            <a:spLocks noGrp="1"/>
+          </p:cNvSpPr>
+          <p:nvPr>
+            <p:ph type="sldNum" sz="quarter" idx="5"/>
+          </p:nvPr>
+        </p:nvSpPr>
+        <p:spPr/>
+        <p:txBody>
+          <a:bodyPr/>
+          <a:lstStyle/>
+          <a:p>
+            <a:fld id="{F9A40FA3-8469-4D4D-B51C-53CE63B966C1}" type="slidenum">
+              <a:rPr lang="en-US" smtClean="0"/>
+              <a:t>32</a:t>
+            </a:fld>
+            <a:endParaRPr lang="en-US"/>
+          </a:p>
+        </p:txBody>
+      </p:sp>
+    </p:spTree>
+    <p:extLst>
+      <p:ext uri="{BB962C8B-B14F-4D97-AF65-F5344CB8AC3E}">
+        <p14:creationId xmlns:p14="http://schemas.microsoft.com/office/powerpoint/2010/main" val="3299885151"/>
+      </p:ext>
+    </p:extLst>
+  </p:cSld>
+  <p:clrMapOvr>
+    <a:masterClrMapping/>
+  </p:clrMapOvr>
+</p:notes>
+</file>
+
+<file path=ppt/notesSlides/notesSlide7.xml><?xml version="1.0" encoding="utf-8"?>
+<p:notes xmlns:a="http://schemas.openxmlformats.org/drawingml/2006/main" xmlns:r="http://schemas.openxmlformats.org/officeDocument/2006/relationships" xmlns:p="http://schemas.openxmlformats.org/presentationml/2006/main">
+  <p:cSld>
+    <p:spTree>
+      <p:nvGrpSpPr>
+        <p:cNvPr id="1" name=""/>
+        <p:cNvGrpSpPr/>
+        <p:nvPr/>
+      </p:nvGrpSpPr>
+      <p:grpSpPr>
+        <a:xfrm>
+          <a:off x="0" y="0"/>
+          <a:ext cx="0" cy="0"/>
+          <a:chOff x="0" y="0"/>
+          <a:chExt cx="0" cy="0"/>
+        </a:xfrm>
+      </p:grpSpPr>
+      <p:sp>
+        <p:nvSpPr>
+          <p:cNvPr id="2" name="Slide Image Placeholder 1"/>
+          <p:cNvSpPr>
+            <a:spLocks noGrp="1" noRot="1" noChangeAspect="1"/>
+          </p:cNvSpPr>
+          <p:nvPr>
+            <p:ph type="sldImg"/>
+          </p:nvPr>
+        </p:nvSpPr>
+        <p:spPr/>
+      </p:sp>
+      <p:sp>
+        <p:nvSpPr>
+          <p:cNvPr id="3" name="Notes Placeholder 2"/>
+          <p:cNvSpPr>
+            <a:spLocks noGrp="1"/>
+          </p:cNvSpPr>
+          <p:nvPr>
+            <p:ph type="body" idx="1"/>
+          </p:nvPr>
+        </p:nvSpPr>
+        <p:spPr/>
+        <p:txBody>
+          <a:bodyPr/>
+          <a:lstStyle/>
+          <a:p>
+            <a:endParaRPr lang="en-US" dirty="0"/>
+          </a:p>
+        </p:txBody>
+      </p:sp>
+      <p:sp>
+        <p:nvSpPr>
+          <p:cNvPr id="4" name="Slide Number Placeholder 3"/>
+          <p:cNvSpPr>
+            <a:spLocks noGrp="1"/>
+          </p:cNvSpPr>
+          <p:nvPr>
+            <p:ph type="sldNum" sz="quarter" idx="5"/>
+          </p:nvPr>
+        </p:nvSpPr>
+        <p:spPr/>
+        <p:txBody>
+          <a:bodyPr/>
+          <a:lstStyle/>
+          <a:p>
+            <a:fld id="{F9A40FA3-8469-4D4D-B51C-53CE63B966C1}" type="slidenum">
+              <a:rPr lang="en-US" smtClean="0"/>
+              <a:t>38</a:t>
+            </a:fld>
+            <a:endParaRPr lang="en-US"/>
+          </a:p>
+        </p:txBody>
+      </p:sp>
+    </p:spTree>
+    <p:extLst>
+      <p:ext uri="{BB962C8B-B14F-4D97-AF65-F5344CB8AC3E}">
+        <p14:creationId xmlns:p14="http://schemas.microsoft.com/office/powerpoint/2010/main" val="3285672806"/>
       </p:ext>
     </p:extLst>
   </p:cSld>
@@ -4326,6 +4505,17 @@
 <file path=ppt/slides/slide1.xml><?xml version="1.0" encoding="utf-8"?>
 <p:sld xmlns:a="http://schemas.openxmlformats.org/drawingml/2006/main" xmlns:r="http://schemas.openxmlformats.org/officeDocument/2006/relationships" xmlns:p="http://schemas.openxmlformats.org/presentationml/2006/main">
   <p:cSld>
+    <p:bg>
+      <p:bgPr>
+        <a:solidFill>
+          <a:schemeClr val="accent6">
+            <a:lumMod val="40000"/>
+            <a:lumOff val="60000"/>
+          </a:schemeClr>
+        </a:solidFill>
+        <a:effectLst/>
+      </p:bgPr>
+    </p:bg>
     <p:spTree>
       <p:nvGrpSpPr>
         <p:cNvPr id="1" name=""/>
@@ -4359,16 +4549,137 @@
         <p:spPr>
           <a:xfrm>
             <a:off x="1524000" y="2235200"/>
-            <a:ext cx="9144000" cy="2387600"/>
-          </a:xfrm>
-        </p:spPr>
-        <p:txBody>
-          <a:bodyPr anchor="ctr"/>
-          <a:lstStyle/>
-          <a:p>
-            <a:r>
-              <a:rPr lang="en-US" dirty="0"/>
-              <a:t>Region: ERCOT</a:t>
+            <a:ext cx="9144000" cy="1723189"/>
+          </a:xfrm>
+        </p:spPr>
+        <p:txBody>
+          <a:bodyPr anchor="ctr">
+            <a:normAutofit fontScale="90000"/>
+          </a:bodyPr>
+          <a:lstStyle/>
+          <a:p>
+            <a:r>
+              <a:rPr lang="en-US" dirty="0">
+                <a:latin typeface="Century Gothic" panose="020B0502020202020204" pitchFamily="34" charset="0"/>
+              </a:rPr>
+              <a:t>US ERCOT Power Markets</a:t>
+            </a:r>
+          </a:p>
+        </p:txBody>
+      </p:sp>
+      <p:sp>
+        <p:nvSpPr>
+          <p:cNvPr id="3" name="TextBox 2">
+            <a:extLst>
+              <a:ext uri="{FF2B5EF4-FFF2-40B4-BE49-F238E27FC236}">
+                <a16:creationId xmlns:a16="http://schemas.microsoft.com/office/drawing/2014/main" id="{F6B1ECF9-0FD0-1642-A55C-FB895DA3829F}"/>
+              </a:ext>
+            </a:extLst>
+          </p:cNvPr>
+          <p:cNvSpPr txBox="1"/>
+          <p:nvPr/>
+        </p:nvSpPr>
+        <p:spPr>
+          <a:xfrm>
+            <a:off x="1825439" y="3773723"/>
+            <a:ext cx="8541121" cy="369332"/>
+          </a:xfrm>
+          <a:prstGeom prst="rect">
+            <a:avLst/>
+          </a:prstGeom>
+          <a:noFill/>
+        </p:spPr>
+        <p:txBody>
+          <a:bodyPr wrap="none" rtlCol="0">
+            <a:spAutoFit/>
+          </a:bodyPr>
+          <a:lstStyle/>
+          <a:p>
+            <a:r>
+              <a:rPr lang="en-US" b="1" dirty="0">
+                <a:solidFill>
+                  <a:schemeClr val="accent6">
+                    <a:lumMod val="75000"/>
+                  </a:schemeClr>
+                </a:solidFill>
+                <a:latin typeface="Century Gothic" panose="020B0502020202020204" pitchFamily="34" charset="0"/>
+              </a:rPr>
+              <a:t>Futures Price Automated Data Collection and Real Price Prediction Analysis</a:t>
+            </a:r>
+          </a:p>
+        </p:txBody>
+      </p:sp>
+      <p:sp>
+        <p:nvSpPr>
+          <p:cNvPr id="4" name="TextBox 3">
+            <a:extLst>
+              <a:ext uri="{FF2B5EF4-FFF2-40B4-BE49-F238E27FC236}">
+                <a16:creationId xmlns:a16="http://schemas.microsoft.com/office/drawing/2014/main" id="{ACB41A06-AE3E-4449-A2F1-2555980576D6}"/>
+              </a:ext>
+            </a:extLst>
+          </p:cNvPr>
+          <p:cNvSpPr txBox="1"/>
+          <p:nvPr/>
+        </p:nvSpPr>
+        <p:spPr>
+          <a:xfrm>
+            <a:off x="10366560" y="5964016"/>
+            <a:ext cx="1670650" cy="646331"/>
+          </a:xfrm>
+          <a:prstGeom prst="rect">
+            <a:avLst/>
+          </a:prstGeom>
+          <a:noFill/>
+        </p:spPr>
+        <p:txBody>
+          <a:bodyPr wrap="none" rtlCol="0">
+            <a:spAutoFit/>
+          </a:bodyPr>
+          <a:lstStyle/>
+          <a:p>
+            <a:r>
+              <a:rPr lang="en-US" dirty="0" err="1">
+                <a:solidFill>
+                  <a:schemeClr val="bg1"/>
+                </a:solidFill>
+                <a:latin typeface="Century Gothic" panose="020B0502020202020204" pitchFamily="34" charset="0"/>
+              </a:rPr>
+              <a:t>Jiyoo</a:t>
+            </a:r>
+            <a:r>
+              <a:rPr lang="en-US" dirty="0">
+                <a:solidFill>
+                  <a:schemeClr val="bg1"/>
+                </a:solidFill>
+                <a:latin typeface="Century Gothic" panose="020B0502020202020204" pitchFamily="34" charset="0"/>
+              </a:rPr>
+              <a:t> </a:t>
+            </a:r>
+            <a:r>
+              <a:rPr lang="en-US" dirty="0" err="1">
+                <a:solidFill>
+                  <a:schemeClr val="bg1"/>
+                </a:solidFill>
+                <a:latin typeface="Century Gothic" panose="020B0502020202020204" pitchFamily="34" charset="0"/>
+              </a:rPr>
+              <a:t>Jeong</a:t>
+            </a:r>
+            <a:endParaRPr lang="en-US" dirty="0">
+              <a:solidFill>
+                <a:schemeClr val="bg1"/>
+              </a:solidFill>
+              <a:latin typeface="Century Gothic" panose="020B0502020202020204" pitchFamily="34" charset="0"/>
+            </a:endParaRPr>
+          </a:p>
+          <a:p>
+            <a:r>
+              <a:rPr lang="en-US" dirty="0">
+                <a:solidFill>
+                  <a:schemeClr val="bg1"/>
+                </a:solidFill>
+                <a:latin typeface="Century Gothic" panose="020B0502020202020204" pitchFamily="34" charset="0"/>
+              </a:rPr>
+              <a:t>Summer 2020</a:t>
             </a:r>
           </a:p>
         </p:txBody>
@@ -4403,130 +4714,40 @@
           <a:chExt cx="0" cy="0"/>
         </a:xfrm>
       </p:grpSpPr>
-      <p:pic>
-        <p:nvPicPr>
-          <p:cNvPr id="5" name="Content Placeholder 4" descr="A picture containing screenshot&#10;&#10;Description automatically generated">
-            <a:extLst>
-              <a:ext uri="{FF2B5EF4-FFF2-40B4-BE49-F238E27FC236}">
-                <a16:creationId xmlns:a16="http://schemas.microsoft.com/office/drawing/2014/main" id="{92C6C8EF-173B-F947-9E4C-0F1C43081CFF}"/>
-              </a:ext>
-            </a:extLst>
-          </p:cNvPr>
-          <p:cNvPicPr>
-            <a:picLocks noGrp="1" noChangeAspect="1"/>
-          </p:cNvPicPr>
+      <p:sp>
+        <p:nvSpPr>
+          <p:cNvPr id="2" name="Title 1">
+            <a:extLst>
+              <a:ext uri="{FF2B5EF4-FFF2-40B4-BE49-F238E27FC236}">
+                <a16:creationId xmlns:a16="http://schemas.microsoft.com/office/drawing/2014/main" id="{E930EB85-73B2-4849-9337-5BC558C8C66D}"/>
+              </a:ext>
+            </a:extLst>
+          </p:cNvPr>
+          <p:cNvSpPr>
+            <a:spLocks noGrp="1"/>
+          </p:cNvSpPr>
           <p:nvPr>
-            <p:ph idx="1"/>
+            <p:ph type="title"/>
           </p:nvPr>
-        </p:nvPicPr>
-        <p:blipFill>
-          <a:blip r:embed="rId2"/>
-          <a:stretch>
-            <a:fillRect/>
-          </a:stretch>
-        </p:blipFill>
-        <p:spPr>
-          <a:xfrm>
-            <a:off x="2438400" y="70693"/>
-            <a:ext cx="7315199" cy="6716613"/>
-          </a:xfrm>
-        </p:spPr>
-      </p:pic>
-      <p:cxnSp>
-        <p:nvCxnSpPr>
-          <p:cNvPr id="10" name="Straight Connector 9">
-            <a:extLst>
-              <a:ext uri="{FF2B5EF4-FFF2-40B4-BE49-F238E27FC236}">
-                <a16:creationId xmlns:a16="http://schemas.microsoft.com/office/drawing/2014/main" id="{1463C95D-C524-0D4A-9069-F0ABD5B950B4}"/>
-              </a:ext>
-            </a:extLst>
-          </p:cNvPr>
-          <p:cNvCxnSpPr/>
-          <p:nvPr/>
-        </p:nvCxnSpPr>
-        <p:spPr>
-          <a:xfrm>
-            <a:off x="8364071" y="107576"/>
-            <a:ext cx="0" cy="6656295"/>
-          </a:xfrm>
-          <a:prstGeom prst="line">
-            <a:avLst/>
-          </a:prstGeom>
-          <a:ln>
-            <a:solidFill>
-              <a:srgbClr val="FF0000"/>
-            </a:solidFill>
-          </a:ln>
-        </p:spPr>
-        <p:style>
-          <a:lnRef idx="1">
-            <a:schemeClr val="accent1"/>
-          </a:lnRef>
-          <a:fillRef idx="0">
-            <a:schemeClr val="accent1"/>
-          </a:fillRef>
-          <a:effectRef idx="0">
-            <a:schemeClr val="accent1"/>
-          </a:effectRef>
-          <a:fontRef idx="minor">
-            <a:schemeClr val="tx1"/>
-          </a:fontRef>
-        </p:style>
-      </p:cxnSp>
-      <p:sp>
-        <p:nvSpPr>
-          <p:cNvPr id="11" name="TextBox 10">
-            <a:extLst>
-              <a:ext uri="{FF2B5EF4-FFF2-40B4-BE49-F238E27FC236}">
-                <a16:creationId xmlns:a16="http://schemas.microsoft.com/office/drawing/2014/main" id="{05C4CE2B-10F3-914F-9512-276BDDC67759}"/>
-              </a:ext>
-            </a:extLst>
-          </p:cNvPr>
-          <p:cNvSpPr txBox="1"/>
-          <p:nvPr/>
-        </p:nvSpPr>
-        <p:spPr>
-          <a:xfrm>
-            <a:off x="8364071" y="61731"/>
-            <a:ext cx="1909497" cy="253916"/>
-          </a:xfrm>
-          <a:prstGeom prst="rect">
-            <a:avLst/>
-          </a:prstGeom>
-          <a:noFill/>
-        </p:spPr>
-        <p:txBody>
-          <a:bodyPr wrap="none" rtlCol="0">
-            <a:spAutoFit/>
-          </a:bodyPr>
-          <a:lstStyle/>
-          <a:p>
-            <a:r>
-              <a:rPr lang="en-US" sz="1050" dirty="0">
+        </p:nvSpPr>
+        <p:spPr>
+          <a:xfrm>
+            <a:off x="838200" y="2766218"/>
+            <a:ext cx="10515600" cy="1325563"/>
+          </a:xfrm>
+        </p:spPr>
+        <p:txBody>
+          <a:bodyPr/>
+          <a:lstStyle/>
+          <a:p>
+            <a:r>
+              <a:rPr lang="en-US" dirty="0">
                 <a:solidFill>
-                  <a:srgbClr val="FF0000"/>
+                  <a:schemeClr val="accent6"/>
                 </a:solidFill>
                 <a:latin typeface="Century Gothic" panose="020B0502020202020204" pitchFamily="34" charset="0"/>
               </a:rPr>
-              <a:t>post 1</a:t>
-            </a:r>
-            <a:r>
-              <a:rPr lang="en-US" sz="1050" baseline="30000" dirty="0">
-                <a:solidFill>
-                  <a:srgbClr val="FF0000"/>
-                </a:solidFill>
-                <a:latin typeface="Century Gothic" panose="020B0502020202020204" pitchFamily="34" charset="0"/>
-              </a:rPr>
-              <a:t>st</a:t>
-            </a:r>
-            <a:r>
-              <a:rPr lang="en-US" sz="1050" dirty="0">
-                <a:solidFill>
-                  <a:srgbClr val="FF0000"/>
-                </a:solidFill>
-                <a:latin typeface="Century Gothic" panose="020B0502020202020204" pitchFamily="34" charset="0"/>
-              </a:rPr>
-              <a:t> day of Term month</a:t>
+              <a:t>Snapshot View: One year out</a:t>
             </a:r>
           </a:p>
         </p:txBody>
@@ -4534,7 +4755,7 @@
     </p:spTree>
     <p:extLst>
       <p:ext uri="{BB962C8B-B14F-4D97-AF65-F5344CB8AC3E}">
-        <p14:creationId xmlns:p14="http://schemas.microsoft.com/office/powerpoint/2010/main" val="3788006994"/>
+        <p14:creationId xmlns:p14="http://schemas.microsoft.com/office/powerpoint/2010/main" val="4140632681"/>
       </p:ext>
     </p:extLst>
   </p:cSld>
@@ -4561,458 +4782,37 @@
           <a:chExt cx="0" cy="0"/>
         </a:xfrm>
       </p:grpSpPr>
-      <p:pic>
-        <p:nvPicPr>
-          <p:cNvPr id="5" name="Content Placeholder 4" descr="A picture containing screenshot&#10;&#10;Description automatically generated">
-            <a:extLst>
-              <a:ext uri="{FF2B5EF4-FFF2-40B4-BE49-F238E27FC236}">
-                <a16:creationId xmlns:a16="http://schemas.microsoft.com/office/drawing/2014/main" id="{92C6C8EF-173B-F947-9E4C-0F1C43081CFF}"/>
-              </a:ext>
-            </a:extLst>
-          </p:cNvPr>
-          <p:cNvPicPr>
-            <a:picLocks noGrp="1" noChangeAspect="1"/>
-          </p:cNvPicPr>
+      <p:sp>
+        <p:nvSpPr>
+          <p:cNvPr id="2" name="Title 1">
+            <a:extLst>
+              <a:ext uri="{FF2B5EF4-FFF2-40B4-BE49-F238E27FC236}">
+                <a16:creationId xmlns:a16="http://schemas.microsoft.com/office/drawing/2014/main" id="{E930EB85-73B2-4849-9337-5BC558C8C66D}"/>
+              </a:ext>
+            </a:extLst>
+          </p:cNvPr>
+          <p:cNvSpPr>
+            <a:spLocks noGrp="1"/>
+          </p:cNvSpPr>
           <p:nvPr>
-            <p:ph idx="1"/>
+            <p:ph type="title"/>
           </p:nvPr>
-        </p:nvPicPr>
-        <p:blipFill>
-          <a:blip r:embed="rId2"/>
-          <a:stretch>
-            <a:fillRect/>
-          </a:stretch>
-        </p:blipFill>
-        <p:spPr>
-          <a:xfrm>
-            <a:off x="2438400" y="70693"/>
-            <a:ext cx="7315199" cy="6716613"/>
-          </a:xfrm>
-        </p:spPr>
-      </p:pic>
-      <p:cxnSp>
-        <p:nvCxnSpPr>
-          <p:cNvPr id="9" name="Straight Arrow Connector 8">
-            <a:extLst>
-              <a:ext uri="{FF2B5EF4-FFF2-40B4-BE49-F238E27FC236}">
-                <a16:creationId xmlns:a16="http://schemas.microsoft.com/office/drawing/2014/main" id="{889F0E67-503E-E04A-8376-61B7D6DC65BD}"/>
-              </a:ext>
-            </a:extLst>
-          </p:cNvPr>
-          <p:cNvCxnSpPr/>
-          <p:nvPr/>
-        </p:nvCxnSpPr>
-        <p:spPr>
-          <a:xfrm flipH="1">
-            <a:off x="5540189" y="5646404"/>
-            <a:ext cx="4975411" cy="0"/>
-          </a:xfrm>
-          <a:prstGeom prst="straightConnector1">
-            <a:avLst/>
-          </a:prstGeom>
-          <a:ln>
-            <a:solidFill>
-              <a:srgbClr val="7030A0"/>
-            </a:solidFill>
-            <a:tailEnd type="triangle"/>
-          </a:ln>
-        </p:spPr>
-        <p:style>
-          <a:lnRef idx="1">
-            <a:schemeClr val="accent2"/>
-          </a:lnRef>
-          <a:fillRef idx="0">
-            <a:schemeClr val="accent2"/>
-          </a:fillRef>
-          <a:effectRef idx="0">
-            <a:schemeClr val="accent2"/>
-          </a:effectRef>
-          <a:fontRef idx="minor">
-            <a:schemeClr val="tx1"/>
-          </a:fontRef>
-        </p:style>
-      </p:cxnSp>
-      <p:cxnSp>
-        <p:nvCxnSpPr>
-          <p:cNvPr id="3" name="Straight Connector 2">
-            <a:extLst>
-              <a:ext uri="{FF2B5EF4-FFF2-40B4-BE49-F238E27FC236}">
-                <a16:creationId xmlns:a16="http://schemas.microsoft.com/office/drawing/2014/main" id="{818CAF1C-C62F-1045-B2E9-24B27FFBE9EC}"/>
-              </a:ext>
-            </a:extLst>
-          </p:cNvPr>
-          <p:cNvCxnSpPr/>
-          <p:nvPr/>
-        </p:nvCxnSpPr>
-        <p:spPr>
-          <a:xfrm>
-            <a:off x="2877671" y="1075765"/>
-            <a:ext cx="6293223" cy="0"/>
-          </a:xfrm>
-          <a:prstGeom prst="line">
-            <a:avLst/>
-          </a:prstGeom>
-          <a:ln>
-            <a:solidFill>
-              <a:srgbClr val="FF0000"/>
-            </a:solidFill>
-          </a:ln>
-        </p:spPr>
-        <p:style>
-          <a:lnRef idx="1">
-            <a:schemeClr val="accent1"/>
-          </a:lnRef>
-          <a:fillRef idx="0">
-            <a:schemeClr val="accent1"/>
-          </a:fillRef>
-          <a:effectRef idx="0">
-            <a:schemeClr val="accent1"/>
-          </a:effectRef>
-          <a:fontRef idx="minor">
-            <a:schemeClr val="tx1"/>
-          </a:fontRef>
-        </p:style>
-      </p:cxnSp>
-      <p:cxnSp>
-        <p:nvCxnSpPr>
-          <p:cNvPr id="6" name="Straight Connector 5">
-            <a:extLst>
-              <a:ext uri="{FF2B5EF4-FFF2-40B4-BE49-F238E27FC236}">
-                <a16:creationId xmlns:a16="http://schemas.microsoft.com/office/drawing/2014/main" id="{E4030534-43F9-B742-BA4C-D5AB17750101}"/>
-              </a:ext>
-            </a:extLst>
-          </p:cNvPr>
-          <p:cNvCxnSpPr/>
-          <p:nvPr/>
-        </p:nvCxnSpPr>
-        <p:spPr>
-          <a:xfrm>
-            <a:off x="2877671" y="2572870"/>
-            <a:ext cx="6293223" cy="0"/>
-          </a:xfrm>
-          <a:prstGeom prst="line">
-            <a:avLst/>
-          </a:prstGeom>
-          <a:ln>
-            <a:solidFill>
-              <a:srgbClr val="FF0000"/>
-            </a:solidFill>
-          </a:ln>
-        </p:spPr>
-        <p:style>
-          <a:lnRef idx="1">
-            <a:schemeClr val="accent1"/>
-          </a:lnRef>
-          <a:fillRef idx="0">
-            <a:schemeClr val="accent1"/>
-          </a:fillRef>
-          <a:effectRef idx="0">
-            <a:schemeClr val="accent1"/>
-          </a:effectRef>
-          <a:fontRef idx="minor">
-            <a:schemeClr val="tx1"/>
-          </a:fontRef>
-        </p:style>
-      </p:cxnSp>
-      <p:cxnSp>
-        <p:nvCxnSpPr>
-          <p:cNvPr id="7" name="Straight Connector 6">
-            <a:extLst>
-              <a:ext uri="{FF2B5EF4-FFF2-40B4-BE49-F238E27FC236}">
-                <a16:creationId xmlns:a16="http://schemas.microsoft.com/office/drawing/2014/main" id="{C5FDE98E-AFE5-0B40-AAA8-0038AAB25B18}"/>
-              </a:ext>
-            </a:extLst>
-          </p:cNvPr>
-          <p:cNvCxnSpPr/>
-          <p:nvPr/>
-        </p:nvCxnSpPr>
-        <p:spPr>
-          <a:xfrm>
-            <a:off x="2877671" y="4052047"/>
-            <a:ext cx="6293223" cy="0"/>
-          </a:xfrm>
-          <a:prstGeom prst="line">
-            <a:avLst/>
-          </a:prstGeom>
-          <a:ln>
-            <a:solidFill>
-              <a:srgbClr val="FF0000"/>
-            </a:solidFill>
-          </a:ln>
-        </p:spPr>
-        <p:style>
-          <a:lnRef idx="1">
-            <a:schemeClr val="accent1"/>
-          </a:lnRef>
-          <a:fillRef idx="0">
-            <a:schemeClr val="accent1"/>
-          </a:fillRef>
-          <a:effectRef idx="0">
-            <a:schemeClr val="accent1"/>
-          </a:effectRef>
-          <a:fontRef idx="minor">
-            <a:schemeClr val="tx1"/>
-          </a:fontRef>
-        </p:style>
-      </p:cxnSp>
-      <p:cxnSp>
-        <p:nvCxnSpPr>
-          <p:cNvPr id="8" name="Straight Connector 7">
-            <a:extLst>
-              <a:ext uri="{FF2B5EF4-FFF2-40B4-BE49-F238E27FC236}">
-                <a16:creationId xmlns:a16="http://schemas.microsoft.com/office/drawing/2014/main" id="{261201BC-1D9E-E549-9275-98FDF4427222}"/>
-              </a:ext>
-            </a:extLst>
-          </p:cNvPr>
-          <p:cNvCxnSpPr/>
-          <p:nvPr/>
-        </p:nvCxnSpPr>
-        <p:spPr>
-          <a:xfrm>
-            <a:off x="2877671" y="5517777"/>
-            <a:ext cx="6293223" cy="0"/>
-          </a:xfrm>
-          <a:prstGeom prst="line">
-            <a:avLst/>
-          </a:prstGeom>
-          <a:ln>
-            <a:solidFill>
-              <a:srgbClr val="FF0000"/>
-            </a:solidFill>
-          </a:ln>
-        </p:spPr>
-        <p:style>
-          <a:lnRef idx="1">
-            <a:schemeClr val="accent1"/>
-          </a:lnRef>
-          <a:fillRef idx="0">
-            <a:schemeClr val="accent1"/>
-          </a:fillRef>
-          <a:effectRef idx="0">
-            <a:schemeClr val="accent1"/>
-          </a:effectRef>
-          <a:fontRef idx="minor">
-            <a:schemeClr val="tx1"/>
-          </a:fontRef>
-        </p:style>
-      </p:cxnSp>
-      <p:cxnSp>
-        <p:nvCxnSpPr>
-          <p:cNvPr id="10" name="Straight Arrow Connector 9">
-            <a:extLst>
-              <a:ext uri="{FF2B5EF4-FFF2-40B4-BE49-F238E27FC236}">
-                <a16:creationId xmlns:a16="http://schemas.microsoft.com/office/drawing/2014/main" id="{A2A65935-ED19-2041-9A84-206904331A08}"/>
-              </a:ext>
-            </a:extLst>
-          </p:cNvPr>
-          <p:cNvCxnSpPr>
-            <a:cxnSpLocks/>
-          </p:cNvCxnSpPr>
-          <p:nvPr/>
-        </p:nvCxnSpPr>
-        <p:spPr>
-          <a:xfrm flipH="1">
-            <a:off x="8861612" y="1331259"/>
-            <a:ext cx="1653988" cy="0"/>
-          </a:xfrm>
-          <a:prstGeom prst="straightConnector1">
-            <a:avLst/>
-          </a:prstGeom>
-          <a:ln>
-            <a:solidFill>
-              <a:srgbClr val="7030A0"/>
-            </a:solidFill>
-            <a:tailEnd type="triangle"/>
-          </a:ln>
-        </p:spPr>
-        <p:style>
-          <a:lnRef idx="1">
-            <a:schemeClr val="accent1"/>
-          </a:lnRef>
-          <a:fillRef idx="0">
-            <a:schemeClr val="accent1"/>
-          </a:fillRef>
-          <a:effectRef idx="0">
-            <a:schemeClr val="accent1"/>
-          </a:effectRef>
-          <a:fontRef idx="minor">
-            <a:schemeClr val="tx1"/>
-          </a:fontRef>
-        </p:style>
-      </p:cxnSp>
-      <p:sp>
-        <p:nvSpPr>
-          <p:cNvPr id="12" name="TextBox 11">
-            <a:extLst>
-              <a:ext uri="{FF2B5EF4-FFF2-40B4-BE49-F238E27FC236}">
-                <a16:creationId xmlns:a16="http://schemas.microsoft.com/office/drawing/2014/main" id="{C36496D0-FAE5-8A46-8642-9AB8B91D34EC}"/>
-              </a:ext>
-            </a:extLst>
-          </p:cNvPr>
-          <p:cNvSpPr txBox="1"/>
-          <p:nvPr/>
-        </p:nvSpPr>
-        <p:spPr>
-          <a:xfrm>
-            <a:off x="10821662" y="915760"/>
-            <a:ext cx="1173114" cy="830997"/>
-          </a:xfrm>
-          <a:prstGeom prst="rect">
-            <a:avLst/>
-          </a:prstGeom>
-          <a:solidFill>
-            <a:srgbClr val="E9DDFF"/>
-          </a:solidFill>
-        </p:spPr>
-        <p:txBody>
-          <a:bodyPr wrap="square" rtlCol="0">
-            <a:spAutoFit/>
-          </a:bodyPr>
-          <a:lstStyle/>
-          <a:p>
-            <a:r>
-              <a:rPr lang="en-US" sz="1200" dirty="0">
-                <a:latin typeface="Century Gothic" panose="020B0502020202020204" pitchFamily="34" charset="0"/>
-              </a:rPr>
-              <a:t>Lowest monthly intersection error</a:t>
-            </a:r>
-          </a:p>
-        </p:txBody>
-      </p:sp>
-      <p:sp>
-        <p:nvSpPr>
-          <p:cNvPr id="13" name="TextBox 12">
-            <a:extLst>
-              <a:ext uri="{FF2B5EF4-FFF2-40B4-BE49-F238E27FC236}">
-                <a16:creationId xmlns:a16="http://schemas.microsoft.com/office/drawing/2014/main" id="{021001C2-39F2-0443-A95C-47D65B810193}"/>
-              </a:ext>
-            </a:extLst>
-          </p:cNvPr>
-          <p:cNvSpPr txBox="1"/>
-          <p:nvPr/>
-        </p:nvSpPr>
-        <p:spPr>
-          <a:xfrm>
-            <a:off x="10821662" y="5230905"/>
-            <a:ext cx="1173114" cy="1384995"/>
-          </a:xfrm>
-          <a:prstGeom prst="rect">
-            <a:avLst/>
-          </a:prstGeom>
-          <a:solidFill>
-            <a:srgbClr val="E9DDFF"/>
-          </a:solidFill>
-        </p:spPr>
-        <p:txBody>
-          <a:bodyPr wrap="square" rtlCol="0">
-            <a:spAutoFit/>
-          </a:bodyPr>
-          <a:lstStyle/>
-          <a:p>
-            <a:r>
-              <a:rPr lang="en-US" sz="1200" dirty="0">
-                <a:latin typeface="Century Gothic" panose="020B0502020202020204" pitchFamily="34" charset="0"/>
-              </a:rPr>
-              <a:t>High Peaks between day 225 and 200 for ATC for Houston, South and West Zones</a:t>
-            </a:r>
-          </a:p>
-        </p:txBody>
-      </p:sp>
-      <p:cxnSp>
-        <p:nvCxnSpPr>
-          <p:cNvPr id="14" name="Straight Connector 13">
-            <a:extLst>
-              <a:ext uri="{FF2B5EF4-FFF2-40B4-BE49-F238E27FC236}">
-                <a16:creationId xmlns:a16="http://schemas.microsoft.com/office/drawing/2014/main" id="{7D503E2F-F418-2B4C-9E8F-FA607A687377}"/>
-              </a:ext>
-            </a:extLst>
-          </p:cNvPr>
-          <p:cNvCxnSpPr/>
-          <p:nvPr/>
-        </p:nvCxnSpPr>
-        <p:spPr>
-          <a:xfrm>
-            <a:off x="8364071" y="107576"/>
-            <a:ext cx="0" cy="6656295"/>
-          </a:xfrm>
-          <a:prstGeom prst="line">
-            <a:avLst/>
-          </a:prstGeom>
-          <a:ln>
-            <a:solidFill>
-              <a:srgbClr val="FF0000"/>
-            </a:solidFill>
-          </a:ln>
-        </p:spPr>
-        <p:style>
-          <a:lnRef idx="1">
-            <a:schemeClr val="accent1"/>
-          </a:lnRef>
-          <a:fillRef idx="0">
-            <a:schemeClr val="accent1"/>
-          </a:fillRef>
-          <a:effectRef idx="0">
-            <a:schemeClr val="accent1"/>
-          </a:effectRef>
-          <a:fontRef idx="minor">
-            <a:schemeClr val="tx1"/>
-          </a:fontRef>
-        </p:style>
-      </p:cxnSp>
-      <p:sp>
-        <p:nvSpPr>
-          <p:cNvPr id="15" name="TextBox 14">
-            <a:extLst>
-              <a:ext uri="{FF2B5EF4-FFF2-40B4-BE49-F238E27FC236}">
-                <a16:creationId xmlns:a16="http://schemas.microsoft.com/office/drawing/2014/main" id="{E4F68C10-1E4D-8E4B-8480-45689C9DEDE6}"/>
-              </a:ext>
-            </a:extLst>
-          </p:cNvPr>
-          <p:cNvSpPr txBox="1"/>
-          <p:nvPr/>
-        </p:nvSpPr>
-        <p:spPr>
-          <a:xfrm>
-            <a:off x="8364071" y="61731"/>
-            <a:ext cx="1909497" cy="253916"/>
-          </a:xfrm>
-          <a:prstGeom prst="rect">
-            <a:avLst/>
-          </a:prstGeom>
-          <a:noFill/>
-        </p:spPr>
-        <p:txBody>
-          <a:bodyPr wrap="none" rtlCol="0">
-            <a:spAutoFit/>
-          </a:bodyPr>
-          <a:lstStyle/>
-          <a:p>
-            <a:r>
-              <a:rPr lang="en-US" sz="1050" dirty="0">
-                <a:solidFill>
-                  <a:srgbClr val="FF0000"/>
-                </a:solidFill>
-                <a:latin typeface="Century Gothic" panose="020B0502020202020204" pitchFamily="34" charset="0"/>
-              </a:rPr>
-              <a:t>post 1</a:t>
-            </a:r>
-            <a:r>
-              <a:rPr lang="en-US" sz="1050" baseline="30000" dirty="0">
-                <a:solidFill>
-                  <a:srgbClr val="FF0000"/>
-                </a:solidFill>
-                <a:latin typeface="Century Gothic" panose="020B0502020202020204" pitchFamily="34" charset="0"/>
-              </a:rPr>
-              <a:t>st</a:t>
-            </a:r>
-            <a:r>
-              <a:rPr lang="en-US" sz="1050" dirty="0">
-                <a:solidFill>
-                  <a:srgbClr val="FF0000"/>
-                </a:solidFill>
-                <a:latin typeface="Century Gothic" panose="020B0502020202020204" pitchFamily="34" charset="0"/>
-              </a:rPr>
-              <a:t> day of Term month</a:t>
+        </p:nvSpPr>
+        <p:spPr>
+          <a:xfrm>
+            <a:off x="838200" y="2766218"/>
+            <a:ext cx="10515600" cy="1325563"/>
+          </a:xfrm>
+        </p:spPr>
+        <p:txBody>
+          <a:bodyPr/>
+          <a:lstStyle/>
+          <a:p>
+            <a:r>
+              <a:rPr lang="en-US" dirty="0">
+                <a:latin typeface="Century Gothic" panose="020B0502020202020204" pitchFamily="34" charset="0"/>
+              </a:rPr>
+              <a:t>Means</a:t>
             </a:r>
           </a:p>
         </p:txBody>
@@ -5020,7 +4820,7 @@
     </p:spTree>
     <p:extLst>
       <p:ext uri="{BB962C8B-B14F-4D97-AF65-F5344CB8AC3E}">
-        <p14:creationId xmlns:p14="http://schemas.microsoft.com/office/powerpoint/2010/main" val="1180280758"/>
+        <p14:creationId xmlns:p14="http://schemas.microsoft.com/office/powerpoint/2010/main" val="1472903204"/>
       </p:ext>
     </p:extLst>
   </p:cSld>
@@ -5049,17 +4849,19 @@
       </p:grpSpPr>
       <p:pic>
         <p:nvPicPr>
-          <p:cNvPr id="3" name="Picture 2" descr="A close up of text on a black background&#10;&#10;Description automatically generated">
-            <a:extLst>
-              <a:ext uri="{FF2B5EF4-FFF2-40B4-BE49-F238E27FC236}">
-                <a16:creationId xmlns:a16="http://schemas.microsoft.com/office/drawing/2014/main" id="{C96C1BF6-C3CD-5F4D-8C9E-9AED436E2A60}"/>
+          <p:cNvPr id="6" name="Content Placeholder 5" descr="A picture containing screenshot&#10;&#10;Description automatically generated">
+            <a:extLst>
+              <a:ext uri="{FF2B5EF4-FFF2-40B4-BE49-F238E27FC236}">
+                <a16:creationId xmlns:a16="http://schemas.microsoft.com/office/drawing/2014/main" id="{E2D1E8AC-F676-EE47-927E-C1F9E2687E3B}"/>
               </a:ext>
             </a:extLst>
           </p:cNvPr>
           <p:cNvPicPr>
-            <a:picLocks noChangeAspect="1"/>
+            <a:picLocks noGrp="1" noChangeAspect="1"/>
           </p:cNvPicPr>
-          <p:nvPr/>
+          <p:nvPr>
+            <p:ph idx="1"/>
+          </p:nvPr>
         </p:nvPicPr>
         <p:blipFill>
           <a:blip r:embed="rId2"/>
@@ -5069,18 +4871,114 @@
         </p:blipFill>
         <p:spPr>
           <a:xfrm>
-            <a:off x="120650" y="2057400"/>
-            <a:ext cx="11950700" cy="2743200"/>
+            <a:off x="2414103" y="2638"/>
+            <a:ext cx="7363794" cy="6761233"/>
+          </a:xfrm>
+        </p:spPr>
+      </p:pic>
+      <p:cxnSp>
+        <p:nvCxnSpPr>
+          <p:cNvPr id="10" name="Straight Connector 9">
+            <a:extLst>
+              <a:ext uri="{FF2B5EF4-FFF2-40B4-BE49-F238E27FC236}">
+                <a16:creationId xmlns:a16="http://schemas.microsoft.com/office/drawing/2014/main" id="{1463C95D-C524-0D4A-9069-F0ABD5B950B4}"/>
+              </a:ext>
+            </a:extLst>
+          </p:cNvPr>
+          <p:cNvCxnSpPr/>
+          <p:nvPr/>
+        </p:nvCxnSpPr>
+        <p:spPr>
+          <a:xfrm>
+            <a:off x="8377518" y="107576"/>
+            <a:ext cx="0" cy="6656295"/>
+          </a:xfrm>
+          <a:prstGeom prst="line">
+            <a:avLst/>
+          </a:prstGeom>
+          <a:ln>
+            <a:solidFill>
+              <a:srgbClr val="FF0000"/>
+            </a:solidFill>
+          </a:ln>
+        </p:spPr>
+        <p:style>
+          <a:lnRef idx="1">
+            <a:schemeClr val="accent1"/>
+          </a:lnRef>
+          <a:fillRef idx="0">
+            <a:schemeClr val="accent1"/>
+          </a:fillRef>
+          <a:effectRef idx="0">
+            <a:schemeClr val="accent1"/>
+          </a:effectRef>
+          <a:fontRef idx="minor">
+            <a:schemeClr val="tx1"/>
+          </a:fontRef>
+        </p:style>
+      </p:cxnSp>
+      <p:sp>
+        <p:nvSpPr>
+          <p:cNvPr id="11" name="TextBox 10">
+            <a:extLst>
+              <a:ext uri="{FF2B5EF4-FFF2-40B4-BE49-F238E27FC236}">
+                <a16:creationId xmlns:a16="http://schemas.microsoft.com/office/drawing/2014/main" id="{05C4CE2B-10F3-914F-9512-276BDDC67759}"/>
+              </a:ext>
+            </a:extLst>
+          </p:cNvPr>
+          <p:cNvSpPr txBox="1"/>
+          <p:nvPr/>
+        </p:nvSpPr>
+        <p:spPr>
+          <a:xfrm>
+            <a:off x="8364071" y="61731"/>
+            <a:ext cx="1909497" cy="253916"/>
           </a:xfrm>
           <a:prstGeom prst="rect">
             <a:avLst/>
           </a:prstGeom>
-        </p:spPr>
-      </p:pic>
+          <a:noFill/>
+        </p:spPr>
+        <p:txBody>
+          <a:bodyPr wrap="none" rtlCol="0">
+            <a:spAutoFit/>
+          </a:bodyPr>
+          <a:lstStyle/>
+          <a:p>
+            <a:r>
+              <a:rPr lang="en-US" sz="1050" dirty="0">
+                <a:solidFill>
+                  <a:srgbClr val="FF0000"/>
+                </a:solidFill>
+                <a:latin typeface="Century Gothic" panose="020B0502020202020204" pitchFamily="34" charset="0"/>
+              </a:rPr>
+              <a:t>post 1</a:t>
+            </a:r>
+            <a:r>
+              <a:rPr lang="en-US" sz="1050" baseline="30000" dirty="0">
+                <a:solidFill>
+                  <a:srgbClr val="FF0000"/>
+                </a:solidFill>
+                <a:latin typeface="Century Gothic" panose="020B0502020202020204" pitchFamily="34" charset="0"/>
+              </a:rPr>
+              <a:t>st</a:t>
+            </a:r>
+            <a:r>
+              <a:rPr lang="en-US" sz="1050" dirty="0">
+                <a:solidFill>
+                  <a:srgbClr val="FF0000"/>
+                </a:solidFill>
+                <a:latin typeface="Century Gothic" panose="020B0502020202020204" pitchFamily="34" charset="0"/>
+              </a:rPr>
+              <a:t> day of Term month</a:t>
+            </a:r>
+          </a:p>
+        </p:txBody>
+      </p:sp>
     </p:spTree>
     <p:extLst>
       <p:ext uri="{BB962C8B-B14F-4D97-AF65-F5344CB8AC3E}">
-        <p14:creationId xmlns:p14="http://schemas.microsoft.com/office/powerpoint/2010/main" val="339689323"/>
+        <p14:creationId xmlns:p14="http://schemas.microsoft.com/office/powerpoint/2010/main" val="3788006994"/>
       </p:ext>
     </p:extLst>
   </p:cSld>
@@ -5109,10 +5007,10 @@
       </p:grpSpPr>
       <p:pic>
         <p:nvPicPr>
-          <p:cNvPr id="3" name="Picture 2" descr="A close up of text on a black background&#10;&#10;Description automatically generated">
-            <a:extLst>
-              <a:ext uri="{FF2B5EF4-FFF2-40B4-BE49-F238E27FC236}">
-                <a16:creationId xmlns:a16="http://schemas.microsoft.com/office/drawing/2014/main" id="{C96C1BF6-C3CD-5F4D-8C9E-9AED436E2A60}"/>
+          <p:cNvPr id="16" name="Content Placeholder 5" descr="A picture containing screenshot&#10;&#10;Description automatically generated">
+            <a:extLst>
+              <a:ext uri="{FF2B5EF4-FFF2-40B4-BE49-F238E27FC236}">
+                <a16:creationId xmlns:a16="http://schemas.microsoft.com/office/drawing/2014/main" id="{81269798-2C0F-2F49-A617-338D13F9578E}"/>
               </a:ext>
             </a:extLst>
           </p:cNvPr>
@@ -5122,15 +5020,15 @@
           <p:nvPr/>
         </p:nvPicPr>
         <p:blipFill>
-          <a:blip r:embed="rId2"/>
+          <a:blip r:embed="rId3"/>
           <a:stretch>
             <a:fillRect/>
           </a:stretch>
         </p:blipFill>
         <p:spPr>
           <a:xfrm>
-            <a:off x="120650" y="2057400"/>
-            <a:ext cx="11950700" cy="2743200"/>
+            <a:off x="2366682" y="-8504"/>
+            <a:ext cx="7411215" cy="6804774"/>
           </a:xfrm>
           <a:prstGeom prst="rect">
             <a:avLst/>
@@ -5139,198 +5037,27 @@
       </p:pic>
       <p:cxnSp>
         <p:nvCxnSpPr>
-          <p:cNvPr id="4" name="Straight Arrow Connector 3">
-            <a:extLst>
-              <a:ext uri="{FF2B5EF4-FFF2-40B4-BE49-F238E27FC236}">
-                <a16:creationId xmlns:a16="http://schemas.microsoft.com/office/drawing/2014/main" id="{A6393732-FD80-9240-9BED-EFA95587A44E}"/>
-              </a:ext>
-            </a:extLst>
-          </p:cNvPr>
-          <p:cNvCxnSpPr>
-            <a:cxnSpLocks/>
-          </p:cNvCxnSpPr>
+          <p:cNvPr id="9" name="Straight Arrow Connector 8">
+            <a:extLst>
+              <a:ext uri="{FF2B5EF4-FFF2-40B4-BE49-F238E27FC236}">
+                <a16:creationId xmlns:a16="http://schemas.microsoft.com/office/drawing/2014/main" id="{889F0E67-503E-E04A-8376-61B7D6DC65BD}"/>
+              </a:ext>
+            </a:extLst>
+          </p:cNvPr>
+          <p:cNvCxnSpPr/>
           <p:nvPr/>
         </p:nvCxnSpPr>
         <p:spPr>
-          <a:xfrm flipV="1">
-            <a:off x="2783541" y="4504766"/>
-            <a:ext cx="0" cy="839687"/>
+          <a:xfrm flipH="1">
+            <a:off x="5540189" y="5646404"/>
+            <a:ext cx="4975411" cy="0"/>
           </a:xfrm>
           <a:prstGeom prst="straightConnector1">
             <a:avLst/>
           </a:prstGeom>
           <a:ln>
             <a:solidFill>
-              <a:schemeClr val="accent4"/>
-            </a:solidFill>
-            <a:tailEnd type="triangle"/>
-          </a:ln>
-        </p:spPr>
-        <p:style>
-          <a:lnRef idx="1">
-            <a:schemeClr val="accent2"/>
-          </a:lnRef>
-          <a:fillRef idx="0">
-            <a:schemeClr val="accent2"/>
-          </a:fillRef>
-          <a:effectRef idx="0">
-            <a:schemeClr val="accent2"/>
-          </a:effectRef>
-          <a:fontRef idx="minor">
-            <a:schemeClr val="tx1"/>
-          </a:fontRef>
-        </p:style>
-      </p:cxnSp>
-      <p:sp>
-        <p:nvSpPr>
-          <p:cNvPr id="6" name="TextBox 5">
-            <a:extLst>
-              <a:ext uri="{FF2B5EF4-FFF2-40B4-BE49-F238E27FC236}">
-                <a16:creationId xmlns:a16="http://schemas.microsoft.com/office/drawing/2014/main" id="{A94098D5-AC6E-F04F-926B-523CC663BB8D}"/>
-              </a:ext>
-            </a:extLst>
-          </p:cNvPr>
-          <p:cNvSpPr txBox="1"/>
-          <p:nvPr/>
-        </p:nvSpPr>
-        <p:spPr>
-          <a:xfrm>
-            <a:off x="2904565" y="5036676"/>
-            <a:ext cx="5048177" cy="307777"/>
-          </a:xfrm>
-          <a:prstGeom prst="rect">
-            <a:avLst/>
-          </a:prstGeom>
-          <a:solidFill>
-            <a:schemeClr val="accent4"/>
-          </a:solidFill>
-        </p:spPr>
-        <p:txBody>
-          <a:bodyPr wrap="none" rtlCol="0">
-            <a:spAutoFit/>
-          </a:bodyPr>
-          <a:lstStyle/>
-          <a:p>
-            <a:r>
-              <a:rPr lang="en-US" sz="1400" dirty="0">
-                <a:latin typeface="Century Gothic" panose="020B0502020202020204" pitchFamily="34" charset="0"/>
-              </a:rPr>
-              <a:t>Off peak is less volatile but under predicting on average</a:t>
-            </a:r>
-          </a:p>
-        </p:txBody>
-      </p:sp>
-      <p:cxnSp>
-        <p:nvCxnSpPr>
-          <p:cNvPr id="8" name="Straight Arrow Connector 7">
-            <a:extLst>
-              <a:ext uri="{FF2B5EF4-FFF2-40B4-BE49-F238E27FC236}">
-                <a16:creationId xmlns:a16="http://schemas.microsoft.com/office/drawing/2014/main" id="{12C98AA7-A39E-A540-81DD-4A49AD65BC7D}"/>
-              </a:ext>
-            </a:extLst>
-          </p:cNvPr>
-          <p:cNvCxnSpPr>
-            <a:cxnSpLocks/>
-          </p:cNvCxnSpPr>
-          <p:nvPr/>
-        </p:nvCxnSpPr>
-        <p:spPr>
-          <a:xfrm flipV="1">
-            <a:off x="1174376" y="4504765"/>
-            <a:ext cx="0" cy="2030506"/>
-          </a:xfrm>
-          <a:prstGeom prst="straightConnector1">
-            <a:avLst/>
-          </a:prstGeom>
-          <a:ln>
-            <a:solidFill>
-              <a:schemeClr val="accent6"/>
-            </a:solidFill>
-            <a:tailEnd type="triangle"/>
-          </a:ln>
-        </p:spPr>
-        <p:style>
-          <a:lnRef idx="1">
-            <a:schemeClr val="accent2"/>
-          </a:lnRef>
-          <a:fillRef idx="0">
-            <a:schemeClr val="accent2"/>
-          </a:fillRef>
-          <a:effectRef idx="0">
-            <a:schemeClr val="accent2"/>
-          </a:effectRef>
-          <a:fontRef idx="minor">
-            <a:schemeClr val="tx1"/>
-          </a:fontRef>
-        </p:style>
-      </p:cxnSp>
-      <p:sp>
-        <p:nvSpPr>
-          <p:cNvPr id="12" name="TextBox 11">
-            <a:extLst>
-              <a:ext uri="{FF2B5EF4-FFF2-40B4-BE49-F238E27FC236}">
-                <a16:creationId xmlns:a16="http://schemas.microsoft.com/office/drawing/2014/main" id="{8CD02CB7-4EE5-B94F-9435-CC4AC5FDB629}"/>
-              </a:ext>
-            </a:extLst>
-          </p:cNvPr>
-          <p:cNvSpPr txBox="1"/>
-          <p:nvPr/>
-        </p:nvSpPr>
-        <p:spPr>
-          <a:xfrm>
-            <a:off x="1297093" y="6227494"/>
-            <a:ext cx="6688049" cy="307777"/>
-          </a:xfrm>
-          <a:prstGeom prst="rect">
-            <a:avLst/>
-          </a:prstGeom>
-          <a:solidFill>
-            <a:schemeClr val="accent6">
-              <a:lumMod val="40000"/>
-              <a:lumOff val="60000"/>
-            </a:schemeClr>
-          </a:solidFill>
-        </p:spPr>
-        <p:txBody>
-          <a:bodyPr wrap="none" rtlCol="0">
-            <a:spAutoFit/>
-          </a:bodyPr>
-          <a:lstStyle/>
-          <a:p>
-            <a:r>
-              <a:rPr lang="en-US" sz="1400" dirty="0">
-                <a:latin typeface="Century Gothic" panose="020B0502020202020204" pitchFamily="34" charset="0"/>
-              </a:rPr>
-              <a:t>On peak is more volatile (greater spread) and over predicting on average.</a:t>
-            </a:r>
-          </a:p>
-        </p:txBody>
-      </p:sp>
-      <p:cxnSp>
-        <p:nvCxnSpPr>
-          <p:cNvPr id="13" name="Straight Arrow Connector 12">
-            <a:extLst>
-              <a:ext uri="{FF2B5EF4-FFF2-40B4-BE49-F238E27FC236}">
-                <a16:creationId xmlns:a16="http://schemas.microsoft.com/office/drawing/2014/main" id="{0247FA08-8BCA-944B-A35F-B4A6C944FAFA}"/>
-              </a:ext>
-            </a:extLst>
-          </p:cNvPr>
-          <p:cNvCxnSpPr>
-            <a:cxnSpLocks/>
-          </p:cNvCxnSpPr>
-          <p:nvPr/>
-        </p:nvCxnSpPr>
-        <p:spPr>
-          <a:xfrm flipV="1">
-            <a:off x="5356411" y="4477871"/>
-            <a:ext cx="0" cy="839687"/>
-          </a:xfrm>
-          <a:prstGeom prst="straightConnector1">
-            <a:avLst/>
-          </a:prstGeom>
-          <a:ln>
-            <a:solidFill>
-              <a:schemeClr val="accent4"/>
+              <a:srgbClr val="7030A0"/>
             </a:solidFill>
             <a:tailEnd type="triangle"/>
           </a:ln>
@@ -5352,42 +5079,39 @@
       </p:cxnSp>
       <p:cxnSp>
         <p:nvCxnSpPr>
-          <p:cNvPr id="14" name="Straight Arrow Connector 13">
-            <a:extLst>
-              <a:ext uri="{FF2B5EF4-FFF2-40B4-BE49-F238E27FC236}">
-                <a16:creationId xmlns:a16="http://schemas.microsoft.com/office/drawing/2014/main" id="{23E99F97-4D64-A14D-8B23-B3B0D06740DC}"/>
-              </a:ext>
-            </a:extLst>
-          </p:cNvPr>
-          <p:cNvCxnSpPr>
-            <a:cxnSpLocks/>
-          </p:cNvCxnSpPr>
+          <p:cNvPr id="3" name="Straight Connector 2">
+            <a:extLst>
+              <a:ext uri="{FF2B5EF4-FFF2-40B4-BE49-F238E27FC236}">
+                <a16:creationId xmlns:a16="http://schemas.microsoft.com/office/drawing/2014/main" id="{818CAF1C-C62F-1045-B2E9-24B27FFBE9EC}"/>
+              </a:ext>
+            </a:extLst>
+          </p:cNvPr>
+          <p:cNvCxnSpPr/>
           <p:nvPr/>
         </p:nvCxnSpPr>
         <p:spPr>
-          <a:xfrm flipV="1">
-            <a:off x="7914610" y="4464424"/>
-            <a:ext cx="0" cy="839687"/>
-          </a:xfrm>
-          <a:prstGeom prst="straightConnector1">
+          <a:xfrm>
+            <a:off x="2796989" y="995082"/>
+            <a:ext cx="6293223" cy="0"/>
+          </a:xfrm>
+          <a:prstGeom prst="line">
             <a:avLst/>
           </a:prstGeom>
           <a:ln>
             <a:solidFill>
-              <a:schemeClr val="accent4"/>
+              <a:srgbClr val="FF0000"/>
             </a:solidFill>
-            <a:tailEnd type="triangle"/>
           </a:ln>
         </p:spPr>
         <p:style>
           <a:lnRef idx="1">
-            <a:schemeClr val="accent2"/>
+            <a:schemeClr val="accent1"/>
           </a:lnRef>
           <a:fillRef idx="0">
-            <a:schemeClr val="accent2"/>
+            <a:schemeClr val="accent1"/>
           </a:fillRef>
           <a:effectRef idx="0">
-            <a:schemeClr val="accent2"/>
+            <a:schemeClr val="accent1"/>
           </a:effectRef>
           <a:fontRef idx="minor">
             <a:schemeClr val="tx1"/>
@@ -5396,42 +5120,39 @@
       </p:cxnSp>
       <p:cxnSp>
         <p:nvCxnSpPr>
-          <p:cNvPr id="15" name="Straight Arrow Connector 14">
-            <a:extLst>
-              <a:ext uri="{FF2B5EF4-FFF2-40B4-BE49-F238E27FC236}">
-                <a16:creationId xmlns:a16="http://schemas.microsoft.com/office/drawing/2014/main" id="{65E5EA02-4FBD-BB4A-9975-9EBF58904957}"/>
-              </a:ext>
-            </a:extLst>
-          </p:cNvPr>
-          <p:cNvCxnSpPr>
-            <a:cxnSpLocks/>
-          </p:cNvCxnSpPr>
+          <p:cNvPr id="6" name="Straight Connector 5">
+            <a:extLst>
+              <a:ext uri="{FF2B5EF4-FFF2-40B4-BE49-F238E27FC236}">
+                <a16:creationId xmlns:a16="http://schemas.microsoft.com/office/drawing/2014/main" id="{E4030534-43F9-B742-BA4C-D5AB17750101}"/>
+              </a:ext>
+            </a:extLst>
+          </p:cNvPr>
+          <p:cNvCxnSpPr/>
           <p:nvPr/>
         </p:nvCxnSpPr>
         <p:spPr>
-          <a:xfrm flipV="1">
-            <a:off x="10600764" y="4437530"/>
-            <a:ext cx="0" cy="839687"/>
-          </a:xfrm>
-          <a:prstGeom prst="straightConnector1">
+          <a:xfrm>
+            <a:off x="2823883" y="2519082"/>
+            <a:ext cx="6293223" cy="0"/>
+          </a:xfrm>
+          <a:prstGeom prst="line">
             <a:avLst/>
           </a:prstGeom>
           <a:ln>
             <a:solidFill>
-              <a:schemeClr val="accent4"/>
+              <a:srgbClr val="FF0000"/>
             </a:solidFill>
-            <a:tailEnd type="triangle"/>
           </a:ln>
         </p:spPr>
         <p:style>
           <a:lnRef idx="1">
-            <a:schemeClr val="accent2"/>
+            <a:schemeClr val="accent1"/>
           </a:lnRef>
           <a:fillRef idx="0">
-            <a:schemeClr val="accent2"/>
+            <a:schemeClr val="accent1"/>
           </a:fillRef>
           <a:effectRef idx="0">
-            <a:schemeClr val="accent2"/>
+            <a:schemeClr val="accent1"/>
           </a:effectRef>
           <a:fontRef idx="minor">
             <a:schemeClr val="tx1"/>
@@ -5440,52 +5161,311 @@
       </p:cxnSp>
       <p:cxnSp>
         <p:nvCxnSpPr>
-          <p:cNvPr id="16" name="Straight Arrow Connector 15">
-            <a:extLst>
-              <a:ext uri="{FF2B5EF4-FFF2-40B4-BE49-F238E27FC236}">
-                <a16:creationId xmlns:a16="http://schemas.microsoft.com/office/drawing/2014/main" id="{5FB671A8-975C-BF49-92C8-A640AE653F7F}"/>
-              </a:ext>
-            </a:extLst>
-          </p:cNvPr>
-          <p:cNvCxnSpPr>
-            <a:cxnSpLocks/>
-          </p:cNvCxnSpPr>
+          <p:cNvPr id="7" name="Straight Connector 6">
+            <a:extLst>
+              <a:ext uri="{FF2B5EF4-FFF2-40B4-BE49-F238E27FC236}">
+                <a16:creationId xmlns:a16="http://schemas.microsoft.com/office/drawing/2014/main" id="{C5FDE98E-AFE5-0B40-AAA8-0038AAB25B18}"/>
+              </a:ext>
+            </a:extLst>
+          </p:cNvPr>
+          <p:cNvCxnSpPr/>
           <p:nvPr/>
         </p:nvCxnSpPr>
         <p:spPr>
-          <a:xfrm flipV="1">
-            <a:off x="9112623" y="4477871"/>
-            <a:ext cx="0" cy="2030506"/>
-          </a:xfrm>
-          <a:prstGeom prst="straightConnector1">
+          <a:xfrm>
+            <a:off x="2823883" y="4011706"/>
+            <a:ext cx="6293223" cy="0"/>
+          </a:xfrm>
+          <a:prstGeom prst="line">
             <a:avLst/>
           </a:prstGeom>
           <a:ln>
             <a:solidFill>
-              <a:schemeClr val="accent6"/>
+              <a:srgbClr val="FF0000"/>
             </a:solidFill>
-            <a:tailEnd type="triangle"/>
           </a:ln>
         </p:spPr>
         <p:style>
           <a:lnRef idx="1">
-            <a:schemeClr val="accent2"/>
+            <a:schemeClr val="accent1"/>
           </a:lnRef>
           <a:fillRef idx="0">
-            <a:schemeClr val="accent2"/>
+            <a:schemeClr val="accent1"/>
           </a:fillRef>
           <a:effectRef idx="0">
-            <a:schemeClr val="accent2"/>
+            <a:schemeClr val="accent1"/>
           </a:effectRef>
           <a:fontRef idx="minor">
             <a:schemeClr val="tx1"/>
           </a:fontRef>
         </p:style>
       </p:cxnSp>
+      <p:cxnSp>
+        <p:nvCxnSpPr>
+          <p:cNvPr id="8" name="Straight Connector 7">
+            <a:extLst>
+              <a:ext uri="{FF2B5EF4-FFF2-40B4-BE49-F238E27FC236}">
+                <a16:creationId xmlns:a16="http://schemas.microsoft.com/office/drawing/2014/main" id="{261201BC-1D9E-E549-9275-98FDF4427222}"/>
+              </a:ext>
+            </a:extLst>
+          </p:cNvPr>
+          <p:cNvCxnSpPr/>
+          <p:nvPr/>
+        </p:nvCxnSpPr>
+        <p:spPr>
+          <a:xfrm>
+            <a:off x="2823883" y="5504330"/>
+            <a:ext cx="6293223" cy="0"/>
+          </a:xfrm>
+          <a:prstGeom prst="line">
+            <a:avLst/>
+          </a:prstGeom>
+          <a:ln>
+            <a:solidFill>
+              <a:srgbClr val="FF0000"/>
+            </a:solidFill>
+          </a:ln>
+        </p:spPr>
+        <p:style>
+          <a:lnRef idx="1">
+            <a:schemeClr val="accent1"/>
+          </a:lnRef>
+          <a:fillRef idx="0">
+            <a:schemeClr val="accent1"/>
+          </a:fillRef>
+          <a:effectRef idx="0">
+            <a:schemeClr val="accent1"/>
+          </a:effectRef>
+          <a:fontRef idx="minor">
+            <a:schemeClr val="tx1"/>
+          </a:fontRef>
+        </p:style>
+      </p:cxnSp>
+      <p:cxnSp>
+        <p:nvCxnSpPr>
+          <p:cNvPr id="10" name="Straight Arrow Connector 9">
+            <a:extLst>
+              <a:ext uri="{FF2B5EF4-FFF2-40B4-BE49-F238E27FC236}">
+                <a16:creationId xmlns:a16="http://schemas.microsoft.com/office/drawing/2014/main" id="{A2A65935-ED19-2041-9A84-206904331A08}"/>
+              </a:ext>
+            </a:extLst>
+          </p:cNvPr>
+          <p:cNvCxnSpPr>
+            <a:cxnSpLocks/>
+          </p:cNvCxnSpPr>
+          <p:nvPr/>
+        </p:nvCxnSpPr>
+        <p:spPr>
+          <a:xfrm flipH="1">
+            <a:off x="8861612" y="1331259"/>
+            <a:ext cx="1653988" cy="0"/>
+          </a:xfrm>
+          <a:prstGeom prst="straightConnector1">
+            <a:avLst/>
+          </a:prstGeom>
+          <a:ln>
+            <a:solidFill>
+              <a:srgbClr val="7030A0"/>
+            </a:solidFill>
+            <a:tailEnd type="triangle"/>
+          </a:ln>
+        </p:spPr>
+        <p:style>
+          <a:lnRef idx="1">
+            <a:schemeClr val="accent1"/>
+          </a:lnRef>
+          <a:fillRef idx="0">
+            <a:schemeClr val="accent1"/>
+          </a:fillRef>
+          <a:effectRef idx="0">
+            <a:schemeClr val="accent1"/>
+          </a:effectRef>
+          <a:fontRef idx="minor">
+            <a:schemeClr val="tx1"/>
+          </a:fontRef>
+        </p:style>
+      </p:cxnSp>
+      <p:sp>
+        <p:nvSpPr>
+          <p:cNvPr id="12" name="TextBox 11">
+            <a:extLst>
+              <a:ext uri="{FF2B5EF4-FFF2-40B4-BE49-F238E27FC236}">
+                <a16:creationId xmlns:a16="http://schemas.microsoft.com/office/drawing/2014/main" id="{C36496D0-FAE5-8A46-8642-9AB8B91D34EC}"/>
+              </a:ext>
+            </a:extLst>
+          </p:cNvPr>
+          <p:cNvSpPr txBox="1"/>
+          <p:nvPr/>
+        </p:nvSpPr>
+        <p:spPr>
+          <a:xfrm>
+            <a:off x="10740980" y="733978"/>
+            <a:ext cx="1173114" cy="1785104"/>
+          </a:xfrm>
+          <a:prstGeom prst="rect">
+            <a:avLst/>
+          </a:prstGeom>
+          <a:solidFill>
+            <a:srgbClr val="E9DDFF"/>
+          </a:solidFill>
+        </p:spPr>
+        <p:txBody>
+          <a:bodyPr wrap="square" rtlCol="0">
+            <a:spAutoFit/>
+          </a:bodyPr>
+          <a:lstStyle/>
+          <a:p>
+            <a:r>
+              <a:rPr lang="en-US" sz="1100" dirty="0">
+                <a:latin typeface="Century Gothic" panose="020B0502020202020204" pitchFamily="34" charset="0"/>
+              </a:rPr>
+              <a:t>Gradual Movement to Prediction Loss 0 due to futures predictive prices being replaced by real time prices.</a:t>
+            </a:r>
+          </a:p>
+        </p:txBody>
+      </p:sp>
+      <p:sp>
+        <p:nvSpPr>
+          <p:cNvPr id="13" name="TextBox 12">
+            <a:extLst>
+              <a:ext uri="{FF2B5EF4-FFF2-40B4-BE49-F238E27FC236}">
+                <a16:creationId xmlns:a16="http://schemas.microsoft.com/office/drawing/2014/main" id="{021001C2-39F2-0443-A95C-47D65B810193}"/>
+              </a:ext>
+            </a:extLst>
+          </p:cNvPr>
+          <p:cNvSpPr txBox="1"/>
+          <p:nvPr/>
+        </p:nvSpPr>
+        <p:spPr>
+          <a:xfrm>
+            <a:off x="10767874" y="4953906"/>
+            <a:ext cx="1173114" cy="1384995"/>
+          </a:xfrm>
+          <a:prstGeom prst="rect">
+            <a:avLst/>
+          </a:prstGeom>
+          <a:solidFill>
+            <a:srgbClr val="E9DDFF"/>
+          </a:solidFill>
+        </p:spPr>
+        <p:txBody>
+          <a:bodyPr wrap="square" rtlCol="0">
+            <a:spAutoFit/>
+          </a:bodyPr>
+          <a:lstStyle/>
+          <a:p>
+            <a:r>
+              <a:rPr lang="en-US" sz="1200" dirty="0">
+                <a:latin typeface="Century Gothic" panose="020B0502020202020204" pitchFamily="34" charset="0"/>
+              </a:rPr>
+              <a:t>High Peaks between day 225 and 200 for ATC for Houston, South and West Zones</a:t>
+            </a:r>
+          </a:p>
+        </p:txBody>
+      </p:sp>
+      <p:cxnSp>
+        <p:nvCxnSpPr>
+          <p:cNvPr id="14" name="Straight Connector 13">
+            <a:extLst>
+              <a:ext uri="{FF2B5EF4-FFF2-40B4-BE49-F238E27FC236}">
+                <a16:creationId xmlns:a16="http://schemas.microsoft.com/office/drawing/2014/main" id="{7D503E2F-F418-2B4C-9E8F-FA607A687377}"/>
+              </a:ext>
+            </a:extLst>
+          </p:cNvPr>
+          <p:cNvCxnSpPr/>
+          <p:nvPr/>
+        </p:nvCxnSpPr>
+        <p:spPr>
+          <a:xfrm>
+            <a:off x="8364071" y="107576"/>
+            <a:ext cx="0" cy="6656295"/>
+          </a:xfrm>
+          <a:prstGeom prst="line">
+            <a:avLst/>
+          </a:prstGeom>
+          <a:ln>
+            <a:solidFill>
+              <a:srgbClr val="FF0000"/>
+            </a:solidFill>
+          </a:ln>
+        </p:spPr>
+        <p:style>
+          <a:lnRef idx="1">
+            <a:schemeClr val="accent1"/>
+          </a:lnRef>
+          <a:fillRef idx="0">
+            <a:schemeClr val="accent1"/>
+          </a:fillRef>
+          <a:effectRef idx="0">
+            <a:schemeClr val="accent1"/>
+          </a:effectRef>
+          <a:fontRef idx="minor">
+            <a:schemeClr val="tx1"/>
+          </a:fontRef>
+        </p:style>
+      </p:cxnSp>
+      <p:sp>
+        <p:nvSpPr>
+          <p:cNvPr id="15" name="TextBox 14">
+            <a:extLst>
+              <a:ext uri="{FF2B5EF4-FFF2-40B4-BE49-F238E27FC236}">
+                <a16:creationId xmlns:a16="http://schemas.microsoft.com/office/drawing/2014/main" id="{E4F68C10-1E4D-8E4B-8480-45689C9DEDE6}"/>
+              </a:ext>
+            </a:extLst>
+          </p:cNvPr>
+          <p:cNvSpPr txBox="1"/>
+          <p:nvPr/>
+        </p:nvSpPr>
+        <p:spPr>
+          <a:xfrm>
+            <a:off x="8364071" y="61731"/>
+            <a:ext cx="1909497" cy="253916"/>
+          </a:xfrm>
+          <a:prstGeom prst="rect">
+            <a:avLst/>
+          </a:prstGeom>
+          <a:noFill/>
+        </p:spPr>
+        <p:txBody>
+          <a:bodyPr wrap="none" rtlCol="0">
+            <a:spAutoFit/>
+          </a:bodyPr>
+          <a:lstStyle/>
+          <a:p>
+            <a:r>
+              <a:rPr lang="en-US" sz="1050" dirty="0">
+                <a:solidFill>
+                  <a:srgbClr val="FF0000"/>
+                </a:solidFill>
+                <a:latin typeface="Century Gothic" panose="020B0502020202020204" pitchFamily="34" charset="0"/>
+              </a:rPr>
+              <a:t>post 1</a:t>
+            </a:r>
+            <a:r>
+              <a:rPr lang="en-US" sz="1050" baseline="30000" dirty="0">
+                <a:solidFill>
+                  <a:srgbClr val="FF0000"/>
+                </a:solidFill>
+                <a:latin typeface="Century Gothic" panose="020B0502020202020204" pitchFamily="34" charset="0"/>
+              </a:rPr>
+              <a:t>st</a:t>
+            </a:r>
+            <a:r>
+              <a:rPr lang="en-US" sz="1050" dirty="0">
+                <a:solidFill>
+                  <a:srgbClr val="FF0000"/>
+                </a:solidFill>
+                <a:latin typeface="Century Gothic" panose="020B0502020202020204" pitchFamily="34" charset="0"/>
+              </a:rPr>
+              <a:t> day of Term month</a:t>
+            </a:r>
+          </a:p>
+        </p:txBody>
+      </p:sp>
     </p:spTree>
     <p:extLst>
       <p:ext uri="{BB962C8B-B14F-4D97-AF65-F5344CB8AC3E}">
-        <p14:creationId xmlns:p14="http://schemas.microsoft.com/office/powerpoint/2010/main" val="1178506930"/>
+        <p14:creationId xmlns:p14="http://schemas.microsoft.com/office/powerpoint/2010/main" val="1180280758"/>
       </p:ext>
     </p:extLst>
   </p:cSld>
@@ -5512,45 +5492,40 @@
           <a:chExt cx="0" cy="0"/>
         </a:xfrm>
       </p:grpSpPr>
-      <p:sp>
-        <p:nvSpPr>
-          <p:cNvPr id="2" name="Title 1">
-            <a:extLst>
-              <a:ext uri="{FF2B5EF4-FFF2-40B4-BE49-F238E27FC236}">
-                <a16:creationId xmlns:a16="http://schemas.microsoft.com/office/drawing/2014/main" id="{8BFA2A46-1E3A-A24A-B820-D91D444577DD}"/>
-              </a:ext>
-            </a:extLst>
-          </p:cNvPr>
-          <p:cNvSpPr>
-            <a:spLocks noGrp="1"/>
-          </p:cNvSpPr>
-          <p:nvPr>
-            <p:ph type="title"/>
-          </p:nvPr>
-        </p:nvSpPr>
-        <p:spPr>
-          <a:xfrm>
-            <a:off x="838200" y="2766218"/>
-            <a:ext cx="10515600" cy="1325563"/>
-          </a:xfrm>
-        </p:spPr>
-        <p:txBody>
-          <a:bodyPr/>
-          <a:lstStyle/>
-          <a:p>
-            <a:r>
-              <a:rPr lang="en-US" dirty="0">
-                <a:latin typeface="Century Gothic" panose="020B0502020202020204" pitchFamily="34" charset="0"/>
-              </a:rPr>
-              <a:t>Volatility</a:t>
-            </a:r>
-          </a:p>
-        </p:txBody>
-      </p:sp>
+      <p:pic>
+        <p:nvPicPr>
+          <p:cNvPr id="4" name="Picture 3" descr="A close up of text on a black background&#10;&#10;Description automatically generated">
+            <a:extLst>
+              <a:ext uri="{FF2B5EF4-FFF2-40B4-BE49-F238E27FC236}">
+                <a16:creationId xmlns:a16="http://schemas.microsoft.com/office/drawing/2014/main" id="{1DD94849-142F-9C42-B327-9DE3560DEF57}"/>
+              </a:ext>
+            </a:extLst>
+          </p:cNvPr>
+          <p:cNvPicPr>
+            <a:picLocks noChangeAspect="1"/>
+          </p:cNvPicPr>
+          <p:nvPr/>
+        </p:nvPicPr>
+        <p:blipFill>
+          <a:blip r:embed="rId2"/>
+          <a:stretch>
+            <a:fillRect/>
+          </a:stretch>
+        </p:blipFill>
+        <p:spPr>
+          <a:xfrm>
+            <a:off x="120650" y="2057400"/>
+            <a:ext cx="11950700" cy="2743200"/>
+          </a:xfrm>
+          <a:prstGeom prst="rect">
+            <a:avLst/>
+          </a:prstGeom>
+        </p:spPr>
+      </p:pic>
     </p:spTree>
     <p:extLst>
       <p:ext uri="{BB962C8B-B14F-4D97-AF65-F5344CB8AC3E}">
-        <p14:creationId xmlns:p14="http://schemas.microsoft.com/office/powerpoint/2010/main" val="3308111442"/>
+        <p14:creationId xmlns:p14="http://schemas.microsoft.com/office/powerpoint/2010/main" val="339689323"/>
       </p:ext>
     </p:extLst>
   </p:cSld>
@@ -5577,12 +5552,357 @@
           <a:chExt cx="0" cy="0"/>
         </a:xfrm>
       </p:grpSpPr>
+      <p:cxnSp>
+        <p:nvCxnSpPr>
+          <p:cNvPr id="4" name="Straight Arrow Connector 3">
+            <a:extLst>
+              <a:ext uri="{FF2B5EF4-FFF2-40B4-BE49-F238E27FC236}">
+                <a16:creationId xmlns:a16="http://schemas.microsoft.com/office/drawing/2014/main" id="{A6393732-FD80-9240-9BED-EFA95587A44E}"/>
+              </a:ext>
+            </a:extLst>
+          </p:cNvPr>
+          <p:cNvCxnSpPr>
+            <a:cxnSpLocks/>
+          </p:cNvCxnSpPr>
+          <p:nvPr/>
+        </p:nvCxnSpPr>
+        <p:spPr>
+          <a:xfrm flipV="1">
+            <a:off x="2783541" y="4504766"/>
+            <a:ext cx="0" cy="839687"/>
+          </a:xfrm>
+          <a:prstGeom prst="straightConnector1">
+            <a:avLst/>
+          </a:prstGeom>
+          <a:ln>
+            <a:solidFill>
+              <a:schemeClr val="accent4"/>
+            </a:solidFill>
+            <a:tailEnd type="triangle"/>
+          </a:ln>
+        </p:spPr>
+        <p:style>
+          <a:lnRef idx="1">
+            <a:schemeClr val="accent2"/>
+          </a:lnRef>
+          <a:fillRef idx="0">
+            <a:schemeClr val="accent2"/>
+          </a:fillRef>
+          <a:effectRef idx="0">
+            <a:schemeClr val="accent2"/>
+          </a:effectRef>
+          <a:fontRef idx="minor">
+            <a:schemeClr val="tx1"/>
+          </a:fontRef>
+        </p:style>
+      </p:cxnSp>
+      <p:sp>
+        <p:nvSpPr>
+          <p:cNvPr id="6" name="TextBox 5">
+            <a:extLst>
+              <a:ext uri="{FF2B5EF4-FFF2-40B4-BE49-F238E27FC236}">
+                <a16:creationId xmlns:a16="http://schemas.microsoft.com/office/drawing/2014/main" id="{A94098D5-AC6E-F04F-926B-523CC663BB8D}"/>
+              </a:ext>
+            </a:extLst>
+          </p:cNvPr>
+          <p:cNvSpPr txBox="1"/>
+          <p:nvPr/>
+        </p:nvSpPr>
+        <p:spPr>
+          <a:xfrm>
+            <a:off x="2904565" y="5036676"/>
+            <a:ext cx="5048177" cy="307777"/>
+          </a:xfrm>
+          <a:prstGeom prst="rect">
+            <a:avLst/>
+          </a:prstGeom>
+          <a:solidFill>
+            <a:schemeClr val="accent4"/>
+          </a:solidFill>
+        </p:spPr>
+        <p:txBody>
+          <a:bodyPr wrap="none" rtlCol="0">
+            <a:spAutoFit/>
+          </a:bodyPr>
+          <a:lstStyle/>
+          <a:p>
+            <a:r>
+              <a:rPr lang="en-US" sz="1400" dirty="0">
+                <a:latin typeface="Century Gothic" panose="020B0502020202020204" pitchFamily="34" charset="0"/>
+              </a:rPr>
+              <a:t>Off peak is less volatile but under predicting on average</a:t>
+            </a:r>
+          </a:p>
+        </p:txBody>
+      </p:sp>
+      <p:cxnSp>
+        <p:nvCxnSpPr>
+          <p:cNvPr id="8" name="Straight Arrow Connector 7">
+            <a:extLst>
+              <a:ext uri="{FF2B5EF4-FFF2-40B4-BE49-F238E27FC236}">
+                <a16:creationId xmlns:a16="http://schemas.microsoft.com/office/drawing/2014/main" id="{12C98AA7-A39E-A540-81DD-4A49AD65BC7D}"/>
+              </a:ext>
+            </a:extLst>
+          </p:cNvPr>
+          <p:cNvCxnSpPr>
+            <a:cxnSpLocks/>
+          </p:cNvCxnSpPr>
+          <p:nvPr/>
+        </p:nvCxnSpPr>
+        <p:spPr>
+          <a:xfrm flipV="1">
+            <a:off x="1174376" y="4504765"/>
+            <a:ext cx="0" cy="2030506"/>
+          </a:xfrm>
+          <a:prstGeom prst="straightConnector1">
+            <a:avLst/>
+          </a:prstGeom>
+          <a:ln>
+            <a:solidFill>
+              <a:schemeClr val="accent6"/>
+            </a:solidFill>
+            <a:tailEnd type="triangle"/>
+          </a:ln>
+        </p:spPr>
+        <p:style>
+          <a:lnRef idx="1">
+            <a:schemeClr val="accent2"/>
+          </a:lnRef>
+          <a:fillRef idx="0">
+            <a:schemeClr val="accent2"/>
+          </a:fillRef>
+          <a:effectRef idx="0">
+            <a:schemeClr val="accent2"/>
+          </a:effectRef>
+          <a:fontRef idx="minor">
+            <a:schemeClr val="tx1"/>
+          </a:fontRef>
+        </p:style>
+      </p:cxnSp>
+      <p:sp>
+        <p:nvSpPr>
+          <p:cNvPr id="12" name="TextBox 11">
+            <a:extLst>
+              <a:ext uri="{FF2B5EF4-FFF2-40B4-BE49-F238E27FC236}">
+                <a16:creationId xmlns:a16="http://schemas.microsoft.com/office/drawing/2014/main" id="{8CD02CB7-4EE5-B94F-9435-CC4AC5FDB629}"/>
+              </a:ext>
+            </a:extLst>
+          </p:cNvPr>
+          <p:cNvSpPr txBox="1"/>
+          <p:nvPr/>
+        </p:nvSpPr>
+        <p:spPr>
+          <a:xfrm>
+            <a:off x="1297093" y="6227494"/>
+            <a:ext cx="6688049" cy="307777"/>
+          </a:xfrm>
+          <a:prstGeom prst="rect">
+            <a:avLst/>
+          </a:prstGeom>
+          <a:solidFill>
+            <a:schemeClr val="accent6">
+              <a:lumMod val="40000"/>
+              <a:lumOff val="60000"/>
+            </a:schemeClr>
+          </a:solidFill>
+        </p:spPr>
+        <p:txBody>
+          <a:bodyPr wrap="none" rtlCol="0">
+            <a:spAutoFit/>
+          </a:bodyPr>
+          <a:lstStyle/>
+          <a:p>
+            <a:r>
+              <a:rPr lang="en-US" sz="1400" dirty="0">
+                <a:latin typeface="Century Gothic" panose="020B0502020202020204" pitchFamily="34" charset="0"/>
+              </a:rPr>
+              <a:t>On peak is more volatile (greater spread) and over predicting on average.</a:t>
+            </a:r>
+          </a:p>
+        </p:txBody>
+      </p:sp>
+      <p:cxnSp>
+        <p:nvCxnSpPr>
+          <p:cNvPr id="13" name="Straight Arrow Connector 12">
+            <a:extLst>
+              <a:ext uri="{FF2B5EF4-FFF2-40B4-BE49-F238E27FC236}">
+                <a16:creationId xmlns:a16="http://schemas.microsoft.com/office/drawing/2014/main" id="{0247FA08-8BCA-944B-A35F-B4A6C944FAFA}"/>
+              </a:ext>
+            </a:extLst>
+          </p:cNvPr>
+          <p:cNvCxnSpPr>
+            <a:cxnSpLocks/>
+          </p:cNvCxnSpPr>
+          <p:nvPr/>
+        </p:nvCxnSpPr>
+        <p:spPr>
+          <a:xfrm flipV="1">
+            <a:off x="5356411" y="4477871"/>
+            <a:ext cx="0" cy="839687"/>
+          </a:xfrm>
+          <a:prstGeom prst="straightConnector1">
+            <a:avLst/>
+          </a:prstGeom>
+          <a:ln>
+            <a:solidFill>
+              <a:schemeClr val="accent4"/>
+            </a:solidFill>
+            <a:tailEnd type="triangle"/>
+          </a:ln>
+        </p:spPr>
+        <p:style>
+          <a:lnRef idx="1">
+            <a:schemeClr val="accent2"/>
+          </a:lnRef>
+          <a:fillRef idx="0">
+            <a:schemeClr val="accent2"/>
+          </a:fillRef>
+          <a:effectRef idx="0">
+            <a:schemeClr val="accent2"/>
+          </a:effectRef>
+          <a:fontRef idx="minor">
+            <a:schemeClr val="tx1"/>
+          </a:fontRef>
+        </p:style>
+      </p:cxnSp>
+      <p:cxnSp>
+        <p:nvCxnSpPr>
+          <p:cNvPr id="14" name="Straight Arrow Connector 13">
+            <a:extLst>
+              <a:ext uri="{FF2B5EF4-FFF2-40B4-BE49-F238E27FC236}">
+                <a16:creationId xmlns:a16="http://schemas.microsoft.com/office/drawing/2014/main" id="{23E99F97-4D64-A14D-8B23-B3B0D06740DC}"/>
+              </a:ext>
+            </a:extLst>
+          </p:cNvPr>
+          <p:cNvCxnSpPr>
+            <a:cxnSpLocks/>
+          </p:cNvCxnSpPr>
+          <p:nvPr/>
+        </p:nvCxnSpPr>
+        <p:spPr>
+          <a:xfrm flipV="1">
+            <a:off x="7914610" y="4464424"/>
+            <a:ext cx="0" cy="839687"/>
+          </a:xfrm>
+          <a:prstGeom prst="straightConnector1">
+            <a:avLst/>
+          </a:prstGeom>
+          <a:ln>
+            <a:solidFill>
+              <a:schemeClr val="accent4"/>
+            </a:solidFill>
+            <a:tailEnd type="triangle"/>
+          </a:ln>
+        </p:spPr>
+        <p:style>
+          <a:lnRef idx="1">
+            <a:schemeClr val="accent2"/>
+          </a:lnRef>
+          <a:fillRef idx="0">
+            <a:schemeClr val="accent2"/>
+          </a:fillRef>
+          <a:effectRef idx="0">
+            <a:schemeClr val="accent2"/>
+          </a:effectRef>
+          <a:fontRef idx="minor">
+            <a:schemeClr val="tx1"/>
+          </a:fontRef>
+        </p:style>
+      </p:cxnSp>
+      <p:cxnSp>
+        <p:nvCxnSpPr>
+          <p:cNvPr id="15" name="Straight Arrow Connector 14">
+            <a:extLst>
+              <a:ext uri="{FF2B5EF4-FFF2-40B4-BE49-F238E27FC236}">
+                <a16:creationId xmlns:a16="http://schemas.microsoft.com/office/drawing/2014/main" id="{65E5EA02-4FBD-BB4A-9975-9EBF58904957}"/>
+              </a:ext>
+            </a:extLst>
+          </p:cNvPr>
+          <p:cNvCxnSpPr>
+            <a:cxnSpLocks/>
+          </p:cNvCxnSpPr>
+          <p:nvPr/>
+        </p:nvCxnSpPr>
+        <p:spPr>
+          <a:xfrm flipV="1">
+            <a:off x="10600764" y="4437530"/>
+            <a:ext cx="0" cy="839687"/>
+          </a:xfrm>
+          <a:prstGeom prst="straightConnector1">
+            <a:avLst/>
+          </a:prstGeom>
+          <a:ln>
+            <a:solidFill>
+              <a:schemeClr val="accent4"/>
+            </a:solidFill>
+            <a:tailEnd type="triangle"/>
+          </a:ln>
+        </p:spPr>
+        <p:style>
+          <a:lnRef idx="1">
+            <a:schemeClr val="accent2"/>
+          </a:lnRef>
+          <a:fillRef idx="0">
+            <a:schemeClr val="accent2"/>
+          </a:fillRef>
+          <a:effectRef idx="0">
+            <a:schemeClr val="accent2"/>
+          </a:effectRef>
+          <a:fontRef idx="minor">
+            <a:schemeClr val="tx1"/>
+          </a:fontRef>
+        </p:style>
+      </p:cxnSp>
+      <p:cxnSp>
+        <p:nvCxnSpPr>
+          <p:cNvPr id="16" name="Straight Arrow Connector 15">
+            <a:extLst>
+              <a:ext uri="{FF2B5EF4-FFF2-40B4-BE49-F238E27FC236}">
+                <a16:creationId xmlns:a16="http://schemas.microsoft.com/office/drawing/2014/main" id="{5FB671A8-975C-BF49-92C8-A640AE653F7F}"/>
+              </a:ext>
+            </a:extLst>
+          </p:cNvPr>
+          <p:cNvCxnSpPr>
+            <a:cxnSpLocks/>
+          </p:cNvCxnSpPr>
+          <p:nvPr/>
+        </p:nvCxnSpPr>
+        <p:spPr>
+          <a:xfrm flipV="1">
+            <a:off x="9112623" y="4477871"/>
+            <a:ext cx="0" cy="2030506"/>
+          </a:xfrm>
+          <a:prstGeom prst="straightConnector1">
+            <a:avLst/>
+          </a:prstGeom>
+          <a:ln>
+            <a:solidFill>
+              <a:schemeClr val="accent6"/>
+            </a:solidFill>
+            <a:tailEnd type="triangle"/>
+          </a:ln>
+        </p:spPr>
+        <p:style>
+          <a:lnRef idx="1">
+            <a:schemeClr val="accent2"/>
+          </a:lnRef>
+          <a:fillRef idx="0">
+            <a:schemeClr val="accent2"/>
+          </a:fillRef>
+          <a:effectRef idx="0">
+            <a:schemeClr val="accent2"/>
+          </a:effectRef>
+          <a:fontRef idx="minor">
+            <a:schemeClr val="tx1"/>
+          </a:fontRef>
+        </p:style>
+      </p:cxnSp>
       <p:pic>
         <p:nvPicPr>
-          <p:cNvPr id="13" name="Picture 12" descr="A picture containing screenshot&#10;&#10;Description automatically generated">
-            <a:extLst>
-              <a:ext uri="{FF2B5EF4-FFF2-40B4-BE49-F238E27FC236}">
-                <a16:creationId xmlns:a16="http://schemas.microsoft.com/office/drawing/2014/main" id="{4B0B6384-2F61-1D43-A90E-02DFDFFBFD46}"/>
+          <p:cNvPr id="11" name="Picture 10" descr="A close up of text on a black background&#10;&#10;Description automatically generated">
+            <a:extLst>
+              <a:ext uri="{FF2B5EF4-FFF2-40B4-BE49-F238E27FC236}">
+                <a16:creationId xmlns:a16="http://schemas.microsoft.com/office/drawing/2014/main" id="{F2105017-165A-3640-9164-15F93D4AF2D7}"/>
               </a:ext>
             </a:extLst>
           </p:cNvPr>
@@ -5599,117 +5919,18 @@
         </p:blipFill>
         <p:spPr>
           <a:xfrm>
-            <a:off x="2367335" y="6723"/>
-            <a:ext cx="7469188" cy="6858000"/>
+            <a:off x="120650" y="2057400"/>
+            <a:ext cx="11950700" cy="2743200"/>
           </a:xfrm>
           <a:prstGeom prst="rect">
             <a:avLst/>
           </a:prstGeom>
         </p:spPr>
       </p:pic>
-      <p:cxnSp>
-        <p:nvCxnSpPr>
-          <p:cNvPr id="7" name="Straight Connector 6">
-            <a:extLst>
-              <a:ext uri="{FF2B5EF4-FFF2-40B4-BE49-F238E27FC236}">
-                <a16:creationId xmlns:a16="http://schemas.microsoft.com/office/drawing/2014/main" id="{DFD3AAEF-5805-C54D-95B4-9447318E34CD}"/>
-              </a:ext>
-            </a:extLst>
-          </p:cNvPr>
-          <p:cNvCxnSpPr/>
-          <p:nvPr/>
-        </p:nvCxnSpPr>
-        <p:spPr>
-          <a:xfrm>
-            <a:off x="8404412" y="107576"/>
-            <a:ext cx="0" cy="6656295"/>
-          </a:xfrm>
-          <a:prstGeom prst="line">
-            <a:avLst/>
-          </a:prstGeom>
-          <a:ln>
-            <a:solidFill>
-              <a:srgbClr val="FF0000"/>
-            </a:solidFill>
-          </a:ln>
-        </p:spPr>
-        <p:style>
-          <a:lnRef idx="1">
-            <a:schemeClr val="accent1"/>
-          </a:lnRef>
-          <a:fillRef idx="0">
-            <a:schemeClr val="accent1"/>
-          </a:fillRef>
-          <a:effectRef idx="0">
-            <a:schemeClr val="accent1"/>
-          </a:effectRef>
-          <a:fontRef idx="minor">
-            <a:schemeClr val="tx1"/>
-          </a:fontRef>
-        </p:style>
-      </p:cxnSp>
-      <p:sp>
-        <p:nvSpPr>
-          <p:cNvPr id="14" name="TextBox 13">
-            <a:extLst>
-              <a:ext uri="{FF2B5EF4-FFF2-40B4-BE49-F238E27FC236}">
-                <a16:creationId xmlns:a16="http://schemas.microsoft.com/office/drawing/2014/main" id="{5D1ADCF1-BDA7-244E-B944-5FB4E7755E18}"/>
-              </a:ext>
-            </a:extLst>
-          </p:cNvPr>
-          <p:cNvSpPr txBox="1"/>
-          <p:nvPr/>
-        </p:nvSpPr>
-        <p:spPr>
-          <a:xfrm>
-            <a:off x="8364071" y="61731"/>
-            <a:ext cx="1909497" cy="253916"/>
-          </a:xfrm>
-          <a:prstGeom prst="rect">
-            <a:avLst/>
-          </a:prstGeom>
-          <a:noFill/>
-        </p:spPr>
-        <p:txBody>
-          <a:bodyPr wrap="none" rtlCol="0">
-            <a:spAutoFit/>
-          </a:bodyPr>
-          <a:lstStyle/>
-          <a:p>
-            <a:r>
-              <a:rPr lang="en-US" sz="1050" dirty="0">
-                <a:solidFill>
-                  <a:srgbClr val="FF0000"/>
-                </a:solidFill>
-                <a:latin typeface="Century Gothic" panose="020B0502020202020204" pitchFamily="34" charset="0"/>
-              </a:rPr>
-              <a:t>post 1</a:t>
-            </a:r>
-            <a:r>
-              <a:rPr lang="en-US" sz="1050" baseline="30000" dirty="0">
-                <a:solidFill>
-                  <a:srgbClr val="FF0000"/>
-                </a:solidFill>
-                <a:latin typeface="Century Gothic" panose="020B0502020202020204" pitchFamily="34" charset="0"/>
-              </a:rPr>
-              <a:t>st</a:t>
-            </a:r>
-            <a:r>
-              <a:rPr lang="en-US" sz="1050" dirty="0">
-                <a:solidFill>
-                  <a:srgbClr val="FF0000"/>
-                </a:solidFill>
-                <a:latin typeface="Century Gothic" panose="020B0502020202020204" pitchFamily="34" charset="0"/>
-              </a:rPr>
-              <a:t> day of Term month</a:t>
-            </a:r>
-          </a:p>
-        </p:txBody>
-      </p:sp>
     </p:spTree>
     <p:extLst>
       <p:ext uri="{BB962C8B-B14F-4D97-AF65-F5344CB8AC3E}">
-        <p14:creationId xmlns:p14="http://schemas.microsoft.com/office/powerpoint/2010/main" val="1033907966"/>
+        <p14:creationId xmlns:p14="http://schemas.microsoft.com/office/powerpoint/2010/main" val="1178506930"/>
       </p:ext>
     </p:extLst>
   </p:cSld>
@@ -5736,303 +5957,37 @@
           <a:chExt cx="0" cy="0"/>
         </a:xfrm>
       </p:grpSpPr>
-      <p:pic>
-        <p:nvPicPr>
-          <p:cNvPr id="13" name="Picture 12" descr="A picture containing screenshot&#10;&#10;Description automatically generated">
-            <a:extLst>
-              <a:ext uri="{FF2B5EF4-FFF2-40B4-BE49-F238E27FC236}">
-                <a16:creationId xmlns:a16="http://schemas.microsoft.com/office/drawing/2014/main" id="{4B0B6384-2F61-1D43-A90E-02DFDFFBFD46}"/>
-              </a:ext>
-            </a:extLst>
-          </p:cNvPr>
-          <p:cNvPicPr>
-            <a:picLocks noChangeAspect="1"/>
-          </p:cNvPicPr>
-          <p:nvPr/>
-        </p:nvPicPr>
-        <p:blipFill>
-          <a:blip r:embed="rId2"/>
-          <a:stretch>
-            <a:fillRect/>
-          </a:stretch>
-        </p:blipFill>
-        <p:spPr>
-          <a:xfrm>
-            <a:off x="2367335" y="6723"/>
-            <a:ext cx="7469188" cy="6858000"/>
-          </a:xfrm>
-          <a:prstGeom prst="rect">
-            <a:avLst/>
-          </a:prstGeom>
-        </p:spPr>
-      </p:pic>
-      <p:cxnSp>
-        <p:nvCxnSpPr>
-          <p:cNvPr id="5" name="Straight Arrow Connector 4">
-            <a:extLst>
-              <a:ext uri="{FF2B5EF4-FFF2-40B4-BE49-F238E27FC236}">
-                <a16:creationId xmlns:a16="http://schemas.microsoft.com/office/drawing/2014/main" id="{19170ABC-84CB-D54C-B290-44FAB30EAE35}"/>
-              </a:ext>
-            </a:extLst>
-          </p:cNvPr>
-          <p:cNvCxnSpPr/>
-          <p:nvPr/>
-        </p:nvCxnSpPr>
-        <p:spPr>
-          <a:xfrm flipH="1">
-            <a:off x="8982635" y="1223682"/>
-            <a:ext cx="1680883" cy="0"/>
-          </a:xfrm>
-          <a:prstGeom prst="straightConnector1">
-            <a:avLst/>
-          </a:prstGeom>
-          <a:ln>
-            <a:solidFill>
-              <a:srgbClr val="7030A0"/>
-            </a:solidFill>
-            <a:tailEnd type="triangle"/>
-          </a:ln>
-        </p:spPr>
-        <p:style>
-          <a:lnRef idx="1">
-            <a:schemeClr val="accent1"/>
-          </a:lnRef>
-          <a:fillRef idx="0">
-            <a:schemeClr val="accent1"/>
-          </a:fillRef>
-          <a:effectRef idx="0">
-            <a:schemeClr val="accent1"/>
-          </a:effectRef>
-          <a:fontRef idx="minor">
-            <a:schemeClr val="tx1"/>
-          </a:fontRef>
-        </p:style>
-      </p:cxnSp>
-      <p:cxnSp>
-        <p:nvCxnSpPr>
-          <p:cNvPr id="7" name="Straight Connector 6">
-            <a:extLst>
-              <a:ext uri="{FF2B5EF4-FFF2-40B4-BE49-F238E27FC236}">
-                <a16:creationId xmlns:a16="http://schemas.microsoft.com/office/drawing/2014/main" id="{DFD3AAEF-5805-C54D-95B4-9447318E34CD}"/>
-              </a:ext>
-            </a:extLst>
-          </p:cNvPr>
-          <p:cNvCxnSpPr/>
-          <p:nvPr/>
-        </p:nvCxnSpPr>
-        <p:spPr>
-          <a:xfrm>
-            <a:off x="8404412" y="107576"/>
-            <a:ext cx="0" cy="6656295"/>
-          </a:xfrm>
-          <a:prstGeom prst="line">
-            <a:avLst/>
-          </a:prstGeom>
-          <a:ln>
-            <a:solidFill>
-              <a:srgbClr val="FF0000"/>
-            </a:solidFill>
-          </a:ln>
-        </p:spPr>
-        <p:style>
-          <a:lnRef idx="1">
-            <a:schemeClr val="accent1"/>
-          </a:lnRef>
-          <a:fillRef idx="0">
-            <a:schemeClr val="accent1"/>
-          </a:fillRef>
-          <a:effectRef idx="0">
-            <a:schemeClr val="accent1"/>
-          </a:effectRef>
-          <a:fontRef idx="minor">
-            <a:schemeClr val="tx1"/>
-          </a:fontRef>
-        </p:style>
-      </p:cxnSp>
-      <p:sp>
-        <p:nvSpPr>
-          <p:cNvPr id="8" name="Right Brace 7">
-            <a:extLst>
-              <a:ext uri="{FF2B5EF4-FFF2-40B4-BE49-F238E27FC236}">
-                <a16:creationId xmlns:a16="http://schemas.microsoft.com/office/drawing/2014/main" id="{EA7819F7-D6F4-9A4F-B117-49FBB13B2419}"/>
-              </a:ext>
-            </a:extLst>
-          </p:cNvPr>
-          <p:cNvSpPr/>
-          <p:nvPr/>
-        </p:nvSpPr>
-        <p:spPr>
-          <a:xfrm rot="16200000">
-            <a:off x="6865052" y="224107"/>
-            <a:ext cx="226357" cy="1450059"/>
-          </a:xfrm>
-          <a:prstGeom prst="rightBrace">
-            <a:avLst/>
-          </a:prstGeom>
-          <a:ln w="19050">
-            <a:solidFill>
-              <a:schemeClr val="accent4"/>
-            </a:solidFill>
-          </a:ln>
-        </p:spPr>
-        <p:style>
-          <a:lnRef idx="1">
-            <a:schemeClr val="accent1"/>
-          </a:lnRef>
-          <a:fillRef idx="0">
-            <a:schemeClr val="accent1"/>
-          </a:fillRef>
-          <a:effectRef idx="0">
-            <a:schemeClr val="accent1"/>
-          </a:effectRef>
-          <a:fontRef idx="minor">
-            <a:schemeClr val="tx1"/>
-          </a:fontRef>
-        </p:style>
-        <p:txBody>
-          <a:bodyPr rtlCol="0" anchor="ctr"/>
-          <a:lstStyle/>
-          <a:p>
-            <a:pPr algn="ctr"/>
-            <a:endParaRPr lang="en-US"/>
-          </a:p>
-        </p:txBody>
-      </p:sp>
-      <p:sp>
-        <p:nvSpPr>
-          <p:cNvPr id="9" name="TextBox 8">
-            <a:extLst>
-              <a:ext uri="{FF2B5EF4-FFF2-40B4-BE49-F238E27FC236}">
-                <a16:creationId xmlns:a16="http://schemas.microsoft.com/office/drawing/2014/main" id="{759551F0-5BF1-DC43-9E83-2C1B97D8EA46}"/>
-              </a:ext>
-            </a:extLst>
-          </p:cNvPr>
-          <p:cNvSpPr txBox="1"/>
-          <p:nvPr/>
-        </p:nvSpPr>
-        <p:spPr>
-          <a:xfrm>
-            <a:off x="6777318" y="473342"/>
-            <a:ext cx="4916731" cy="261610"/>
-          </a:xfrm>
-          <a:prstGeom prst="rect">
-            <a:avLst/>
-          </a:prstGeom>
-          <a:solidFill>
-            <a:schemeClr val="accent4">
-              <a:lumMod val="20000"/>
-              <a:lumOff val="80000"/>
-            </a:schemeClr>
-          </a:solidFill>
-        </p:spPr>
-        <p:txBody>
-          <a:bodyPr wrap="none" rtlCol="0">
-            <a:spAutoFit/>
-          </a:bodyPr>
-          <a:lstStyle/>
-          <a:p>
-            <a:r>
-              <a:rPr lang="en-US" sz="1100" dirty="0">
-                <a:latin typeface="Century Gothic" panose="020B0502020202020204" pitchFamily="34" charset="0"/>
-              </a:rPr>
-              <a:t>Volatility highest between 150 days our and 50 days out for On Peak</a:t>
-            </a:r>
-          </a:p>
-        </p:txBody>
-      </p:sp>
-      <p:sp>
-        <p:nvSpPr>
-          <p:cNvPr id="12" name="TextBox 11">
-            <a:extLst>
-              <a:ext uri="{FF2B5EF4-FFF2-40B4-BE49-F238E27FC236}">
-                <a16:creationId xmlns:a16="http://schemas.microsoft.com/office/drawing/2014/main" id="{867006AB-950F-9849-9AC8-5B75BAC08DD1}"/>
-              </a:ext>
-            </a:extLst>
-          </p:cNvPr>
-          <p:cNvSpPr txBox="1"/>
-          <p:nvPr/>
-        </p:nvSpPr>
-        <p:spPr>
-          <a:xfrm>
-            <a:off x="10838329" y="949136"/>
-            <a:ext cx="1173114" cy="830997"/>
-          </a:xfrm>
-          <a:prstGeom prst="rect">
-            <a:avLst/>
-          </a:prstGeom>
-          <a:solidFill>
-            <a:srgbClr val="E9DDFF"/>
-          </a:solidFill>
-        </p:spPr>
-        <p:txBody>
-          <a:bodyPr wrap="square" rtlCol="0">
-            <a:spAutoFit/>
-          </a:bodyPr>
-          <a:lstStyle/>
-          <a:p>
-            <a:r>
-              <a:rPr lang="en-US" sz="1200" dirty="0">
-                <a:latin typeface="Century Gothic" panose="020B0502020202020204" pitchFamily="34" charset="0"/>
-              </a:rPr>
-              <a:t>Lowest monthly intersection volatility</a:t>
-            </a:r>
-          </a:p>
-        </p:txBody>
-      </p:sp>
-      <p:sp>
-        <p:nvSpPr>
-          <p:cNvPr id="14" name="TextBox 13">
-            <a:extLst>
-              <a:ext uri="{FF2B5EF4-FFF2-40B4-BE49-F238E27FC236}">
-                <a16:creationId xmlns:a16="http://schemas.microsoft.com/office/drawing/2014/main" id="{5D1ADCF1-BDA7-244E-B944-5FB4E7755E18}"/>
-              </a:ext>
-            </a:extLst>
-          </p:cNvPr>
-          <p:cNvSpPr txBox="1"/>
-          <p:nvPr/>
-        </p:nvSpPr>
-        <p:spPr>
-          <a:xfrm>
-            <a:off x="8364071" y="61731"/>
-            <a:ext cx="1909497" cy="253916"/>
-          </a:xfrm>
-          <a:prstGeom prst="rect">
-            <a:avLst/>
-          </a:prstGeom>
-          <a:noFill/>
-        </p:spPr>
-        <p:txBody>
-          <a:bodyPr wrap="none" rtlCol="0">
-            <a:spAutoFit/>
-          </a:bodyPr>
-          <a:lstStyle/>
-          <a:p>
-            <a:r>
-              <a:rPr lang="en-US" sz="1050" dirty="0">
-                <a:solidFill>
-                  <a:srgbClr val="FF0000"/>
-                </a:solidFill>
-                <a:latin typeface="Century Gothic" panose="020B0502020202020204" pitchFamily="34" charset="0"/>
-              </a:rPr>
-              <a:t>post 1</a:t>
-            </a:r>
-            <a:r>
-              <a:rPr lang="en-US" sz="1050" baseline="30000" dirty="0">
-                <a:solidFill>
-                  <a:srgbClr val="FF0000"/>
-                </a:solidFill>
-                <a:latin typeface="Century Gothic" panose="020B0502020202020204" pitchFamily="34" charset="0"/>
-              </a:rPr>
-              <a:t>st</a:t>
-            </a:r>
-            <a:r>
-              <a:rPr lang="en-US" sz="1050" dirty="0">
-                <a:solidFill>
-                  <a:srgbClr val="FF0000"/>
-                </a:solidFill>
-                <a:latin typeface="Century Gothic" panose="020B0502020202020204" pitchFamily="34" charset="0"/>
-              </a:rPr>
-              <a:t> day of Term month</a:t>
+      <p:sp>
+        <p:nvSpPr>
+          <p:cNvPr id="2" name="Title 1">
+            <a:extLst>
+              <a:ext uri="{FF2B5EF4-FFF2-40B4-BE49-F238E27FC236}">
+                <a16:creationId xmlns:a16="http://schemas.microsoft.com/office/drawing/2014/main" id="{8BFA2A46-1E3A-A24A-B820-D91D444577DD}"/>
+              </a:ext>
+            </a:extLst>
+          </p:cNvPr>
+          <p:cNvSpPr>
+            <a:spLocks noGrp="1"/>
+          </p:cNvSpPr>
+          <p:nvPr>
+            <p:ph type="title"/>
+          </p:nvPr>
+        </p:nvSpPr>
+        <p:spPr>
+          <a:xfrm>
+            <a:off x="838200" y="2766218"/>
+            <a:ext cx="10515600" cy="1325563"/>
+          </a:xfrm>
+        </p:spPr>
+        <p:txBody>
+          <a:bodyPr/>
+          <a:lstStyle/>
+          <a:p>
+            <a:r>
+              <a:rPr lang="en-US" dirty="0">
+                <a:latin typeface="Century Gothic" panose="020B0502020202020204" pitchFamily="34" charset="0"/>
+              </a:rPr>
+              <a:t>Volatility</a:t>
             </a:r>
           </a:p>
         </p:txBody>
@@ -6040,7 +5995,7 @@
     </p:spTree>
     <p:extLst>
       <p:ext uri="{BB962C8B-B14F-4D97-AF65-F5344CB8AC3E}">
-        <p14:creationId xmlns:p14="http://schemas.microsoft.com/office/powerpoint/2010/main" val="2026410508"/>
+        <p14:creationId xmlns:p14="http://schemas.microsoft.com/office/powerpoint/2010/main" val="3308111442"/>
       </p:ext>
     </p:extLst>
   </p:cSld>
@@ -6069,10 +6024,500 @@
       </p:grpSpPr>
       <p:pic>
         <p:nvPicPr>
-          <p:cNvPr id="5" name="Picture 4" descr="A screenshot of a video game&#10;&#10;Description automatically generated">
-            <a:extLst>
-              <a:ext uri="{FF2B5EF4-FFF2-40B4-BE49-F238E27FC236}">
-                <a16:creationId xmlns:a16="http://schemas.microsoft.com/office/drawing/2014/main" id="{BEEE0F6D-4D2B-7641-99DE-DF0CA2EE5CCC}"/>
+          <p:cNvPr id="3" name="Picture 2" descr="A picture containing screenshot&#10;&#10;Description automatically generated">
+            <a:extLst>
+              <a:ext uri="{FF2B5EF4-FFF2-40B4-BE49-F238E27FC236}">
+                <a16:creationId xmlns:a16="http://schemas.microsoft.com/office/drawing/2014/main" id="{499E4318-3CEB-3141-95D7-A2A3F481CB02}"/>
+              </a:ext>
+            </a:extLst>
+          </p:cNvPr>
+          <p:cNvPicPr>
+            <a:picLocks noChangeAspect="1"/>
+          </p:cNvPicPr>
+          <p:nvPr/>
+        </p:nvPicPr>
+        <p:blipFill>
+          <a:blip r:embed="rId2"/>
+          <a:stretch>
+            <a:fillRect/>
+          </a:stretch>
+        </p:blipFill>
+        <p:spPr>
+          <a:xfrm>
+            <a:off x="2361406" y="0"/>
+            <a:ext cx="7469188" cy="6858000"/>
+          </a:xfrm>
+          <a:prstGeom prst="rect">
+            <a:avLst/>
+          </a:prstGeom>
+        </p:spPr>
+      </p:pic>
+      <p:cxnSp>
+        <p:nvCxnSpPr>
+          <p:cNvPr id="7" name="Straight Connector 6">
+            <a:extLst>
+              <a:ext uri="{FF2B5EF4-FFF2-40B4-BE49-F238E27FC236}">
+                <a16:creationId xmlns:a16="http://schemas.microsoft.com/office/drawing/2014/main" id="{DFD3AAEF-5805-C54D-95B4-9447318E34CD}"/>
+              </a:ext>
+            </a:extLst>
+          </p:cNvPr>
+          <p:cNvCxnSpPr/>
+          <p:nvPr/>
+        </p:nvCxnSpPr>
+        <p:spPr>
+          <a:xfrm>
+            <a:off x="8404412" y="107576"/>
+            <a:ext cx="0" cy="6656295"/>
+          </a:xfrm>
+          <a:prstGeom prst="line">
+            <a:avLst/>
+          </a:prstGeom>
+          <a:ln>
+            <a:solidFill>
+              <a:srgbClr val="FF0000"/>
+            </a:solidFill>
+          </a:ln>
+        </p:spPr>
+        <p:style>
+          <a:lnRef idx="1">
+            <a:schemeClr val="accent1"/>
+          </a:lnRef>
+          <a:fillRef idx="0">
+            <a:schemeClr val="accent1"/>
+          </a:fillRef>
+          <a:effectRef idx="0">
+            <a:schemeClr val="accent1"/>
+          </a:effectRef>
+          <a:fontRef idx="minor">
+            <a:schemeClr val="tx1"/>
+          </a:fontRef>
+        </p:style>
+      </p:cxnSp>
+      <p:sp>
+        <p:nvSpPr>
+          <p:cNvPr id="14" name="TextBox 13">
+            <a:extLst>
+              <a:ext uri="{FF2B5EF4-FFF2-40B4-BE49-F238E27FC236}">
+                <a16:creationId xmlns:a16="http://schemas.microsoft.com/office/drawing/2014/main" id="{5D1ADCF1-BDA7-244E-B944-5FB4E7755E18}"/>
+              </a:ext>
+            </a:extLst>
+          </p:cNvPr>
+          <p:cNvSpPr txBox="1"/>
+          <p:nvPr/>
+        </p:nvSpPr>
+        <p:spPr>
+          <a:xfrm>
+            <a:off x="8364071" y="61731"/>
+            <a:ext cx="1909497" cy="253916"/>
+          </a:xfrm>
+          <a:prstGeom prst="rect">
+            <a:avLst/>
+          </a:prstGeom>
+          <a:noFill/>
+        </p:spPr>
+        <p:txBody>
+          <a:bodyPr wrap="none" rtlCol="0">
+            <a:spAutoFit/>
+          </a:bodyPr>
+          <a:lstStyle/>
+          <a:p>
+            <a:r>
+              <a:rPr lang="en-US" sz="1050" dirty="0">
+                <a:solidFill>
+                  <a:srgbClr val="FF0000"/>
+                </a:solidFill>
+                <a:latin typeface="Century Gothic" panose="020B0502020202020204" pitchFamily="34" charset="0"/>
+              </a:rPr>
+              <a:t>post 1</a:t>
+            </a:r>
+            <a:r>
+              <a:rPr lang="en-US" sz="1050" baseline="30000" dirty="0">
+                <a:solidFill>
+                  <a:srgbClr val="FF0000"/>
+                </a:solidFill>
+                <a:latin typeface="Century Gothic" panose="020B0502020202020204" pitchFamily="34" charset="0"/>
+              </a:rPr>
+              <a:t>st</a:t>
+            </a:r>
+            <a:r>
+              <a:rPr lang="en-US" sz="1050" dirty="0">
+                <a:solidFill>
+                  <a:srgbClr val="FF0000"/>
+                </a:solidFill>
+                <a:latin typeface="Century Gothic" panose="020B0502020202020204" pitchFamily="34" charset="0"/>
+              </a:rPr>
+              <a:t> day of Term month</a:t>
+            </a:r>
+          </a:p>
+        </p:txBody>
+      </p:sp>
+    </p:spTree>
+    <p:extLst>
+      <p:ext uri="{BB962C8B-B14F-4D97-AF65-F5344CB8AC3E}">
+        <p14:creationId xmlns:p14="http://schemas.microsoft.com/office/powerpoint/2010/main" val="1033907966"/>
+      </p:ext>
+    </p:extLst>
+  </p:cSld>
+  <p:clrMapOvr>
+    <a:masterClrMapping/>
+  </p:clrMapOvr>
+</p:sld>
+</file>
+
+<file path=ppt/slides/slide18.xml><?xml version="1.0" encoding="utf-8"?>
+<p:sld xmlns:a="http://schemas.openxmlformats.org/drawingml/2006/main" xmlns:r="http://schemas.openxmlformats.org/officeDocument/2006/relationships" xmlns:p="http://schemas.openxmlformats.org/presentationml/2006/main">
+  <p:cSld>
+    <p:spTree>
+      <p:nvGrpSpPr>
+        <p:cNvPr id="1" name=""/>
+        <p:cNvGrpSpPr/>
+        <p:nvPr/>
+      </p:nvGrpSpPr>
+      <p:grpSpPr>
+        <a:xfrm>
+          <a:off x="0" y="0"/>
+          <a:ext cx="0" cy="0"/>
+          <a:chOff x="0" y="0"/>
+          <a:chExt cx="0" cy="0"/>
+        </a:xfrm>
+      </p:grpSpPr>
+      <p:pic>
+        <p:nvPicPr>
+          <p:cNvPr id="11" name="Picture 10" descr="A picture containing screenshot&#10;&#10;Description automatically generated">
+            <a:extLst>
+              <a:ext uri="{FF2B5EF4-FFF2-40B4-BE49-F238E27FC236}">
+                <a16:creationId xmlns:a16="http://schemas.microsoft.com/office/drawing/2014/main" id="{420F177D-E272-924F-9D0E-D1422C6175FB}"/>
+              </a:ext>
+            </a:extLst>
+          </p:cNvPr>
+          <p:cNvPicPr>
+            <a:picLocks noChangeAspect="1"/>
+          </p:cNvPicPr>
+          <p:nvPr/>
+        </p:nvPicPr>
+        <p:blipFill>
+          <a:blip r:embed="rId2"/>
+          <a:stretch>
+            <a:fillRect/>
+          </a:stretch>
+        </p:blipFill>
+        <p:spPr>
+          <a:xfrm>
+            <a:off x="2361406" y="0"/>
+            <a:ext cx="7469188" cy="6858000"/>
+          </a:xfrm>
+          <a:prstGeom prst="rect">
+            <a:avLst/>
+          </a:prstGeom>
+        </p:spPr>
+      </p:pic>
+      <p:cxnSp>
+        <p:nvCxnSpPr>
+          <p:cNvPr id="5" name="Straight Arrow Connector 4">
+            <a:extLst>
+              <a:ext uri="{FF2B5EF4-FFF2-40B4-BE49-F238E27FC236}">
+                <a16:creationId xmlns:a16="http://schemas.microsoft.com/office/drawing/2014/main" id="{19170ABC-84CB-D54C-B290-44FAB30EAE35}"/>
+              </a:ext>
+            </a:extLst>
+          </p:cNvPr>
+          <p:cNvCxnSpPr/>
+          <p:nvPr/>
+        </p:nvCxnSpPr>
+        <p:spPr>
+          <a:xfrm flipH="1">
+            <a:off x="8982635" y="1223682"/>
+            <a:ext cx="1680883" cy="0"/>
+          </a:xfrm>
+          <a:prstGeom prst="straightConnector1">
+            <a:avLst/>
+          </a:prstGeom>
+          <a:ln>
+            <a:solidFill>
+              <a:srgbClr val="7030A0"/>
+            </a:solidFill>
+            <a:tailEnd type="triangle"/>
+          </a:ln>
+        </p:spPr>
+        <p:style>
+          <a:lnRef idx="1">
+            <a:schemeClr val="accent1"/>
+          </a:lnRef>
+          <a:fillRef idx="0">
+            <a:schemeClr val="accent1"/>
+          </a:fillRef>
+          <a:effectRef idx="0">
+            <a:schemeClr val="accent1"/>
+          </a:effectRef>
+          <a:fontRef idx="minor">
+            <a:schemeClr val="tx1"/>
+          </a:fontRef>
+        </p:style>
+      </p:cxnSp>
+      <p:cxnSp>
+        <p:nvCxnSpPr>
+          <p:cNvPr id="7" name="Straight Connector 6">
+            <a:extLst>
+              <a:ext uri="{FF2B5EF4-FFF2-40B4-BE49-F238E27FC236}">
+                <a16:creationId xmlns:a16="http://schemas.microsoft.com/office/drawing/2014/main" id="{DFD3AAEF-5805-C54D-95B4-9447318E34CD}"/>
+              </a:ext>
+            </a:extLst>
+          </p:cNvPr>
+          <p:cNvCxnSpPr/>
+          <p:nvPr/>
+        </p:nvCxnSpPr>
+        <p:spPr>
+          <a:xfrm>
+            <a:off x="8404412" y="107576"/>
+            <a:ext cx="0" cy="6656295"/>
+          </a:xfrm>
+          <a:prstGeom prst="line">
+            <a:avLst/>
+          </a:prstGeom>
+          <a:ln>
+            <a:solidFill>
+              <a:srgbClr val="FF0000"/>
+            </a:solidFill>
+          </a:ln>
+        </p:spPr>
+        <p:style>
+          <a:lnRef idx="1">
+            <a:schemeClr val="accent1"/>
+          </a:lnRef>
+          <a:fillRef idx="0">
+            <a:schemeClr val="accent1"/>
+          </a:fillRef>
+          <a:effectRef idx="0">
+            <a:schemeClr val="accent1"/>
+          </a:effectRef>
+          <a:fontRef idx="minor">
+            <a:schemeClr val="tx1"/>
+          </a:fontRef>
+        </p:style>
+      </p:cxnSp>
+      <p:sp>
+        <p:nvSpPr>
+          <p:cNvPr id="8" name="Right Brace 7">
+            <a:extLst>
+              <a:ext uri="{FF2B5EF4-FFF2-40B4-BE49-F238E27FC236}">
+                <a16:creationId xmlns:a16="http://schemas.microsoft.com/office/drawing/2014/main" id="{EA7819F7-D6F4-9A4F-B117-49FBB13B2419}"/>
+              </a:ext>
+            </a:extLst>
+          </p:cNvPr>
+          <p:cNvSpPr/>
+          <p:nvPr/>
+        </p:nvSpPr>
+        <p:spPr>
+          <a:xfrm rot="16200000">
+            <a:off x="6976514" y="112644"/>
+            <a:ext cx="261609" cy="1708236"/>
+          </a:xfrm>
+          <a:prstGeom prst="rightBrace">
+            <a:avLst/>
+          </a:prstGeom>
+          <a:ln w="19050">
+            <a:solidFill>
+              <a:schemeClr val="accent4"/>
+            </a:solidFill>
+          </a:ln>
+        </p:spPr>
+        <p:style>
+          <a:lnRef idx="1">
+            <a:schemeClr val="accent1"/>
+          </a:lnRef>
+          <a:fillRef idx="0">
+            <a:schemeClr val="accent1"/>
+          </a:fillRef>
+          <a:effectRef idx="0">
+            <a:schemeClr val="accent1"/>
+          </a:effectRef>
+          <a:fontRef idx="minor">
+            <a:schemeClr val="tx1"/>
+          </a:fontRef>
+        </p:style>
+        <p:txBody>
+          <a:bodyPr rtlCol="0" anchor="ctr"/>
+          <a:lstStyle/>
+          <a:p>
+            <a:pPr algn="ctr"/>
+            <a:endParaRPr lang="en-US"/>
+          </a:p>
+        </p:txBody>
+      </p:sp>
+      <p:sp>
+        <p:nvSpPr>
+          <p:cNvPr id="9" name="TextBox 8">
+            <a:extLst>
+              <a:ext uri="{FF2B5EF4-FFF2-40B4-BE49-F238E27FC236}">
+                <a16:creationId xmlns:a16="http://schemas.microsoft.com/office/drawing/2014/main" id="{759551F0-5BF1-DC43-9E83-2C1B97D8EA46}"/>
+              </a:ext>
+            </a:extLst>
+          </p:cNvPr>
+          <p:cNvSpPr txBox="1"/>
+          <p:nvPr/>
+        </p:nvSpPr>
+        <p:spPr>
+          <a:xfrm>
+            <a:off x="6777318" y="473342"/>
+            <a:ext cx="4916731" cy="261610"/>
+          </a:xfrm>
+          <a:prstGeom prst="rect">
+            <a:avLst/>
+          </a:prstGeom>
+          <a:solidFill>
+            <a:schemeClr val="accent4">
+              <a:lumMod val="20000"/>
+              <a:lumOff val="80000"/>
+            </a:schemeClr>
+          </a:solidFill>
+        </p:spPr>
+        <p:txBody>
+          <a:bodyPr wrap="none" rtlCol="0">
+            <a:spAutoFit/>
+          </a:bodyPr>
+          <a:lstStyle/>
+          <a:p>
+            <a:r>
+              <a:rPr lang="en-US" sz="1100" dirty="0">
+                <a:latin typeface="Century Gothic" panose="020B0502020202020204" pitchFamily="34" charset="0"/>
+              </a:rPr>
+              <a:t>Volatility highest between 150 days our and 50 days out for On Peak</a:t>
+            </a:r>
+          </a:p>
+        </p:txBody>
+      </p:sp>
+      <p:sp>
+        <p:nvSpPr>
+          <p:cNvPr id="12" name="TextBox 11">
+            <a:extLst>
+              <a:ext uri="{FF2B5EF4-FFF2-40B4-BE49-F238E27FC236}">
+                <a16:creationId xmlns:a16="http://schemas.microsoft.com/office/drawing/2014/main" id="{867006AB-950F-9849-9AC8-5B75BAC08DD1}"/>
+              </a:ext>
+            </a:extLst>
+          </p:cNvPr>
+          <p:cNvSpPr txBox="1"/>
+          <p:nvPr/>
+        </p:nvSpPr>
+        <p:spPr>
+          <a:xfrm>
+            <a:off x="10838329" y="949136"/>
+            <a:ext cx="1173114" cy="1754326"/>
+          </a:xfrm>
+          <a:prstGeom prst="rect">
+            <a:avLst/>
+          </a:prstGeom>
+          <a:solidFill>
+            <a:srgbClr val="E9DDFF"/>
+          </a:solidFill>
+        </p:spPr>
+        <p:txBody>
+          <a:bodyPr wrap="square" rtlCol="0">
+            <a:spAutoFit/>
+          </a:bodyPr>
+          <a:lstStyle/>
+          <a:p>
+            <a:r>
+              <a:rPr lang="en-US" sz="1200" dirty="0">
+                <a:latin typeface="Century Gothic" panose="020B0502020202020204" pitchFamily="34" charset="0"/>
+              </a:rPr>
+              <a:t>Volatility sharply increases then decreases as the actionable date approaches</a:t>
+            </a:r>
+          </a:p>
+        </p:txBody>
+      </p:sp>
+      <p:sp>
+        <p:nvSpPr>
+          <p:cNvPr id="14" name="TextBox 13">
+            <a:extLst>
+              <a:ext uri="{FF2B5EF4-FFF2-40B4-BE49-F238E27FC236}">
+                <a16:creationId xmlns:a16="http://schemas.microsoft.com/office/drawing/2014/main" id="{5D1ADCF1-BDA7-244E-B944-5FB4E7755E18}"/>
+              </a:ext>
+            </a:extLst>
+          </p:cNvPr>
+          <p:cNvSpPr txBox="1"/>
+          <p:nvPr/>
+        </p:nvSpPr>
+        <p:spPr>
+          <a:xfrm>
+            <a:off x="8364071" y="61731"/>
+            <a:ext cx="1909497" cy="253916"/>
+          </a:xfrm>
+          <a:prstGeom prst="rect">
+            <a:avLst/>
+          </a:prstGeom>
+          <a:noFill/>
+        </p:spPr>
+        <p:txBody>
+          <a:bodyPr wrap="none" rtlCol="0">
+            <a:spAutoFit/>
+          </a:bodyPr>
+          <a:lstStyle/>
+          <a:p>
+            <a:r>
+              <a:rPr lang="en-US" sz="1050" dirty="0">
+                <a:solidFill>
+                  <a:srgbClr val="FF0000"/>
+                </a:solidFill>
+                <a:latin typeface="Century Gothic" panose="020B0502020202020204" pitchFamily="34" charset="0"/>
+              </a:rPr>
+              <a:t>post 1</a:t>
+            </a:r>
+            <a:r>
+              <a:rPr lang="en-US" sz="1050" baseline="30000" dirty="0">
+                <a:solidFill>
+                  <a:srgbClr val="FF0000"/>
+                </a:solidFill>
+                <a:latin typeface="Century Gothic" panose="020B0502020202020204" pitchFamily="34" charset="0"/>
+              </a:rPr>
+              <a:t>st</a:t>
+            </a:r>
+            <a:r>
+              <a:rPr lang="en-US" sz="1050" dirty="0">
+                <a:solidFill>
+                  <a:srgbClr val="FF0000"/>
+                </a:solidFill>
+                <a:latin typeface="Century Gothic" panose="020B0502020202020204" pitchFamily="34" charset="0"/>
+              </a:rPr>
+              <a:t> day of Term month</a:t>
+            </a:r>
+          </a:p>
+        </p:txBody>
+      </p:sp>
+    </p:spTree>
+    <p:extLst>
+      <p:ext uri="{BB962C8B-B14F-4D97-AF65-F5344CB8AC3E}">
+        <p14:creationId xmlns:p14="http://schemas.microsoft.com/office/powerpoint/2010/main" val="2026410508"/>
+      </p:ext>
+    </p:extLst>
+  </p:cSld>
+  <p:clrMapOvr>
+    <a:masterClrMapping/>
+  </p:clrMapOvr>
+</p:sld>
+</file>
+
+<file path=ppt/slides/slide19.xml><?xml version="1.0" encoding="utf-8"?>
+<p:sld xmlns:a="http://schemas.openxmlformats.org/drawingml/2006/main" xmlns:r="http://schemas.openxmlformats.org/officeDocument/2006/relationships" xmlns:p="http://schemas.openxmlformats.org/presentationml/2006/main">
+  <p:cSld>
+    <p:spTree>
+      <p:nvGrpSpPr>
+        <p:cNvPr id="1" name=""/>
+        <p:cNvGrpSpPr/>
+        <p:nvPr/>
+      </p:nvGrpSpPr>
+      <p:grpSpPr>
+        <a:xfrm>
+          <a:off x="0" y="0"/>
+          <a:ext cx="0" cy="0"/>
+          <a:chOff x="0" y="0"/>
+          <a:chExt cx="0" cy="0"/>
+        </a:xfrm>
+      </p:grpSpPr>
+      <p:pic>
+        <p:nvPicPr>
+          <p:cNvPr id="3" name="Picture 2" descr="A screenshot of a video game&#10;&#10;Description automatically generated">
+            <a:extLst>
+              <a:ext uri="{FF2B5EF4-FFF2-40B4-BE49-F238E27FC236}">
+                <a16:creationId xmlns:a16="http://schemas.microsoft.com/office/drawing/2014/main" id="{8F21C8B5-A914-EF4F-8021-1B5CE0885EFC}"/>
               </a:ext>
             </a:extLst>
           </p:cNvPr>
@@ -6328,212 +6773,6 @@
 </p:sld>
 </file>
 
-<file path=ppt/slides/slide18.xml><?xml version="1.0" encoding="utf-8"?>
-<p:sld xmlns:a="http://schemas.openxmlformats.org/drawingml/2006/main" xmlns:r="http://schemas.openxmlformats.org/officeDocument/2006/relationships" xmlns:p="http://schemas.openxmlformats.org/presentationml/2006/main">
-  <p:cSld>
-    <p:spTree>
-      <p:nvGrpSpPr>
-        <p:cNvPr id="1" name=""/>
-        <p:cNvGrpSpPr/>
-        <p:nvPr/>
-      </p:nvGrpSpPr>
-      <p:grpSpPr>
-        <a:xfrm>
-          <a:off x="0" y="0"/>
-          <a:ext cx="0" cy="0"/>
-          <a:chOff x="0" y="0"/>
-          <a:chExt cx="0" cy="0"/>
-        </a:xfrm>
-      </p:grpSpPr>
-      <p:pic>
-        <p:nvPicPr>
-          <p:cNvPr id="5" name="Content Placeholder 4" descr="A picture containing indoor, sitting, table, monitor&#10;&#10;Description automatically generated">
-            <a:extLst>
-              <a:ext uri="{FF2B5EF4-FFF2-40B4-BE49-F238E27FC236}">
-                <a16:creationId xmlns:a16="http://schemas.microsoft.com/office/drawing/2014/main" id="{F492DECD-0BBC-8645-B5B5-8F0419F21962}"/>
-              </a:ext>
-            </a:extLst>
-          </p:cNvPr>
-          <p:cNvPicPr>
-            <a:picLocks noGrp="1" noChangeAspect="1"/>
-          </p:cNvPicPr>
-          <p:nvPr>
-            <p:ph idx="1"/>
-          </p:nvPr>
-        </p:nvPicPr>
-        <p:blipFill>
-          <a:blip r:embed="rId3"/>
-          <a:stretch>
-            <a:fillRect/>
-          </a:stretch>
-        </p:blipFill>
-        <p:spPr>
-          <a:xfrm>
-            <a:off x="242888" y="454378"/>
-            <a:ext cx="11734800" cy="2693641"/>
-          </a:xfrm>
-        </p:spPr>
-      </p:pic>
-      <p:pic>
-        <p:nvPicPr>
-          <p:cNvPr id="7" name="Picture 6" descr="A picture containing sitting, looking, table, person&#10;&#10;Description automatically generated">
-            <a:extLst>
-              <a:ext uri="{FF2B5EF4-FFF2-40B4-BE49-F238E27FC236}">
-                <a16:creationId xmlns:a16="http://schemas.microsoft.com/office/drawing/2014/main" id="{E1E74D07-B211-FC47-9DE6-DB874A045983}"/>
-              </a:ext>
-            </a:extLst>
-          </p:cNvPr>
-          <p:cNvPicPr>
-            <a:picLocks noChangeAspect="1"/>
-          </p:cNvPicPr>
-          <p:nvPr/>
-        </p:nvPicPr>
-        <p:blipFill>
-          <a:blip r:embed="rId4"/>
-          <a:stretch>
-            <a:fillRect/>
-          </a:stretch>
-        </p:blipFill>
-        <p:spPr>
-          <a:xfrm>
-            <a:off x="120650" y="3621439"/>
-            <a:ext cx="11950700" cy="2743200"/>
-          </a:xfrm>
-          <a:prstGeom prst="rect">
-            <a:avLst/>
-          </a:prstGeom>
-        </p:spPr>
-      </p:pic>
-      <p:sp>
-        <p:nvSpPr>
-          <p:cNvPr id="9" name="Oval 8">
-            <a:extLst>
-              <a:ext uri="{FF2B5EF4-FFF2-40B4-BE49-F238E27FC236}">
-                <a16:creationId xmlns:a16="http://schemas.microsoft.com/office/drawing/2014/main" id="{A4A6E418-CC73-2B40-A259-0BFA09114B67}"/>
-              </a:ext>
-            </a:extLst>
-          </p:cNvPr>
-          <p:cNvSpPr/>
-          <p:nvPr/>
-        </p:nvSpPr>
-        <p:spPr>
-          <a:xfrm>
-            <a:off x="457200" y="4057650"/>
-            <a:ext cx="10758488" cy="528638"/>
-          </a:xfrm>
-          <a:prstGeom prst="ellipse">
-            <a:avLst/>
-          </a:prstGeom>
-          <a:noFill/>
-          <a:ln w="19050">
-            <a:solidFill>
-              <a:srgbClr val="FF0000"/>
-            </a:solidFill>
-          </a:ln>
-        </p:spPr>
-        <p:style>
-          <a:lnRef idx="2">
-            <a:schemeClr val="accent1">
-              <a:shade val="50000"/>
-            </a:schemeClr>
-          </a:lnRef>
-          <a:fillRef idx="1">
-            <a:schemeClr val="accent1"/>
-          </a:fillRef>
-          <a:effectRef idx="0">
-            <a:schemeClr val="accent1"/>
-          </a:effectRef>
-          <a:fontRef idx="minor">
-            <a:schemeClr val="lt1"/>
-          </a:fontRef>
-        </p:style>
-        <p:txBody>
-          <a:bodyPr rtlCol="0" anchor="ctr"/>
-          <a:lstStyle/>
-          <a:p>
-            <a:pPr algn="ctr"/>
-            <a:endParaRPr lang="en-US"/>
-          </a:p>
-        </p:txBody>
-      </p:sp>
-    </p:spTree>
-    <p:extLst>
-      <p:ext uri="{BB962C8B-B14F-4D97-AF65-F5344CB8AC3E}">
-        <p14:creationId xmlns:p14="http://schemas.microsoft.com/office/powerpoint/2010/main" val="517523677"/>
-      </p:ext>
-    </p:extLst>
-  </p:cSld>
-  <p:clrMapOvr>
-    <a:masterClrMapping/>
-  </p:clrMapOvr>
-</p:sld>
-</file>
-
-<file path=ppt/slides/slide19.xml><?xml version="1.0" encoding="utf-8"?>
-<p:sld xmlns:a="http://schemas.openxmlformats.org/drawingml/2006/main" xmlns:r="http://schemas.openxmlformats.org/officeDocument/2006/relationships" xmlns:p="http://schemas.openxmlformats.org/presentationml/2006/main">
-  <p:cSld>
-    <p:spTree>
-      <p:nvGrpSpPr>
-        <p:cNvPr id="1" name=""/>
-        <p:cNvGrpSpPr/>
-        <p:nvPr/>
-      </p:nvGrpSpPr>
-      <p:grpSpPr>
-        <a:xfrm>
-          <a:off x="0" y="0"/>
-          <a:ext cx="0" cy="0"/>
-          <a:chOff x="0" y="0"/>
-          <a:chExt cx="0" cy="0"/>
-        </a:xfrm>
-      </p:grpSpPr>
-      <p:sp>
-        <p:nvSpPr>
-          <p:cNvPr id="2" name="Title 1">
-            <a:extLst>
-              <a:ext uri="{FF2B5EF4-FFF2-40B4-BE49-F238E27FC236}">
-                <a16:creationId xmlns:a16="http://schemas.microsoft.com/office/drawing/2014/main" id="{D4D76B3D-2BCE-0145-BFD3-BA35DEDF28D0}"/>
-              </a:ext>
-            </a:extLst>
-          </p:cNvPr>
-          <p:cNvSpPr>
-            <a:spLocks noGrp="1"/>
-          </p:cNvSpPr>
-          <p:nvPr>
-            <p:ph type="title"/>
-          </p:nvPr>
-        </p:nvSpPr>
-        <p:spPr>
-          <a:xfrm>
-            <a:off x="838200" y="2766218"/>
-            <a:ext cx="10515600" cy="1325563"/>
-          </a:xfrm>
-        </p:spPr>
-        <p:txBody>
-          <a:bodyPr/>
-          <a:lstStyle/>
-          <a:p>
-            <a:r>
-              <a:rPr lang="en-US" dirty="0">
-                <a:latin typeface="Century Gothic" panose="020B0502020202020204" pitchFamily="34" charset="0"/>
-              </a:rPr>
-              <a:t>Max</a:t>
-            </a:r>
-          </a:p>
-        </p:txBody>
-      </p:sp>
-    </p:spTree>
-    <p:extLst>
-      <p:ext uri="{BB962C8B-B14F-4D97-AF65-F5344CB8AC3E}">
-        <p14:creationId xmlns:p14="http://schemas.microsoft.com/office/powerpoint/2010/main" val="3963904343"/>
-      </p:ext>
-    </p:extLst>
-  </p:cSld>
-  <p:clrMapOvr>
-    <a:masterClrMapping/>
-  </p:clrMapOvr>
-</p:sld>
-</file>
-
 <file path=ppt/slides/slide2.xml><?xml version="1.0" encoding="utf-8"?>
 <p:sld xmlns:a="http://schemas.openxmlformats.org/drawingml/2006/main" xmlns:r="http://schemas.openxmlformats.org/officeDocument/2006/relationships" xmlns:p="http://schemas.openxmlformats.org/presentationml/2006/main">
   <p:cSld>
@@ -6556,7 +6795,7 @@
           <p:cNvPr id="2" name="Title 1">
             <a:extLst>
               <a:ext uri="{FF2B5EF4-FFF2-40B4-BE49-F238E27FC236}">
-                <a16:creationId xmlns:a16="http://schemas.microsoft.com/office/drawing/2014/main" id="{791EEFD0-B4D8-1F41-B1B4-E41684BBB628}"/>
+                <a16:creationId xmlns:a16="http://schemas.microsoft.com/office/drawing/2014/main" id="{CE1D55EC-CFF1-E44B-88D2-476FE3B2118C}"/>
               </a:ext>
             </a:extLst>
           </p:cNvPr>
@@ -6573,8 +6812,13 @@
           <a:lstStyle/>
           <a:p>
             <a:r>
-              <a:rPr lang="en-US" dirty="0"/>
-              <a:t>Methodology</a:t>
+              <a:rPr lang="en-US" dirty="0">
+                <a:solidFill>
+                  <a:schemeClr val="accent6"/>
+                </a:solidFill>
+                <a:latin typeface="Century Gothic" panose="020B0502020202020204" pitchFamily="34" charset="0"/>
+              </a:rPr>
+              <a:t>Objectives</a:t>
             </a:r>
           </a:p>
         </p:txBody>
@@ -6584,7 +6828,7 @@
           <p:cNvPr id="3" name="Content Placeholder 2">
             <a:extLst>
               <a:ext uri="{FF2B5EF4-FFF2-40B4-BE49-F238E27FC236}">
-                <a16:creationId xmlns:a16="http://schemas.microsoft.com/office/drawing/2014/main" id="{10FB990B-D333-564F-8390-C4366288170B}"/>
+                <a16:creationId xmlns:a16="http://schemas.microsoft.com/office/drawing/2014/main" id="{C5778639-6BAB-184B-A8DE-6264DF8D50B6}"/>
               </a:ext>
             </a:extLst>
           </p:cNvPr>
@@ -6600,14 +6844,44 @@
           <a:bodyPr/>
           <a:lstStyle/>
           <a:p>
-            <a:endParaRPr lang="en-US"/>
+            <a:r>
+              <a:rPr lang="en-US" dirty="0">
+                <a:latin typeface="Century Gothic" panose="020B0502020202020204" pitchFamily="34" charset="0"/>
+              </a:rPr>
+              <a:t>Gather data from the S&amp;P Global Market Intelligence Platform (AKA SNL)</a:t>
+            </a:r>
+          </a:p>
+          <a:p>
+            <a:pPr lvl="1"/>
+            <a:r>
+              <a:rPr lang="en-US" dirty="0">
+                <a:latin typeface="Century Gothic" panose="020B0502020202020204" pitchFamily="34" charset="0"/>
+              </a:rPr>
+              <a:t>Currently the Futures market data has no method of being downloaded other than via Excel and manual lookups</a:t>
+            </a:r>
+          </a:p>
+          <a:p>
+            <a:r>
+              <a:rPr lang="en-US" dirty="0">
+                <a:latin typeface="Century Gothic" panose="020B0502020202020204" pitchFamily="34" charset="0"/>
+              </a:rPr>
+              <a:t>Use 10-Year market level real time and previous data to observe trends in Futures &amp; Forwards</a:t>
+            </a:r>
+          </a:p>
+          <a:p>
+            <a:r>
+              <a:rPr lang="en-US" dirty="0">
+                <a:latin typeface="Century Gothic" panose="020B0502020202020204" pitchFamily="34" charset="0"/>
+              </a:rPr>
+              <a:t>How well are real time prices predicted?</a:t>
+            </a:r>
           </a:p>
         </p:txBody>
       </p:sp>
     </p:spTree>
     <p:extLst>
       <p:ext uri="{BB962C8B-B14F-4D97-AF65-F5344CB8AC3E}">
-        <p14:creationId xmlns:p14="http://schemas.microsoft.com/office/powerpoint/2010/main" val="3656967893"/>
+        <p14:creationId xmlns:p14="http://schemas.microsoft.com/office/powerpoint/2010/main" val="2144949578"/>
       </p:ext>
     </p:extLst>
   </p:cSld>
@@ -6639,7 +6913,7 @@
           <p:cNvPr id="2" name="Title 1">
             <a:extLst>
               <a:ext uri="{FF2B5EF4-FFF2-40B4-BE49-F238E27FC236}">
-                <a16:creationId xmlns:a16="http://schemas.microsoft.com/office/drawing/2014/main" id="{AB9BD714-42A6-B647-B34D-3164D69DF750}"/>
+                <a16:creationId xmlns:a16="http://schemas.microsoft.com/office/drawing/2014/main" id="{D4D76B3D-2BCE-0145-BFD3-BA35DEDF28D0}"/>
               </a:ext>
             </a:extLst>
           </p:cNvPr>
@@ -6661,8 +6935,10 @@
           <a:lstStyle/>
           <a:p>
             <a:r>
-              <a:rPr lang="en-US" dirty="0"/>
-              <a:t>10 Year overview</a:t>
+              <a:rPr lang="en-US" dirty="0">
+                <a:latin typeface="Century Gothic" panose="020B0502020202020204" pitchFamily="34" charset="0"/>
+              </a:rPr>
+              <a:t>Min &amp; Max</a:t>
             </a:r>
           </a:p>
         </p:txBody>
@@ -6670,7 +6946,7 @@
     </p:spTree>
     <p:extLst>
       <p:ext uri="{BB962C8B-B14F-4D97-AF65-F5344CB8AC3E}">
-        <p14:creationId xmlns:p14="http://schemas.microsoft.com/office/powerpoint/2010/main" val="3785973268"/>
+        <p14:creationId xmlns:p14="http://schemas.microsoft.com/office/powerpoint/2010/main" val="3963904343"/>
       </p:ext>
     </p:extLst>
   </p:cSld>
@@ -6697,43 +6973,200 @@
           <a:chExt cx="0" cy="0"/>
         </a:xfrm>
       </p:grpSpPr>
-      <p:sp>
-        <p:nvSpPr>
-          <p:cNvPr id="2" name="Title 1">
-            <a:extLst>
-              <a:ext uri="{FF2B5EF4-FFF2-40B4-BE49-F238E27FC236}">
-                <a16:creationId xmlns:a16="http://schemas.microsoft.com/office/drawing/2014/main" id="{CB78CD62-6C2E-8F43-96E2-6E822086B03D}"/>
-              </a:ext>
-            </a:extLst>
-          </p:cNvPr>
-          <p:cNvSpPr>
-            <a:spLocks noGrp="1"/>
-          </p:cNvSpPr>
-          <p:nvPr>
-            <p:ph type="title"/>
-          </p:nvPr>
-        </p:nvSpPr>
-        <p:spPr>
-          <a:xfrm>
-            <a:off x="838200" y="2766218"/>
-            <a:ext cx="10515600" cy="1325563"/>
-          </a:xfrm>
-        </p:spPr>
-        <p:txBody>
-          <a:bodyPr/>
-          <a:lstStyle/>
-          <a:p>
-            <a:r>
-              <a:rPr lang="en-US" dirty="0"/>
-              <a:t>TEST DEAL </a:t>
-            </a:r>
+      <p:pic>
+        <p:nvPicPr>
+          <p:cNvPr id="9" name="Picture 8">
+            <a:extLst>
+              <a:ext uri="{FF2B5EF4-FFF2-40B4-BE49-F238E27FC236}">
+                <a16:creationId xmlns:a16="http://schemas.microsoft.com/office/drawing/2014/main" id="{35C0ECEC-51A7-3F4E-A151-1CA484B3ADDC}"/>
+              </a:ext>
+            </a:extLst>
+          </p:cNvPr>
+          <p:cNvPicPr>
+            <a:picLocks noChangeAspect="1"/>
+          </p:cNvPicPr>
+          <p:nvPr/>
+        </p:nvPicPr>
+        <p:blipFill>
+          <a:blip r:embed="rId2"/>
+          <a:stretch>
+            <a:fillRect/>
+          </a:stretch>
+        </p:blipFill>
+        <p:spPr>
+          <a:xfrm>
+            <a:off x="1439545" y="1104292"/>
+            <a:ext cx="9312910" cy="4275427"/>
+          </a:xfrm>
+          <a:prstGeom prst="rect">
+            <a:avLst/>
+          </a:prstGeom>
+        </p:spPr>
+      </p:pic>
+      <p:sp>
+        <p:nvSpPr>
+          <p:cNvPr id="12" name="TextBox 11">
+            <a:extLst>
+              <a:ext uri="{FF2B5EF4-FFF2-40B4-BE49-F238E27FC236}">
+                <a16:creationId xmlns:a16="http://schemas.microsoft.com/office/drawing/2014/main" id="{F6EB391F-5083-124A-B409-19C1C2CF3285}"/>
+              </a:ext>
+            </a:extLst>
+          </p:cNvPr>
+          <p:cNvSpPr txBox="1"/>
+          <p:nvPr/>
+        </p:nvSpPr>
+        <p:spPr>
+          <a:xfrm>
+            <a:off x="10004613" y="233922"/>
+            <a:ext cx="1958788" cy="2677656"/>
+          </a:xfrm>
+          <a:prstGeom prst="rect">
+            <a:avLst/>
+          </a:prstGeom>
+          <a:solidFill>
+            <a:srgbClr val="E8C0FF"/>
+          </a:solidFill>
+        </p:spPr>
+        <p:txBody>
+          <a:bodyPr wrap="square" rtlCol="0">
+            <a:spAutoFit/>
+          </a:bodyPr>
+          <a:lstStyle/>
+          <a:p>
+            <a:r>
+              <a:rPr lang="en-US" sz="1400" dirty="0">
+                <a:latin typeface="Century Gothic" panose="020B0502020202020204" pitchFamily="34" charset="0"/>
+              </a:rPr>
+              <a:t>Low minimums for On peak indicate an over prediction as the date gets closer.</a:t>
+            </a:r>
+          </a:p>
+          <a:p>
+            <a:endParaRPr lang="en-US" sz="1400" dirty="0">
+              <a:latin typeface="Century Gothic" panose="020B0502020202020204" pitchFamily="34" charset="0"/>
+            </a:endParaRPr>
+          </a:p>
+          <a:p>
+            <a:r>
+              <a:rPr lang="en-US" sz="1400" dirty="0">
+                <a:latin typeface="Century Gothic" panose="020B0502020202020204" pitchFamily="34" charset="0"/>
+              </a:rPr>
+              <a:t>This can be linked to how certain summer months (June-Sept) predict futures prices to be very large (&gt;100)</a:t>
+            </a:r>
+          </a:p>
+        </p:txBody>
+      </p:sp>
+      <p:sp>
+        <p:nvSpPr>
+          <p:cNvPr id="17" name="Rectangle 16">
+            <a:extLst>
+              <a:ext uri="{FF2B5EF4-FFF2-40B4-BE49-F238E27FC236}">
+                <a16:creationId xmlns:a16="http://schemas.microsoft.com/office/drawing/2014/main" id="{24F810BF-E6FD-6345-8CD2-5DA8C67DA224}"/>
+              </a:ext>
+            </a:extLst>
+          </p:cNvPr>
+          <p:cNvSpPr/>
+          <p:nvPr/>
+        </p:nvSpPr>
+        <p:spPr>
+          <a:xfrm>
+            <a:off x="2084294" y="2339788"/>
+            <a:ext cx="7799294" cy="712694"/>
+          </a:xfrm>
+          <a:prstGeom prst="rect">
+            <a:avLst/>
+          </a:prstGeom>
+          <a:solidFill>
+            <a:srgbClr val="E8C0FF">
+              <a:alpha val="43137"/>
+            </a:srgbClr>
+          </a:solidFill>
+          <a:ln>
+            <a:noFill/>
+          </a:ln>
+        </p:spPr>
+        <p:style>
+          <a:lnRef idx="2">
+            <a:schemeClr val="accent1">
+              <a:shade val="50000"/>
+            </a:schemeClr>
+          </a:lnRef>
+          <a:fillRef idx="1">
+            <a:schemeClr val="accent1"/>
+          </a:fillRef>
+          <a:effectRef idx="0">
+            <a:schemeClr val="accent1"/>
+          </a:effectRef>
+          <a:fontRef idx="minor">
+            <a:schemeClr val="lt1"/>
+          </a:fontRef>
+        </p:style>
+        <p:txBody>
+          <a:bodyPr rtlCol="0" anchor="ctr"/>
+          <a:lstStyle/>
+          <a:p>
+            <a:pPr algn="ctr"/>
+            <a:endParaRPr lang="en-US"/>
+          </a:p>
+        </p:txBody>
+      </p:sp>
+      <p:sp>
+        <p:nvSpPr>
+          <p:cNvPr id="18" name="Rectangle 17">
+            <a:extLst>
+              <a:ext uri="{FF2B5EF4-FFF2-40B4-BE49-F238E27FC236}">
+                <a16:creationId xmlns:a16="http://schemas.microsoft.com/office/drawing/2014/main" id="{B2635277-6288-284E-871E-469E11641356}"/>
+              </a:ext>
+            </a:extLst>
+          </p:cNvPr>
+          <p:cNvSpPr/>
+          <p:nvPr/>
+        </p:nvSpPr>
+        <p:spPr>
+          <a:xfrm>
+            <a:off x="2084294" y="4173070"/>
+            <a:ext cx="7799294" cy="712694"/>
+          </a:xfrm>
+          <a:prstGeom prst="rect">
+            <a:avLst/>
+          </a:prstGeom>
+          <a:solidFill>
+            <a:srgbClr val="E8C0FF">
+              <a:alpha val="43137"/>
+            </a:srgbClr>
+          </a:solidFill>
+          <a:ln>
+            <a:noFill/>
+          </a:ln>
+        </p:spPr>
+        <p:style>
+          <a:lnRef idx="2">
+            <a:schemeClr val="accent1">
+              <a:shade val="50000"/>
+            </a:schemeClr>
+          </a:lnRef>
+          <a:fillRef idx="1">
+            <a:schemeClr val="accent1"/>
+          </a:fillRef>
+          <a:effectRef idx="0">
+            <a:schemeClr val="accent1"/>
+          </a:effectRef>
+          <a:fontRef idx="minor">
+            <a:schemeClr val="lt1"/>
+          </a:fontRef>
+        </p:style>
+        <p:txBody>
+          <a:bodyPr rtlCol="0" anchor="ctr"/>
+          <a:lstStyle/>
+          <a:p>
+            <a:pPr algn="ctr"/>
+            <a:endParaRPr lang="en-US"/>
           </a:p>
         </p:txBody>
       </p:sp>
     </p:spTree>
     <p:extLst>
       <p:ext uri="{BB962C8B-B14F-4D97-AF65-F5344CB8AC3E}">
-        <p14:creationId xmlns:p14="http://schemas.microsoft.com/office/powerpoint/2010/main" val="3221612192"/>
+        <p14:creationId xmlns:p14="http://schemas.microsoft.com/office/powerpoint/2010/main" val="438104580"/>
       </p:ext>
     </p:extLst>
   </p:cSld>
@@ -6760,106 +7193,206 @@
           <a:chExt cx="0" cy="0"/>
         </a:xfrm>
       </p:grpSpPr>
-      <p:sp>
-        <p:nvSpPr>
-          <p:cNvPr id="2" name="Title 1">
-            <a:extLst>
-              <a:ext uri="{FF2B5EF4-FFF2-40B4-BE49-F238E27FC236}">
-                <a16:creationId xmlns:a16="http://schemas.microsoft.com/office/drawing/2014/main" id="{366DBC7F-CD44-0446-9A32-A205FA3FCD55}"/>
-              </a:ext>
-            </a:extLst>
-          </p:cNvPr>
-          <p:cNvSpPr>
-            <a:spLocks noGrp="1"/>
-          </p:cNvSpPr>
-          <p:nvPr>
-            <p:ph type="title"/>
-          </p:nvPr>
-        </p:nvSpPr>
-        <p:spPr/>
-        <p:txBody>
-          <a:bodyPr/>
-          <a:lstStyle/>
-          <a:p>
-            <a:r>
-              <a:rPr lang="en-US" dirty="0"/>
-              <a:t>Variation over year of As of Dates </a:t>
-            </a:r>
-          </a:p>
-        </p:txBody>
-      </p:sp>
-      <p:sp>
-        <p:nvSpPr>
-          <p:cNvPr id="3" name="Content Placeholder 2">
-            <a:extLst>
-              <a:ext uri="{FF2B5EF4-FFF2-40B4-BE49-F238E27FC236}">
-                <a16:creationId xmlns:a16="http://schemas.microsoft.com/office/drawing/2014/main" id="{607372A5-D75B-AF4B-9CEE-854A15B6A9BB}"/>
-              </a:ext>
-            </a:extLst>
-          </p:cNvPr>
-          <p:cNvSpPr>
-            <a:spLocks noGrp="1"/>
-          </p:cNvSpPr>
+      <p:pic>
+        <p:nvPicPr>
+          <p:cNvPr id="6" name="Content Placeholder 5" descr="A screen shot of a window&#10;&#10;Description automatically generated">
+            <a:extLst>
+              <a:ext uri="{FF2B5EF4-FFF2-40B4-BE49-F238E27FC236}">
+                <a16:creationId xmlns:a16="http://schemas.microsoft.com/office/drawing/2014/main" id="{21079F71-226E-4B4C-BCA8-4745DF4484E5}"/>
+              </a:ext>
+            </a:extLst>
+          </p:cNvPr>
+          <p:cNvPicPr>
+            <a:picLocks noGrp="1" noChangeAspect="1"/>
+          </p:cNvPicPr>
           <p:nvPr>
             <p:ph idx="1"/>
           </p:nvPr>
-        </p:nvSpPr>
-        <p:spPr/>
-        <p:txBody>
-          <a:bodyPr/>
-          <a:lstStyle/>
-          <a:p>
-            <a:r>
-              <a:rPr lang="en-US" dirty="0"/>
-              <a:t>Due to data inconsistencies with SNL, there are only historical futures and real time data for dates between 2013 June to 2020 June.</a:t>
-            </a:r>
-          </a:p>
-          <a:p>
-            <a:r>
-              <a:rPr lang="en-US" dirty="0"/>
-              <a:t>Let’s observe how the forwards move over the years on June 1</a:t>
-            </a:r>
-            <a:r>
-              <a:rPr lang="en-US" baseline="30000" dirty="0"/>
-              <a:t>st</a:t>
-            </a:r>
-            <a:r>
-              <a:rPr lang="en-US" dirty="0"/>
-              <a:t> of 2014-2019 based on the as of date from June 18</a:t>
-            </a:r>
-            <a:r>
-              <a:rPr lang="en-US" baseline="30000" dirty="0"/>
-              <a:t>st</a:t>
-            </a:r>
-            <a:r>
-              <a:rPr lang="en-US" dirty="0"/>
-              <a:t>, 2013 – June 18 2014.</a:t>
-            </a:r>
-          </a:p>
-          <a:p>
-            <a:r>
-              <a:rPr lang="en-US" dirty="0"/>
-              <a:t>ATC only</a:t>
-            </a:r>
-          </a:p>
-          <a:p>
-            <a:r>
-              <a:rPr lang="en-US" dirty="0"/>
-              <a:t>X axis = as of date, y axis = grouped by term year - mean and var of forward values</a:t>
-            </a:r>
-          </a:p>
-          <a:p>
-            <a:r>
-              <a:rPr lang="en-US" dirty="0"/>
-              <a:t>Y’ axis = grouped mean and grouped var of prediction deltas</a:t>
-            </a:r>
+        </p:nvPicPr>
+        <p:blipFill>
+          <a:blip r:embed="rId3"/>
+          <a:stretch>
+            <a:fillRect/>
+          </a:stretch>
+        </p:blipFill>
+        <p:spPr>
+          <a:xfrm>
+            <a:off x="1356869" y="1153272"/>
+            <a:ext cx="9478261" cy="4351338"/>
+          </a:xfrm>
+        </p:spPr>
+      </p:pic>
+      <p:sp>
+        <p:nvSpPr>
+          <p:cNvPr id="8" name="TextBox 7">
+            <a:extLst>
+              <a:ext uri="{FF2B5EF4-FFF2-40B4-BE49-F238E27FC236}">
+                <a16:creationId xmlns:a16="http://schemas.microsoft.com/office/drawing/2014/main" id="{1ADD4A88-A819-AD4E-B7B4-E83F08F83477}"/>
+              </a:ext>
+            </a:extLst>
+          </p:cNvPr>
+          <p:cNvSpPr txBox="1"/>
+          <p:nvPr/>
+        </p:nvSpPr>
+        <p:spPr>
+          <a:xfrm>
+            <a:off x="9977719" y="367366"/>
+            <a:ext cx="1958788" cy="2462213"/>
+          </a:xfrm>
+          <a:prstGeom prst="rect">
+            <a:avLst/>
+          </a:prstGeom>
+          <a:solidFill>
+            <a:schemeClr val="accent4">
+              <a:lumMod val="40000"/>
+              <a:lumOff val="60000"/>
+            </a:schemeClr>
+          </a:solidFill>
+        </p:spPr>
+        <p:txBody>
+          <a:bodyPr wrap="square" rtlCol="0">
+            <a:spAutoFit/>
+          </a:bodyPr>
+          <a:lstStyle/>
+          <a:p>
+            <a:r>
+              <a:rPr lang="en-US" sz="1400" dirty="0">
+                <a:latin typeface="Century Gothic" panose="020B0502020202020204" pitchFamily="34" charset="0"/>
+              </a:rPr>
+              <a:t>High maximums in prediction loss with further time out due indicate large underestimation in backwards time.</a:t>
+            </a:r>
+          </a:p>
+          <a:p>
+            <a:endParaRPr lang="en-US" sz="1400" dirty="0">
+              <a:latin typeface="Century Gothic" panose="020B0502020202020204" pitchFamily="34" charset="0"/>
+            </a:endParaRPr>
+          </a:p>
+          <a:p>
+            <a:r>
+              <a:rPr lang="en-US" sz="1400" dirty="0">
+                <a:latin typeface="Century Gothic" panose="020B0502020202020204" pitchFamily="34" charset="0"/>
+              </a:rPr>
+              <a:t>2019/9/1 seems to see be the reason for increased prediction loss</a:t>
+            </a:r>
+          </a:p>
+        </p:txBody>
+      </p:sp>
+      <p:sp>
+        <p:nvSpPr>
+          <p:cNvPr id="11" name="Rectangle 10">
+            <a:extLst>
+              <a:ext uri="{FF2B5EF4-FFF2-40B4-BE49-F238E27FC236}">
+                <a16:creationId xmlns:a16="http://schemas.microsoft.com/office/drawing/2014/main" id="{2BF5ED75-95A1-A341-8252-D336281D24E1}"/>
+              </a:ext>
+            </a:extLst>
+          </p:cNvPr>
+          <p:cNvSpPr/>
+          <p:nvPr/>
+        </p:nvSpPr>
+        <p:spPr>
+          <a:xfrm>
+            <a:off x="1922929" y="1598473"/>
+            <a:ext cx="7799294" cy="484094"/>
+          </a:xfrm>
+          <a:prstGeom prst="rect">
+            <a:avLst/>
+          </a:prstGeom>
+          <a:solidFill>
+            <a:schemeClr val="accent4">
+              <a:lumMod val="20000"/>
+              <a:lumOff val="80000"/>
+              <a:alpha val="43137"/>
+            </a:schemeClr>
+          </a:solidFill>
+          <a:ln>
+            <a:noFill/>
+          </a:ln>
+        </p:spPr>
+        <p:style>
+          <a:lnRef idx="2">
+            <a:schemeClr val="accent1">
+              <a:shade val="50000"/>
+            </a:schemeClr>
+          </a:lnRef>
+          <a:fillRef idx="1">
+            <a:schemeClr val="accent1"/>
+          </a:fillRef>
+          <a:effectRef idx="0">
+            <a:schemeClr val="accent1"/>
+          </a:effectRef>
+          <a:fontRef idx="minor">
+            <a:schemeClr val="lt1"/>
+          </a:fontRef>
+        </p:style>
+        <p:txBody>
+          <a:bodyPr rtlCol="0" anchor="ctr"/>
+          <a:lstStyle/>
+          <a:p>
+            <a:pPr algn="ctr"/>
+            <a:endParaRPr lang="en-US"/>
+          </a:p>
+        </p:txBody>
+      </p:sp>
+      <p:sp>
+        <p:nvSpPr>
+          <p:cNvPr id="12" name="Rectangle 11">
+            <a:extLst>
+              <a:ext uri="{FF2B5EF4-FFF2-40B4-BE49-F238E27FC236}">
+                <a16:creationId xmlns:a16="http://schemas.microsoft.com/office/drawing/2014/main" id="{6346B098-4D8A-8643-95BF-A9909FFEF951}"/>
+              </a:ext>
+            </a:extLst>
+          </p:cNvPr>
+          <p:cNvSpPr/>
+          <p:nvPr/>
+        </p:nvSpPr>
+        <p:spPr>
+          <a:xfrm>
+            <a:off x="1922929" y="3495955"/>
+            <a:ext cx="7799294" cy="484094"/>
+          </a:xfrm>
+          <a:prstGeom prst="rect">
+            <a:avLst/>
+          </a:prstGeom>
+          <a:solidFill>
+            <a:schemeClr val="accent4">
+              <a:lumMod val="20000"/>
+              <a:lumOff val="80000"/>
+              <a:alpha val="43137"/>
+            </a:schemeClr>
+          </a:solidFill>
+          <a:ln>
+            <a:noFill/>
+          </a:ln>
+        </p:spPr>
+        <p:style>
+          <a:lnRef idx="2">
+            <a:schemeClr val="accent1">
+              <a:shade val="50000"/>
+            </a:schemeClr>
+          </a:lnRef>
+          <a:fillRef idx="1">
+            <a:schemeClr val="accent1"/>
+          </a:fillRef>
+          <a:effectRef idx="0">
+            <a:schemeClr val="accent1"/>
+          </a:effectRef>
+          <a:fontRef idx="minor">
+            <a:schemeClr val="lt1"/>
+          </a:fontRef>
+        </p:style>
+        <p:txBody>
+          <a:bodyPr rtlCol="0" anchor="ctr"/>
+          <a:lstStyle/>
+          <a:p>
+            <a:pPr algn="ctr"/>
+            <a:endParaRPr lang="en-US"/>
           </a:p>
         </p:txBody>
       </p:sp>
     </p:spTree>
     <p:extLst>
       <p:ext uri="{BB962C8B-B14F-4D97-AF65-F5344CB8AC3E}">
-        <p14:creationId xmlns:p14="http://schemas.microsoft.com/office/powerpoint/2010/main" val="2958807406"/>
+        <p14:creationId xmlns:p14="http://schemas.microsoft.com/office/powerpoint/2010/main" val="517523677"/>
       </p:ext>
     </p:extLst>
   </p:cSld>
@@ -6891,7 +7424,7 @@
           <p:cNvPr id="2" name="Title 1">
             <a:extLst>
               <a:ext uri="{FF2B5EF4-FFF2-40B4-BE49-F238E27FC236}">
-                <a16:creationId xmlns:a16="http://schemas.microsoft.com/office/drawing/2014/main" id="{8F08B955-956B-4947-A1FF-59B0017F41C9}"/>
+                <a16:creationId xmlns:a16="http://schemas.microsoft.com/office/drawing/2014/main" id="{CB78CD62-6C2E-8F43-96E2-6E822086B03D}"/>
               </a:ext>
             </a:extLst>
           </p:cNvPr>
@@ -6902,47 +7435,32 @@
             <p:ph type="title"/>
           </p:nvPr>
         </p:nvSpPr>
-        <p:spPr/>
+        <p:spPr>
+          <a:xfrm>
+            <a:off x="838200" y="2766218"/>
+            <a:ext cx="8799095" cy="1325563"/>
+          </a:xfrm>
+        </p:spPr>
         <p:txBody>
           <a:bodyPr/>
           <a:lstStyle/>
           <a:p>
             <a:r>
-              <a:rPr lang="en-US" dirty="0"/>
-              <a:t>Observation of means and variance changing as years go on between groups of as of dates</a:t>
-            </a:r>
-          </a:p>
-        </p:txBody>
-      </p:sp>
-      <p:sp>
-        <p:nvSpPr>
-          <p:cNvPr id="3" name="Content Placeholder 2">
-            <a:extLst>
-              <a:ext uri="{FF2B5EF4-FFF2-40B4-BE49-F238E27FC236}">
-                <a16:creationId xmlns:a16="http://schemas.microsoft.com/office/drawing/2014/main" id="{919896F2-D9E4-C945-9B99-AE81881B10AE}"/>
-              </a:ext>
-            </a:extLst>
-          </p:cNvPr>
-          <p:cNvSpPr>
-            <a:spLocks noGrp="1"/>
-          </p:cNvSpPr>
-          <p:nvPr>
-            <p:ph idx="1"/>
-          </p:nvPr>
-        </p:nvSpPr>
-        <p:spPr/>
-        <p:txBody>
-          <a:bodyPr/>
-          <a:lstStyle/>
-          <a:p>
-            <a:endParaRPr lang="en-US" dirty="0"/>
+              <a:rPr lang="en-US" dirty="0">
+                <a:solidFill>
+                  <a:schemeClr val="accent6"/>
+                </a:solidFill>
+                <a:latin typeface="Century Gothic" panose="020B0502020202020204" pitchFamily="34" charset="0"/>
+              </a:rPr>
+              <a:t>Price Variations based on the As Of Date</a:t>
+            </a:r>
           </a:p>
         </p:txBody>
       </p:sp>
     </p:spTree>
     <p:extLst>
       <p:ext uri="{BB962C8B-B14F-4D97-AF65-F5344CB8AC3E}">
-        <p14:creationId xmlns:p14="http://schemas.microsoft.com/office/powerpoint/2010/main" val="3389650098"/>
+        <p14:creationId xmlns:p14="http://schemas.microsoft.com/office/powerpoint/2010/main" val="3221612192"/>
       </p:ext>
     </p:extLst>
   </p:cSld>
@@ -6969,39 +7487,185 @@
           <a:chExt cx="0" cy="0"/>
         </a:xfrm>
       </p:grpSpPr>
-      <p:pic>
-        <p:nvPicPr>
-          <p:cNvPr id="4" name="Content Placeholder 4">
-            <a:extLst>
-              <a:ext uri="{FF2B5EF4-FFF2-40B4-BE49-F238E27FC236}">
-                <a16:creationId xmlns:a16="http://schemas.microsoft.com/office/drawing/2014/main" id="{9D6B041A-DF4B-8B46-9482-332A9662A87F}"/>
-              </a:ext>
-            </a:extLst>
-          </p:cNvPr>
-          <p:cNvPicPr>
-            <a:picLocks noGrp="1" noChangeAspect="1"/>
-          </p:cNvPicPr>
+      <p:sp>
+        <p:nvSpPr>
+          <p:cNvPr id="2" name="Title 1">
+            <a:extLst>
+              <a:ext uri="{FF2B5EF4-FFF2-40B4-BE49-F238E27FC236}">
+                <a16:creationId xmlns:a16="http://schemas.microsoft.com/office/drawing/2014/main" id="{366DBC7F-CD44-0446-9A32-A205FA3FCD55}"/>
+              </a:ext>
+            </a:extLst>
+          </p:cNvPr>
+          <p:cNvSpPr>
+            <a:spLocks noGrp="1"/>
+          </p:cNvSpPr>
+          <p:nvPr>
+            <p:ph type="title"/>
+          </p:nvPr>
+        </p:nvSpPr>
+        <p:spPr/>
+        <p:txBody>
+          <a:bodyPr/>
+          <a:lstStyle/>
+          <a:p>
+            <a:r>
+              <a:rPr lang="en-US" dirty="0">
+                <a:latin typeface="Century Gothic" panose="020B0502020202020204" pitchFamily="34" charset="0"/>
+              </a:rPr>
+              <a:t>Variation Over 1 Year of As of Dates </a:t>
+            </a:r>
+          </a:p>
+        </p:txBody>
+      </p:sp>
+      <p:sp>
+        <p:nvSpPr>
+          <p:cNvPr id="3" name="Content Placeholder 2">
+            <a:extLst>
+              <a:ext uri="{FF2B5EF4-FFF2-40B4-BE49-F238E27FC236}">
+                <a16:creationId xmlns:a16="http://schemas.microsoft.com/office/drawing/2014/main" id="{607372A5-D75B-AF4B-9CEE-854A15B6A9BB}"/>
+              </a:ext>
+            </a:extLst>
+          </p:cNvPr>
+          <p:cNvSpPr>
+            <a:spLocks noGrp="1"/>
+          </p:cNvSpPr>
           <p:nvPr>
             <p:ph idx="1"/>
           </p:nvPr>
-        </p:nvPicPr>
-        <p:blipFill>
-          <a:blip r:embed="rId2"/>
-          <a:stretch>
-            <a:fillRect/>
-          </a:stretch>
-        </p:blipFill>
-        <p:spPr>
-          <a:xfrm>
-            <a:off x="141974" y="661756"/>
-            <a:ext cx="11908052" cy="5561382"/>
-          </a:xfrm>
-        </p:spPr>
-      </p:pic>
+        </p:nvSpPr>
+        <p:spPr/>
+        <p:txBody>
+          <a:bodyPr>
+            <a:normAutofit/>
+          </a:bodyPr>
+          <a:lstStyle/>
+          <a:p>
+            <a:r>
+              <a:rPr lang="en-US" dirty="0">
+                <a:latin typeface="Century Gothic" panose="020B0502020202020204" pitchFamily="34" charset="0"/>
+              </a:rPr>
+              <a:t>Objective:</a:t>
+            </a:r>
+          </a:p>
+          <a:p>
+            <a:pPr lvl="1"/>
+            <a:r>
+              <a:rPr lang="en-US" dirty="0">
+                <a:latin typeface="Century Gothic" panose="020B0502020202020204" pitchFamily="34" charset="0"/>
+              </a:rPr>
+              <a:t>Observe how the forwards move over the </a:t>
+            </a:r>
+            <a:r>
+              <a:rPr lang="en-US" dirty="0">
+                <a:solidFill>
+                  <a:schemeClr val="accent2"/>
+                </a:solidFill>
+                <a:latin typeface="Century Gothic" panose="020B0502020202020204" pitchFamily="34" charset="0"/>
+              </a:rPr>
+              <a:t>Term years </a:t>
+            </a:r>
+            <a:r>
+              <a:rPr lang="en-US" dirty="0">
+                <a:latin typeface="Century Gothic" panose="020B0502020202020204" pitchFamily="34" charset="0"/>
+              </a:rPr>
+              <a:t>for Jan 1</a:t>
+            </a:r>
+            <a:r>
+              <a:rPr lang="en-US" baseline="30000" dirty="0">
+                <a:latin typeface="Century Gothic" panose="020B0502020202020204" pitchFamily="34" charset="0"/>
+              </a:rPr>
+              <a:t>st</a:t>
+            </a:r>
+            <a:r>
+              <a:rPr lang="en-US" dirty="0">
+                <a:latin typeface="Century Gothic" panose="020B0502020202020204" pitchFamily="34" charset="0"/>
+              </a:rPr>
+              <a:t> of 2016-2020 based on the </a:t>
+            </a:r>
+            <a:r>
+              <a:rPr lang="en-US" dirty="0">
+                <a:solidFill>
+                  <a:schemeClr val="accent6"/>
+                </a:solidFill>
+                <a:latin typeface="Century Gothic" panose="020B0502020202020204" pitchFamily="34" charset="0"/>
+              </a:rPr>
+              <a:t>as of date </a:t>
+            </a:r>
+            <a:r>
+              <a:rPr lang="en-US" dirty="0">
+                <a:latin typeface="Century Gothic" panose="020B0502020202020204" pitchFamily="34" charset="0"/>
+              </a:rPr>
+              <a:t>from Jan 1</a:t>
+            </a:r>
+            <a:r>
+              <a:rPr lang="en-US" baseline="30000" dirty="0">
+                <a:latin typeface="Century Gothic" panose="020B0502020202020204" pitchFamily="34" charset="0"/>
+              </a:rPr>
+              <a:t>st</a:t>
+            </a:r>
+            <a:r>
+              <a:rPr lang="en-US" dirty="0">
+                <a:latin typeface="Century Gothic" panose="020B0502020202020204" pitchFamily="34" charset="0"/>
+              </a:rPr>
+              <a:t>, 2015 – Dec 31 2015.</a:t>
+            </a:r>
+          </a:p>
+          <a:p>
+            <a:r>
+              <a:rPr lang="en-US" dirty="0">
+                <a:latin typeface="Century Gothic" panose="020B0502020202020204" pitchFamily="34" charset="0"/>
+              </a:rPr>
+              <a:t>For an overall observation, we look at </a:t>
+            </a:r>
+            <a:r>
+              <a:rPr lang="en-US" dirty="0">
+                <a:solidFill>
+                  <a:schemeClr val="accent1"/>
+                </a:solidFill>
+                <a:latin typeface="Century Gothic" panose="020B0502020202020204" pitchFamily="34" charset="0"/>
+              </a:rPr>
+              <a:t>ATC </a:t>
+            </a:r>
+            <a:r>
+              <a:rPr lang="en-US" dirty="0">
+                <a:latin typeface="Century Gothic" panose="020B0502020202020204" pitchFamily="34" charset="0"/>
+              </a:rPr>
+              <a:t>only</a:t>
+            </a:r>
+          </a:p>
+          <a:p>
+            <a:r>
+              <a:rPr lang="en-US" dirty="0">
+                <a:latin typeface="Century Gothic" panose="020B0502020202020204" pitchFamily="34" charset="0"/>
+              </a:rPr>
+              <a:t>X axis = As Of Date</a:t>
+            </a:r>
+          </a:p>
+          <a:p>
+            <a:r>
+              <a:rPr lang="en-US" dirty="0">
+                <a:latin typeface="Century Gothic" panose="020B0502020202020204" pitchFamily="34" charset="0"/>
+              </a:rPr>
+              <a:t>Y axis = grouped by term year - mean and variance of forward values</a:t>
+            </a:r>
+          </a:p>
+          <a:p>
+            <a:pPr marL="0" indent="0">
+              <a:buNone/>
+            </a:pPr>
+            <a:r>
+              <a:rPr lang="en-US" sz="1800" dirty="0">
+                <a:latin typeface="Century Gothic" panose="020B0502020202020204" pitchFamily="34" charset="0"/>
+              </a:rPr>
+              <a:t>Note: due to no available data from SNL for futures prior to 2012, there are only historical futures and real time data for dates between 2013 June to 2020 June.</a:t>
+            </a:r>
+          </a:p>
+        </p:txBody>
+      </p:sp>
     </p:spTree>
     <p:extLst>
       <p:ext uri="{BB962C8B-B14F-4D97-AF65-F5344CB8AC3E}">
-        <p14:creationId xmlns:p14="http://schemas.microsoft.com/office/powerpoint/2010/main" val="1610545162"/>
+        <p14:creationId xmlns:p14="http://schemas.microsoft.com/office/powerpoint/2010/main" val="2958807406"/>
       </p:ext>
     </p:extLst>
   </p:cSld>
@@ -7028,21 +7692,71 @@
           <a:chExt cx="0" cy="0"/>
         </a:xfrm>
       </p:grpSpPr>
+      <p:sp>
+        <p:nvSpPr>
+          <p:cNvPr id="9" name="Rectangle 8">
+            <a:extLst>
+              <a:ext uri="{FF2B5EF4-FFF2-40B4-BE49-F238E27FC236}">
+                <a16:creationId xmlns:a16="http://schemas.microsoft.com/office/drawing/2014/main" id="{04A8A824-7F7E-DC42-82F4-93CBCEDED63C}"/>
+              </a:ext>
+            </a:extLst>
+          </p:cNvPr>
+          <p:cNvSpPr/>
+          <p:nvPr/>
+        </p:nvSpPr>
+        <p:spPr>
+          <a:xfrm>
+            <a:off x="222250" y="1443789"/>
+            <a:ext cx="355266" cy="4463716"/>
+          </a:xfrm>
+          <a:prstGeom prst="rect">
+            <a:avLst/>
+          </a:prstGeom>
+          <a:solidFill>
+            <a:schemeClr val="bg1"/>
+          </a:solidFill>
+          <a:ln>
+            <a:noFill/>
+          </a:ln>
+        </p:spPr>
+        <p:style>
+          <a:lnRef idx="2">
+            <a:schemeClr val="accent1">
+              <a:shade val="50000"/>
+            </a:schemeClr>
+          </a:lnRef>
+          <a:fillRef idx="1">
+            <a:schemeClr val="accent1"/>
+          </a:fillRef>
+          <a:effectRef idx="0">
+            <a:schemeClr val="accent1"/>
+          </a:effectRef>
+          <a:fontRef idx="minor">
+            <a:schemeClr val="lt1"/>
+          </a:fontRef>
+        </p:style>
+        <p:txBody>
+          <a:bodyPr rtlCol="0" anchor="ctr"/>
+          <a:lstStyle/>
+          <a:p>
+            <a:pPr algn="ctr"/>
+            <a:endParaRPr lang="en-US"/>
+          </a:p>
+        </p:txBody>
+      </p:sp>
       <p:pic>
         <p:nvPicPr>
-          <p:cNvPr id="4" name="Content Placeholder 4">
-            <a:extLst>
-              <a:ext uri="{FF2B5EF4-FFF2-40B4-BE49-F238E27FC236}">
-                <a16:creationId xmlns:a16="http://schemas.microsoft.com/office/drawing/2014/main" id="{9D6B041A-DF4B-8B46-9482-332A9662A87F}"/>
+          <p:cNvPr id="27" name="Picture 26" descr="A close up of a map&#10;&#10;Description automatically generated">
+            <a:extLst>
+              <a:ext uri="{FF2B5EF4-FFF2-40B4-BE49-F238E27FC236}">
+                <a16:creationId xmlns:a16="http://schemas.microsoft.com/office/drawing/2014/main" id="{2F96B19A-E372-954D-8E1A-7BB32A2347CF}"/>
               </a:ext>
             </a:extLst>
           </p:cNvPr>
           <p:cNvPicPr>
-            <a:picLocks noGrp="1" noChangeAspect="1"/>
+            <a:picLocks noChangeAspect="1"/>
           </p:cNvPicPr>
-          <p:nvPr>
-            <p:ph idx="1"/>
-          </p:nvPr>
+          <p:nvPr/>
         </p:nvPicPr>
         <p:blipFill>
           <a:blip r:embed="rId2"/>
@@ -7052,189 +7766,20 @@
         </p:blipFill>
         <p:spPr>
           <a:xfrm>
-            <a:off x="141974" y="661756"/>
-            <a:ext cx="11908052" cy="5561382"/>
-          </a:xfrm>
-        </p:spPr>
-      </p:pic>
-      <p:cxnSp>
-        <p:nvCxnSpPr>
-          <p:cNvPr id="3" name="Straight Connector 2">
-            <a:extLst>
-              <a:ext uri="{FF2B5EF4-FFF2-40B4-BE49-F238E27FC236}">
-                <a16:creationId xmlns:a16="http://schemas.microsoft.com/office/drawing/2014/main" id="{70B349F6-4563-DB47-817F-EC4F90FDC7F9}"/>
-              </a:ext>
-            </a:extLst>
-          </p:cNvPr>
-          <p:cNvCxnSpPr/>
-          <p:nvPr/>
-        </p:nvCxnSpPr>
-        <p:spPr>
-          <a:xfrm>
-            <a:off x="887506" y="2737986"/>
-            <a:ext cx="10206318" cy="0"/>
-          </a:xfrm>
-          <a:prstGeom prst="line">
+            <a:off x="0" y="510702"/>
+            <a:ext cx="12192000" cy="5836596"/>
+          </a:xfrm>
+          <a:prstGeom prst="rect">
             <a:avLst/>
           </a:prstGeom>
-          <a:ln>
-            <a:solidFill>
-              <a:srgbClr val="FF0000"/>
-            </a:solidFill>
-            <a:prstDash val="dash"/>
-          </a:ln>
-        </p:spPr>
-        <p:style>
-          <a:lnRef idx="1">
-            <a:schemeClr val="accent1"/>
-          </a:lnRef>
-          <a:fillRef idx="0">
-            <a:schemeClr val="accent1"/>
-          </a:fillRef>
-          <a:effectRef idx="0">
-            <a:schemeClr val="accent1"/>
-          </a:effectRef>
-          <a:fontRef idx="minor">
-            <a:schemeClr val="tx1"/>
-          </a:fontRef>
-        </p:style>
-      </p:cxnSp>
-      <p:cxnSp>
-        <p:nvCxnSpPr>
-          <p:cNvPr id="5" name="Straight Connector 4">
-            <a:extLst>
-              <a:ext uri="{FF2B5EF4-FFF2-40B4-BE49-F238E27FC236}">
-                <a16:creationId xmlns:a16="http://schemas.microsoft.com/office/drawing/2014/main" id="{9EE2F318-2FA0-5F42-B17A-69702188164A}"/>
-              </a:ext>
-            </a:extLst>
-          </p:cNvPr>
-          <p:cNvCxnSpPr/>
-          <p:nvPr/>
-        </p:nvCxnSpPr>
-        <p:spPr>
-          <a:xfrm>
-            <a:off x="887506" y="4872317"/>
-            <a:ext cx="10206318" cy="0"/>
-          </a:xfrm>
-          <a:prstGeom prst="line">
-            <a:avLst/>
-          </a:prstGeom>
-          <a:ln>
-            <a:solidFill>
-              <a:srgbClr val="FF0000"/>
-            </a:solidFill>
-            <a:prstDash val="dash"/>
-          </a:ln>
-        </p:spPr>
-        <p:style>
-          <a:lnRef idx="1">
-            <a:schemeClr val="accent1"/>
-          </a:lnRef>
-          <a:fillRef idx="0">
-            <a:schemeClr val="accent1"/>
-          </a:fillRef>
-          <a:effectRef idx="0">
-            <a:schemeClr val="accent1"/>
-          </a:effectRef>
-          <a:fontRef idx="minor">
-            <a:schemeClr val="tx1"/>
-          </a:fontRef>
-        </p:style>
-      </p:cxnSp>
-      <p:cxnSp>
-        <p:nvCxnSpPr>
-          <p:cNvPr id="7" name="Straight Arrow Connector 6">
-            <a:extLst>
-              <a:ext uri="{FF2B5EF4-FFF2-40B4-BE49-F238E27FC236}">
-                <a16:creationId xmlns:a16="http://schemas.microsoft.com/office/drawing/2014/main" id="{A5C0CE2D-7690-E34D-B84A-748065A6E506}"/>
-              </a:ext>
-            </a:extLst>
-          </p:cNvPr>
-          <p:cNvCxnSpPr>
-            <a:cxnSpLocks/>
-          </p:cNvCxnSpPr>
-          <p:nvPr/>
-        </p:nvCxnSpPr>
-        <p:spPr>
-          <a:xfrm flipH="1">
-            <a:off x="3509682" y="1869141"/>
-            <a:ext cx="4840942" cy="0"/>
-          </a:xfrm>
-          <a:prstGeom prst="straightConnector1">
-            <a:avLst/>
-          </a:prstGeom>
-          <a:ln>
-            <a:solidFill>
-              <a:srgbClr val="7030A0"/>
-            </a:solidFill>
-            <a:tailEnd type="triangle"/>
-          </a:ln>
-        </p:spPr>
-        <p:style>
-          <a:lnRef idx="1">
-            <a:schemeClr val="accent1"/>
-          </a:lnRef>
-          <a:fillRef idx="0">
-            <a:schemeClr val="accent1"/>
-          </a:fillRef>
-          <a:effectRef idx="0">
-            <a:schemeClr val="accent1"/>
-          </a:effectRef>
-          <a:fontRef idx="minor">
-            <a:schemeClr val="tx1"/>
-          </a:fontRef>
-        </p:style>
-      </p:cxnSp>
-      <p:cxnSp>
-        <p:nvCxnSpPr>
-          <p:cNvPr id="11" name="Straight Arrow Connector 10">
-            <a:extLst>
-              <a:ext uri="{FF2B5EF4-FFF2-40B4-BE49-F238E27FC236}">
-                <a16:creationId xmlns:a16="http://schemas.microsoft.com/office/drawing/2014/main" id="{841B5A0B-FEB0-994D-9D29-085BA0A29387}"/>
-              </a:ext>
-            </a:extLst>
-          </p:cNvPr>
-          <p:cNvCxnSpPr>
-            <a:cxnSpLocks/>
-          </p:cNvCxnSpPr>
-          <p:nvPr/>
-        </p:nvCxnSpPr>
-        <p:spPr>
-          <a:xfrm flipH="1">
-            <a:off x="3509682" y="5544670"/>
-            <a:ext cx="4840942" cy="0"/>
-          </a:xfrm>
-          <a:prstGeom prst="straightConnector1">
-            <a:avLst/>
-          </a:prstGeom>
-          <a:ln>
-            <a:solidFill>
-              <a:srgbClr val="7030A0"/>
-            </a:solidFill>
-            <a:tailEnd type="triangle"/>
-          </a:ln>
-        </p:spPr>
-        <p:style>
-          <a:lnRef idx="1">
-            <a:schemeClr val="accent1"/>
-          </a:lnRef>
-          <a:fillRef idx="0">
-            <a:schemeClr val="accent1"/>
-          </a:fillRef>
-          <a:effectRef idx="0">
-            <a:schemeClr val="accent1"/>
-          </a:effectRef>
-          <a:fontRef idx="minor">
-            <a:schemeClr val="tx1"/>
-          </a:fontRef>
-        </p:style>
-      </p:cxnSp>
-      <p:sp>
-        <p:nvSpPr>
-          <p:cNvPr id="12" name="TextBox 11">
-            <a:extLst>
-              <a:ext uri="{FF2B5EF4-FFF2-40B4-BE49-F238E27FC236}">
-                <a16:creationId xmlns:a16="http://schemas.microsoft.com/office/drawing/2014/main" id="{6CD966DD-E312-A44D-956C-E37A3EF95607}"/>
+        </p:spPr>
+      </p:pic>
+      <p:sp>
+        <p:nvSpPr>
+          <p:cNvPr id="36" name="TextBox 35">
+            <a:extLst>
+              <a:ext uri="{FF2B5EF4-FFF2-40B4-BE49-F238E27FC236}">
+                <a16:creationId xmlns:a16="http://schemas.microsoft.com/office/drawing/2014/main" id="{97C3E68D-7425-D149-BD1E-0DB0EC8AB20F}"/>
               </a:ext>
             </a:extLst>
           </p:cNvPr>
@@ -7243,14 +7788,17 @@
         </p:nvSpPr>
         <p:spPr>
           <a:xfrm>
-            <a:off x="8483775" y="1730641"/>
-            <a:ext cx="3433099" cy="276999"/>
+            <a:off x="7368988" y="1793514"/>
+            <a:ext cx="4316517" cy="646331"/>
           </a:xfrm>
           <a:prstGeom prst="rect">
             <a:avLst/>
           </a:prstGeom>
           <a:solidFill>
-            <a:srgbClr val="E9DDFF"/>
+            <a:schemeClr val="accent5">
+              <a:lumMod val="20000"/>
+              <a:lumOff val="80000"/>
+            </a:schemeClr>
           </a:solidFill>
         </p:spPr>
         <p:txBody>
@@ -7260,49 +7808,10 @@
           <a:lstStyle/>
           <a:p>
             <a:r>
-              <a:rPr lang="en-US" sz="1200" dirty="0">
-                <a:latin typeface="Century Gothic" panose="020B0502020202020204" pitchFamily="34" charset="0"/>
-              </a:rPr>
-              <a:t>2020 deviation from other yearly forwards</a:t>
-            </a:r>
-          </a:p>
-        </p:txBody>
-      </p:sp>
-      <p:sp>
-        <p:nvSpPr>
-          <p:cNvPr id="13" name="TextBox 12">
-            <a:extLst>
-              <a:ext uri="{FF2B5EF4-FFF2-40B4-BE49-F238E27FC236}">
-                <a16:creationId xmlns:a16="http://schemas.microsoft.com/office/drawing/2014/main" id="{AB05FD87-766F-5648-AF77-9DB61ACA3544}"/>
-              </a:ext>
-            </a:extLst>
-          </p:cNvPr>
-          <p:cNvSpPr txBox="1"/>
-          <p:nvPr/>
-        </p:nvSpPr>
-        <p:spPr>
-          <a:xfrm>
-            <a:off x="8483775" y="5406170"/>
-            <a:ext cx="3433099" cy="276999"/>
-          </a:xfrm>
-          <a:prstGeom prst="rect">
-            <a:avLst/>
-          </a:prstGeom>
-          <a:solidFill>
-            <a:srgbClr val="E9DDFF"/>
-          </a:solidFill>
-        </p:spPr>
-        <p:txBody>
-          <a:bodyPr wrap="square" rtlCol="0">
-            <a:spAutoFit/>
-          </a:bodyPr>
-          <a:lstStyle/>
-          <a:p>
-            <a:r>
-              <a:rPr lang="en-US" sz="1200" dirty="0">
-                <a:latin typeface="Century Gothic" panose="020B0502020202020204" pitchFamily="34" charset="0"/>
-              </a:rPr>
-              <a:t>2020 Overestimation by &gt; 50 if dealt in </a:t>
+              <a:rPr lang="en-US" dirty="0">
+                <a:latin typeface="Century Gothic" panose="020B0502020202020204" pitchFamily="34" charset="0"/>
+              </a:rPr>
+              <a:t>Similar shape in trends as years increase, with upward shifts in FP.</a:t>
             </a:r>
           </a:p>
         </p:txBody>
@@ -7310,7 +7819,7 @@
     </p:spTree>
     <p:extLst>
       <p:ext uri="{BB962C8B-B14F-4D97-AF65-F5344CB8AC3E}">
-        <p14:creationId xmlns:p14="http://schemas.microsoft.com/office/powerpoint/2010/main" val="1554697471"/>
+        <p14:creationId xmlns:p14="http://schemas.microsoft.com/office/powerpoint/2010/main" val="1610545162"/>
       </p:ext>
     </p:extLst>
   </p:cSld>
@@ -7339,33 +7848,143 @@
       </p:grpSpPr>
       <p:sp>
         <p:nvSpPr>
-          <p:cNvPr id="2" name="Title 1">
-            <a:extLst>
-              <a:ext uri="{FF2B5EF4-FFF2-40B4-BE49-F238E27FC236}">
-                <a16:creationId xmlns:a16="http://schemas.microsoft.com/office/drawing/2014/main" id="{CB78CD62-6C2E-8F43-96E2-6E822086B03D}"/>
-              </a:ext>
-            </a:extLst>
-          </p:cNvPr>
-          <p:cNvSpPr>
-            <a:spLocks noGrp="1"/>
-          </p:cNvSpPr>
-          <p:nvPr>
-            <p:ph type="title"/>
-          </p:nvPr>
-        </p:nvSpPr>
-        <p:spPr>
-          <a:xfrm>
-            <a:off x="838200" y="2766218"/>
-            <a:ext cx="10515600" cy="1325563"/>
-          </a:xfrm>
-        </p:spPr>
-        <p:txBody>
-          <a:bodyPr/>
-          <a:lstStyle/>
-          <a:p>
-            <a:r>
-              <a:rPr lang="en-US" dirty="0"/>
-              <a:t>APPENDIX</a:t>
+          <p:cNvPr id="9" name="Rectangle 8">
+            <a:extLst>
+              <a:ext uri="{FF2B5EF4-FFF2-40B4-BE49-F238E27FC236}">
+                <a16:creationId xmlns:a16="http://schemas.microsoft.com/office/drawing/2014/main" id="{04A8A824-7F7E-DC42-82F4-93CBCEDED63C}"/>
+              </a:ext>
+            </a:extLst>
+          </p:cNvPr>
+          <p:cNvSpPr/>
+          <p:nvPr/>
+        </p:nvSpPr>
+        <p:spPr>
+          <a:xfrm>
+            <a:off x="222250" y="1443789"/>
+            <a:ext cx="355266" cy="4463716"/>
+          </a:xfrm>
+          <a:prstGeom prst="rect">
+            <a:avLst/>
+          </a:prstGeom>
+          <a:solidFill>
+            <a:schemeClr val="bg1"/>
+          </a:solidFill>
+          <a:ln>
+            <a:noFill/>
+          </a:ln>
+        </p:spPr>
+        <p:style>
+          <a:lnRef idx="2">
+            <a:schemeClr val="accent1">
+              <a:shade val="50000"/>
+            </a:schemeClr>
+          </a:lnRef>
+          <a:fillRef idx="1">
+            <a:schemeClr val="accent1"/>
+          </a:fillRef>
+          <a:effectRef idx="0">
+            <a:schemeClr val="accent1"/>
+          </a:effectRef>
+          <a:fontRef idx="minor">
+            <a:schemeClr val="lt1"/>
+          </a:fontRef>
+        </p:style>
+        <p:txBody>
+          <a:bodyPr rtlCol="0" anchor="ctr"/>
+          <a:lstStyle/>
+          <a:p>
+            <a:pPr algn="ctr"/>
+            <a:endParaRPr lang="en-US"/>
+          </a:p>
+        </p:txBody>
+      </p:sp>
+      <p:pic>
+        <p:nvPicPr>
+          <p:cNvPr id="25" name="Picture 24" descr="A close up of a map&#10;&#10;Description automatically generated">
+            <a:extLst>
+              <a:ext uri="{FF2B5EF4-FFF2-40B4-BE49-F238E27FC236}">
+                <a16:creationId xmlns:a16="http://schemas.microsoft.com/office/drawing/2014/main" id="{13623C15-8732-BA42-9354-AFFA2FA2A836}"/>
+              </a:ext>
+            </a:extLst>
+          </p:cNvPr>
+          <p:cNvPicPr>
+            <a:picLocks noChangeAspect="1"/>
+          </p:cNvPicPr>
+          <p:nvPr/>
+        </p:nvPicPr>
+        <p:blipFill>
+          <a:blip r:embed="rId3"/>
+          <a:stretch>
+            <a:fillRect/>
+          </a:stretch>
+        </p:blipFill>
+        <p:spPr>
+          <a:xfrm>
+            <a:off x="0" y="510702"/>
+            <a:ext cx="12192000" cy="5836596"/>
+          </a:xfrm>
+          <a:prstGeom prst="rect">
+            <a:avLst/>
+          </a:prstGeom>
+        </p:spPr>
+      </p:pic>
+      <p:sp>
+        <p:nvSpPr>
+          <p:cNvPr id="2" name="TextBox 1">
+            <a:extLst>
+              <a:ext uri="{FF2B5EF4-FFF2-40B4-BE49-F238E27FC236}">
+                <a16:creationId xmlns:a16="http://schemas.microsoft.com/office/drawing/2014/main" id="{AF00B4C9-A2D9-9546-A816-6A6804558F3C}"/>
+              </a:ext>
+            </a:extLst>
+          </p:cNvPr>
+          <p:cNvSpPr txBox="1"/>
+          <p:nvPr/>
+        </p:nvSpPr>
+        <p:spPr>
+          <a:xfrm>
+            <a:off x="577516" y="1443789"/>
+            <a:ext cx="4376439" cy="1000274"/>
+          </a:xfrm>
+          <a:prstGeom prst="rect">
+            <a:avLst/>
+          </a:prstGeom>
+          <a:solidFill>
+            <a:srgbClr val="FA827C"/>
+          </a:solidFill>
+        </p:spPr>
+        <p:txBody>
+          <a:bodyPr wrap="square" rtlCol="0">
+            <a:spAutoFit/>
+          </a:bodyPr>
+          <a:lstStyle/>
+          <a:p>
+            <a:r>
+              <a:rPr lang="en-US" sz="1200" dirty="0">
+                <a:solidFill>
+                  <a:sysClr val="windowText" lastClr="000000"/>
+                </a:solidFill>
+                <a:latin typeface="Century Gothic" panose="020B0502020202020204" pitchFamily="34" charset="0"/>
+              </a:rPr>
+              <a:t>Term Year is not consistent with prediction losses over 1- year of As Of Dates</a:t>
+            </a:r>
+          </a:p>
+          <a:p>
+            <a:endParaRPr lang="en-US" sz="1400" dirty="0">
+              <a:solidFill>
+                <a:sysClr val="windowText" lastClr="000000"/>
+              </a:solidFill>
+              <a:latin typeface="Century Gothic" panose="020B0502020202020204" pitchFamily="34" charset="0"/>
+            </a:endParaRPr>
+          </a:p>
+          <a:p>
+            <a:r>
+              <a:rPr lang="en-US" sz="1050" dirty="0">
+                <a:solidFill>
+                  <a:sysClr val="windowText" lastClr="000000"/>
+                </a:solidFill>
+                <a:latin typeface="Century Gothic" panose="020B0502020202020204" pitchFamily="34" charset="0"/>
+              </a:rPr>
+              <a:t>Different years show closer predictions than others even if it is further out</a:t>
             </a:r>
           </a:p>
         </p:txBody>
@@ -7373,7 +7992,7 @@
     </p:spTree>
     <p:extLst>
       <p:ext uri="{BB962C8B-B14F-4D97-AF65-F5344CB8AC3E}">
-        <p14:creationId xmlns:p14="http://schemas.microsoft.com/office/powerpoint/2010/main" val="1408622436"/>
+        <p14:creationId xmlns:p14="http://schemas.microsoft.com/office/powerpoint/2010/main" val="3269934188"/>
       </p:ext>
     </p:extLst>
   </p:cSld>
@@ -7402,43 +8021,62 @@
       </p:grpSpPr>
       <p:sp>
         <p:nvSpPr>
-          <p:cNvPr id="2" name="Title 1">
-            <a:extLst>
-              <a:ext uri="{FF2B5EF4-FFF2-40B4-BE49-F238E27FC236}">
-                <a16:creationId xmlns:a16="http://schemas.microsoft.com/office/drawing/2014/main" id="{11EC3C57-9B39-A345-A831-A1CFE275202D}"/>
-              </a:ext>
-            </a:extLst>
-          </p:cNvPr>
-          <p:cNvSpPr>
-            <a:spLocks noGrp="1"/>
-          </p:cNvSpPr>
-          <p:nvPr>
-            <p:ph type="title"/>
-          </p:nvPr>
-        </p:nvSpPr>
-        <p:spPr>
-          <a:xfrm>
-            <a:off x="838200" y="96183"/>
-            <a:ext cx="10515600" cy="1325563"/>
-          </a:xfrm>
-        </p:spPr>
-        <p:txBody>
-          <a:bodyPr/>
-          <a:lstStyle/>
-          <a:p>
-            <a:r>
-              <a:rPr lang="en-US" dirty="0"/>
-              <a:t>Data Consistency</a:t>
-            </a:r>
+          <p:cNvPr id="9" name="Rectangle 8">
+            <a:extLst>
+              <a:ext uri="{FF2B5EF4-FFF2-40B4-BE49-F238E27FC236}">
+                <a16:creationId xmlns:a16="http://schemas.microsoft.com/office/drawing/2014/main" id="{04A8A824-7F7E-DC42-82F4-93CBCEDED63C}"/>
+              </a:ext>
+            </a:extLst>
+          </p:cNvPr>
+          <p:cNvSpPr/>
+          <p:nvPr/>
+        </p:nvSpPr>
+        <p:spPr>
+          <a:xfrm>
+            <a:off x="222250" y="1443789"/>
+            <a:ext cx="355266" cy="4463716"/>
+          </a:xfrm>
+          <a:prstGeom prst="rect">
+            <a:avLst/>
+          </a:prstGeom>
+          <a:solidFill>
+            <a:schemeClr val="bg1"/>
+          </a:solidFill>
+          <a:ln>
+            <a:noFill/>
+          </a:ln>
+        </p:spPr>
+        <p:style>
+          <a:lnRef idx="2">
+            <a:schemeClr val="accent1">
+              <a:shade val="50000"/>
+            </a:schemeClr>
+          </a:lnRef>
+          <a:fillRef idx="1">
+            <a:schemeClr val="accent1"/>
+          </a:fillRef>
+          <a:effectRef idx="0">
+            <a:schemeClr val="accent1"/>
+          </a:effectRef>
+          <a:fontRef idx="minor">
+            <a:schemeClr val="lt1"/>
+          </a:fontRef>
+        </p:style>
+        <p:txBody>
+          <a:bodyPr rtlCol="0" anchor="ctr"/>
+          <a:lstStyle/>
+          <a:p>
+            <a:pPr algn="ctr"/>
+            <a:endParaRPr lang="en-US"/>
           </a:p>
         </p:txBody>
       </p:sp>
       <p:pic>
         <p:nvPicPr>
-          <p:cNvPr id="4" name="Picture 3">
-            <a:extLst>
-              <a:ext uri="{FF2B5EF4-FFF2-40B4-BE49-F238E27FC236}">
-                <a16:creationId xmlns:a16="http://schemas.microsoft.com/office/drawing/2014/main" id="{7280425C-5B09-2F48-85F2-E26B7906AAAE}"/>
+          <p:cNvPr id="25" name="Picture 24" descr="A close up of a map&#10;&#10;Description automatically generated">
+            <a:extLst>
+              <a:ext uri="{FF2B5EF4-FFF2-40B4-BE49-F238E27FC236}">
+                <a16:creationId xmlns:a16="http://schemas.microsoft.com/office/drawing/2014/main" id="{13623C15-8732-BA42-9354-AFFA2FA2A836}"/>
               </a:ext>
             </a:extLst>
           </p:cNvPr>
@@ -7455,18 +8093,498 @@
         </p:blipFill>
         <p:spPr>
           <a:xfrm>
-            <a:off x="222250" y="960670"/>
-            <a:ext cx="11747500" cy="5486400"/>
+            <a:off x="0" y="510702"/>
+            <a:ext cx="12192000" cy="5836596"/>
           </a:xfrm>
           <a:prstGeom prst="rect">
             <a:avLst/>
           </a:prstGeom>
         </p:spPr>
       </p:pic>
+      <p:cxnSp>
+        <p:nvCxnSpPr>
+          <p:cNvPr id="4" name="Straight Connector 3">
+            <a:extLst>
+              <a:ext uri="{FF2B5EF4-FFF2-40B4-BE49-F238E27FC236}">
+                <a16:creationId xmlns:a16="http://schemas.microsoft.com/office/drawing/2014/main" id="{E7598FCC-C923-9940-8346-1E4CFAE956DC}"/>
+              </a:ext>
+            </a:extLst>
+          </p:cNvPr>
+          <p:cNvCxnSpPr>
+            <a:cxnSpLocks/>
+          </p:cNvCxnSpPr>
+          <p:nvPr/>
+        </p:nvCxnSpPr>
+        <p:spPr>
+          <a:xfrm flipV="1">
+            <a:off x="3222104" y="2165684"/>
+            <a:ext cx="1265675" cy="1395663"/>
+          </a:xfrm>
+          <a:prstGeom prst="line">
+            <a:avLst/>
+          </a:prstGeom>
+        </p:spPr>
+        <p:style>
+          <a:lnRef idx="1">
+            <a:schemeClr val="accent1"/>
+          </a:lnRef>
+          <a:fillRef idx="0">
+            <a:schemeClr val="accent1"/>
+          </a:fillRef>
+          <a:effectRef idx="0">
+            <a:schemeClr val="accent1"/>
+          </a:effectRef>
+          <a:fontRef idx="minor">
+            <a:schemeClr val="tx1"/>
+          </a:fontRef>
+        </p:style>
+      </p:cxnSp>
+      <p:cxnSp>
+        <p:nvCxnSpPr>
+          <p:cNvPr id="14" name="Straight Connector 13">
+            <a:extLst>
+              <a:ext uri="{FF2B5EF4-FFF2-40B4-BE49-F238E27FC236}">
+                <a16:creationId xmlns:a16="http://schemas.microsoft.com/office/drawing/2014/main" id="{19A0C1DA-CC96-FE43-B754-7C331913422E}"/>
+              </a:ext>
+            </a:extLst>
+          </p:cNvPr>
+          <p:cNvCxnSpPr>
+            <a:cxnSpLocks/>
+          </p:cNvCxnSpPr>
+          <p:nvPr/>
+        </p:nvCxnSpPr>
+        <p:spPr>
+          <a:xfrm flipV="1">
+            <a:off x="3222103" y="1654342"/>
+            <a:ext cx="1265675" cy="1395663"/>
+          </a:xfrm>
+          <a:prstGeom prst="line">
+            <a:avLst/>
+          </a:prstGeom>
+        </p:spPr>
+        <p:style>
+          <a:lnRef idx="1">
+            <a:schemeClr val="accent1"/>
+          </a:lnRef>
+          <a:fillRef idx="0">
+            <a:schemeClr val="accent1"/>
+          </a:fillRef>
+          <a:effectRef idx="0">
+            <a:schemeClr val="accent1"/>
+          </a:effectRef>
+          <a:fontRef idx="minor">
+            <a:schemeClr val="tx1"/>
+          </a:fontRef>
+        </p:style>
+      </p:cxnSp>
+      <p:cxnSp>
+        <p:nvCxnSpPr>
+          <p:cNvPr id="15" name="Straight Connector 14">
+            <a:extLst>
+              <a:ext uri="{FF2B5EF4-FFF2-40B4-BE49-F238E27FC236}">
+                <a16:creationId xmlns:a16="http://schemas.microsoft.com/office/drawing/2014/main" id="{F1F0D90E-4BAA-5C45-86DD-5868D924FA02}"/>
+              </a:ext>
+            </a:extLst>
+          </p:cNvPr>
+          <p:cNvCxnSpPr>
+            <a:cxnSpLocks/>
+          </p:cNvCxnSpPr>
+          <p:nvPr/>
+        </p:nvCxnSpPr>
+        <p:spPr>
+          <a:xfrm flipV="1">
+            <a:off x="3222103" y="2469482"/>
+            <a:ext cx="1265675" cy="1395663"/>
+          </a:xfrm>
+          <a:prstGeom prst="line">
+            <a:avLst/>
+          </a:prstGeom>
+        </p:spPr>
+        <p:style>
+          <a:lnRef idx="1">
+            <a:schemeClr val="accent1"/>
+          </a:lnRef>
+          <a:fillRef idx="0">
+            <a:schemeClr val="accent1"/>
+          </a:fillRef>
+          <a:effectRef idx="0">
+            <a:schemeClr val="accent1"/>
+          </a:effectRef>
+          <a:fontRef idx="minor">
+            <a:schemeClr val="tx1"/>
+          </a:fontRef>
+        </p:style>
+      </p:cxnSp>
+      <p:sp>
+        <p:nvSpPr>
+          <p:cNvPr id="13" name="TextBox 12">
+            <a:extLst>
+              <a:ext uri="{FF2B5EF4-FFF2-40B4-BE49-F238E27FC236}">
+                <a16:creationId xmlns:a16="http://schemas.microsoft.com/office/drawing/2014/main" id="{28137CE6-95B0-9341-B1E8-A906153AC5F4}"/>
+              </a:ext>
+            </a:extLst>
+          </p:cNvPr>
+          <p:cNvSpPr txBox="1"/>
+          <p:nvPr/>
+        </p:nvSpPr>
+        <p:spPr>
+          <a:xfrm>
+            <a:off x="4457697" y="1432858"/>
+            <a:ext cx="524503" cy="276999"/>
+          </a:xfrm>
+          <a:prstGeom prst="rect">
+            <a:avLst/>
+          </a:prstGeom>
+          <a:noFill/>
+        </p:spPr>
+        <p:txBody>
+          <a:bodyPr wrap="none" rtlCol="0">
+            <a:spAutoFit/>
+          </a:bodyPr>
+          <a:lstStyle/>
+          <a:p>
+            <a:r>
+              <a:rPr lang="en-US" sz="1200" dirty="0">
+                <a:solidFill>
+                  <a:schemeClr val="accent5"/>
+                </a:solidFill>
+                <a:latin typeface="Century Gothic" panose="020B0502020202020204" pitchFamily="34" charset="0"/>
+              </a:rPr>
+              <a:t>2019</a:t>
+            </a:r>
+          </a:p>
+        </p:txBody>
+      </p:sp>
+      <p:sp>
+        <p:nvSpPr>
+          <p:cNvPr id="17" name="TextBox 16">
+            <a:extLst>
+              <a:ext uri="{FF2B5EF4-FFF2-40B4-BE49-F238E27FC236}">
+                <a16:creationId xmlns:a16="http://schemas.microsoft.com/office/drawing/2014/main" id="{6CABB8CF-1838-D845-A514-9396761BBE43}"/>
+              </a:ext>
+            </a:extLst>
+          </p:cNvPr>
+          <p:cNvSpPr txBox="1"/>
+          <p:nvPr/>
+        </p:nvSpPr>
+        <p:spPr>
+          <a:xfrm>
+            <a:off x="4457698" y="1982615"/>
+            <a:ext cx="524503" cy="276999"/>
+          </a:xfrm>
+          <a:prstGeom prst="rect">
+            <a:avLst/>
+          </a:prstGeom>
+          <a:noFill/>
+        </p:spPr>
+        <p:txBody>
+          <a:bodyPr wrap="none" rtlCol="0">
+            <a:spAutoFit/>
+          </a:bodyPr>
+          <a:lstStyle/>
+          <a:p>
+            <a:r>
+              <a:rPr lang="en-US" sz="1200" dirty="0">
+                <a:solidFill>
+                  <a:schemeClr val="accent5"/>
+                </a:solidFill>
+                <a:latin typeface="Century Gothic" panose="020B0502020202020204" pitchFamily="34" charset="0"/>
+              </a:rPr>
+              <a:t>2017</a:t>
+            </a:r>
+          </a:p>
+        </p:txBody>
+      </p:sp>
+      <p:sp>
+        <p:nvSpPr>
+          <p:cNvPr id="18" name="TextBox 17">
+            <a:extLst>
+              <a:ext uri="{FF2B5EF4-FFF2-40B4-BE49-F238E27FC236}">
+                <a16:creationId xmlns:a16="http://schemas.microsoft.com/office/drawing/2014/main" id="{E2A85A05-B27E-0441-931A-B9ACA095FF32}"/>
+              </a:ext>
+            </a:extLst>
+          </p:cNvPr>
+          <p:cNvSpPr txBox="1"/>
+          <p:nvPr/>
+        </p:nvSpPr>
+        <p:spPr>
+          <a:xfrm>
+            <a:off x="4457697" y="2310477"/>
+            <a:ext cx="524503" cy="276999"/>
+          </a:xfrm>
+          <a:prstGeom prst="rect">
+            <a:avLst/>
+          </a:prstGeom>
+          <a:noFill/>
+        </p:spPr>
+        <p:txBody>
+          <a:bodyPr wrap="none" rtlCol="0">
+            <a:spAutoFit/>
+          </a:bodyPr>
+          <a:lstStyle/>
+          <a:p>
+            <a:r>
+              <a:rPr lang="en-US" sz="1200" dirty="0">
+                <a:solidFill>
+                  <a:schemeClr val="accent5"/>
+                </a:solidFill>
+                <a:latin typeface="Century Gothic" panose="020B0502020202020204" pitchFamily="34" charset="0"/>
+              </a:rPr>
+              <a:t>2018</a:t>
+            </a:r>
+          </a:p>
+        </p:txBody>
+      </p:sp>
+      <p:cxnSp>
+        <p:nvCxnSpPr>
+          <p:cNvPr id="19" name="Straight Connector 18">
+            <a:extLst>
+              <a:ext uri="{FF2B5EF4-FFF2-40B4-BE49-F238E27FC236}">
+                <a16:creationId xmlns:a16="http://schemas.microsoft.com/office/drawing/2014/main" id="{3C461157-4B4F-B844-9C4D-8D5C69E197E8}"/>
+              </a:ext>
+            </a:extLst>
+          </p:cNvPr>
+          <p:cNvCxnSpPr>
+            <a:cxnSpLocks/>
+          </p:cNvCxnSpPr>
+          <p:nvPr/>
+        </p:nvCxnSpPr>
+        <p:spPr>
+          <a:xfrm flipV="1">
+            <a:off x="3222103" y="3046584"/>
+            <a:ext cx="1265675" cy="1395663"/>
+          </a:xfrm>
+          <a:prstGeom prst="line">
+            <a:avLst/>
+          </a:prstGeom>
+        </p:spPr>
+        <p:style>
+          <a:lnRef idx="1">
+            <a:schemeClr val="accent1"/>
+          </a:lnRef>
+          <a:fillRef idx="0">
+            <a:schemeClr val="accent1"/>
+          </a:fillRef>
+          <a:effectRef idx="0">
+            <a:schemeClr val="accent1"/>
+          </a:effectRef>
+          <a:fontRef idx="minor">
+            <a:schemeClr val="tx1"/>
+          </a:fontRef>
+        </p:style>
+      </p:cxnSp>
+      <p:sp>
+        <p:nvSpPr>
+          <p:cNvPr id="20" name="TextBox 19">
+            <a:extLst>
+              <a:ext uri="{FF2B5EF4-FFF2-40B4-BE49-F238E27FC236}">
+                <a16:creationId xmlns:a16="http://schemas.microsoft.com/office/drawing/2014/main" id="{8CF99B06-15AC-8943-9E27-9AD2B9432F44}"/>
+              </a:ext>
+            </a:extLst>
+          </p:cNvPr>
+          <p:cNvSpPr txBox="1"/>
+          <p:nvPr/>
+        </p:nvSpPr>
+        <p:spPr>
+          <a:xfrm>
+            <a:off x="4457697" y="2887579"/>
+            <a:ext cx="524503" cy="276999"/>
+          </a:xfrm>
+          <a:prstGeom prst="rect">
+            <a:avLst/>
+          </a:prstGeom>
+          <a:solidFill>
+            <a:srgbClr val="FFFFFF"/>
+          </a:solidFill>
+        </p:spPr>
+        <p:txBody>
+          <a:bodyPr wrap="none" rtlCol="0">
+            <a:spAutoFit/>
+          </a:bodyPr>
+          <a:lstStyle/>
+          <a:p>
+            <a:r>
+              <a:rPr lang="en-US" sz="1200" dirty="0">
+                <a:solidFill>
+                  <a:schemeClr val="accent5"/>
+                </a:solidFill>
+                <a:latin typeface="Century Gothic" panose="020B0502020202020204" pitchFamily="34" charset="0"/>
+              </a:rPr>
+              <a:t>2016</a:t>
+            </a:r>
+          </a:p>
+        </p:txBody>
+      </p:sp>
+      <p:cxnSp>
+        <p:nvCxnSpPr>
+          <p:cNvPr id="21" name="Straight Connector 20">
+            <a:extLst>
+              <a:ext uri="{FF2B5EF4-FFF2-40B4-BE49-F238E27FC236}">
+                <a16:creationId xmlns:a16="http://schemas.microsoft.com/office/drawing/2014/main" id="{55FC3775-703A-B940-A9F3-8C7CE95F06AC}"/>
+              </a:ext>
+            </a:extLst>
+          </p:cNvPr>
+          <p:cNvCxnSpPr>
+            <a:cxnSpLocks/>
+          </p:cNvCxnSpPr>
+          <p:nvPr/>
+        </p:nvCxnSpPr>
+        <p:spPr>
+          <a:xfrm flipV="1">
+            <a:off x="3222103" y="3409167"/>
+            <a:ext cx="1265675" cy="1395663"/>
+          </a:xfrm>
+          <a:prstGeom prst="line">
+            <a:avLst/>
+          </a:prstGeom>
+        </p:spPr>
+        <p:style>
+          <a:lnRef idx="1">
+            <a:schemeClr val="accent1"/>
+          </a:lnRef>
+          <a:fillRef idx="0">
+            <a:schemeClr val="accent1"/>
+          </a:fillRef>
+          <a:effectRef idx="0">
+            <a:schemeClr val="accent1"/>
+          </a:effectRef>
+          <a:fontRef idx="minor">
+            <a:schemeClr val="tx1"/>
+          </a:fontRef>
+        </p:style>
+      </p:cxnSp>
+      <p:sp>
+        <p:nvSpPr>
+          <p:cNvPr id="22" name="TextBox 21">
+            <a:extLst>
+              <a:ext uri="{FF2B5EF4-FFF2-40B4-BE49-F238E27FC236}">
+                <a16:creationId xmlns:a16="http://schemas.microsoft.com/office/drawing/2014/main" id="{9E2D4B5A-4B69-0E44-8985-CAEEFCBEDAEF}"/>
+              </a:ext>
+            </a:extLst>
+          </p:cNvPr>
+          <p:cNvSpPr txBox="1"/>
+          <p:nvPr/>
+        </p:nvSpPr>
+        <p:spPr>
+          <a:xfrm>
+            <a:off x="4457697" y="3250162"/>
+            <a:ext cx="524503" cy="276999"/>
+          </a:xfrm>
+          <a:prstGeom prst="rect">
+            <a:avLst/>
+          </a:prstGeom>
+          <a:solidFill>
+            <a:srgbClr val="FFFFFF"/>
+          </a:solidFill>
+        </p:spPr>
+        <p:txBody>
+          <a:bodyPr wrap="none" rtlCol="0">
+            <a:spAutoFit/>
+          </a:bodyPr>
+          <a:lstStyle/>
+          <a:p>
+            <a:r>
+              <a:rPr lang="en-US" sz="1200" dirty="0">
+                <a:solidFill>
+                  <a:schemeClr val="accent5"/>
+                </a:solidFill>
+                <a:latin typeface="Century Gothic" panose="020B0502020202020204" pitchFamily="34" charset="0"/>
+              </a:rPr>
+              <a:t>2020</a:t>
+            </a:r>
+          </a:p>
+        </p:txBody>
+      </p:sp>
+      <p:sp>
+        <p:nvSpPr>
+          <p:cNvPr id="23" name="Right Brace 22">
+            <a:extLst>
+              <a:ext uri="{FF2B5EF4-FFF2-40B4-BE49-F238E27FC236}">
+                <a16:creationId xmlns:a16="http://schemas.microsoft.com/office/drawing/2014/main" id="{58173721-EA18-1441-9CC4-8C19315B5F6A}"/>
+              </a:ext>
+            </a:extLst>
+          </p:cNvPr>
+          <p:cNvSpPr/>
+          <p:nvPr/>
+        </p:nvSpPr>
+        <p:spPr>
+          <a:xfrm>
+            <a:off x="4982200" y="1443789"/>
+            <a:ext cx="227474" cy="1985211"/>
+          </a:xfrm>
+          <a:prstGeom prst="rightBrace">
+            <a:avLst/>
+          </a:prstGeom>
+        </p:spPr>
+        <p:style>
+          <a:lnRef idx="1">
+            <a:schemeClr val="accent1"/>
+          </a:lnRef>
+          <a:fillRef idx="0">
+            <a:schemeClr val="accent1"/>
+          </a:fillRef>
+          <a:effectRef idx="0">
+            <a:schemeClr val="accent1"/>
+          </a:effectRef>
+          <a:fontRef idx="minor">
+            <a:schemeClr val="tx1"/>
+          </a:fontRef>
+        </p:style>
+        <p:txBody>
+          <a:bodyPr rtlCol="0" anchor="ctr"/>
+          <a:lstStyle/>
+          <a:p>
+            <a:pPr algn="ctr"/>
+            <a:endParaRPr lang="en-US"/>
+          </a:p>
+        </p:txBody>
+      </p:sp>
+      <p:sp>
+        <p:nvSpPr>
+          <p:cNvPr id="24" name="TextBox 23">
+            <a:extLst>
+              <a:ext uri="{FF2B5EF4-FFF2-40B4-BE49-F238E27FC236}">
+                <a16:creationId xmlns:a16="http://schemas.microsoft.com/office/drawing/2014/main" id="{189C4421-32B2-4246-A6AB-0237EC455634}"/>
+              </a:ext>
+            </a:extLst>
+          </p:cNvPr>
+          <p:cNvSpPr txBox="1"/>
+          <p:nvPr/>
+        </p:nvSpPr>
+        <p:spPr>
+          <a:xfrm>
+            <a:off x="5209674" y="2313485"/>
+            <a:ext cx="2978701" cy="261610"/>
+          </a:xfrm>
+          <a:prstGeom prst="rect">
+            <a:avLst/>
+          </a:prstGeom>
+          <a:solidFill>
+            <a:srgbClr val="FFFFFF"/>
+          </a:solidFill>
+        </p:spPr>
+        <p:txBody>
+          <a:bodyPr wrap="none" rtlCol="0">
+            <a:spAutoFit/>
+          </a:bodyPr>
+          <a:lstStyle/>
+          <a:p>
+            <a:r>
+              <a:rPr lang="en-US" sz="1100" dirty="0">
+                <a:solidFill>
+                  <a:schemeClr val="accent5"/>
+                </a:solidFill>
+                <a:latin typeface="Century Gothic" panose="020B0502020202020204" pitchFamily="34" charset="0"/>
+              </a:rPr>
+              <a:t>Not in expected order of earliest to latest</a:t>
+            </a:r>
+          </a:p>
+        </p:txBody>
+      </p:sp>
     </p:spTree>
     <p:extLst>
       <p:ext uri="{BB962C8B-B14F-4D97-AF65-F5344CB8AC3E}">
-        <p14:creationId xmlns:p14="http://schemas.microsoft.com/office/powerpoint/2010/main" val="406385713"/>
+        <p14:creationId xmlns:p14="http://schemas.microsoft.com/office/powerpoint/2010/main" val="4030533865"/>
       </p:ext>
     </p:extLst>
   </p:cSld>
@@ -7498,7 +8616,7 @@
           <p:cNvPr id="2" name="Title 1">
             <a:extLst>
               <a:ext uri="{FF2B5EF4-FFF2-40B4-BE49-F238E27FC236}">
-                <a16:creationId xmlns:a16="http://schemas.microsoft.com/office/drawing/2014/main" id="{11EC3C57-9B39-A345-A831-A1CFE275202D}"/>
+                <a16:creationId xmlns:a16="http://schemas.microsoft.com/office/drawing/2014/main" id="{28FD99B9-A574-524F-83E2-842726956423}"/>
               </a:ext>
             </a:extLst>
           </p:cNvPr>
@@ -7509,29 +8627,76 @@
             <p:ph type="title"/>
           </p:nvPr>
         </p:nvSpPr>
-        <p:spPr>
-          <a:xfrm>
-            <a:off x="838200" y="96183"/>
-            <a:ext cx="10515600" cy="1325563"/>
-          </a:xfrm>
-        </p:spPr>
+        <p:spPr/>
         <p:txBody>
           <a:bodyPr/>
           <a:lstStyle/>
           <a:p>
-            <a:r>
-              <a:rPr lang="en-US" dirty="0"/>
-              <a:t>Data Consistency</a:t>
-            </a:r>
+            <a:endParaRPr lang="en-US"/>
+          </a:p>
+        </p:txBody>
+      </p:sp>
+      <p:sp>
+        <p:nvSpPr>
+          <p:cNvPr id="3" name="Content Placeholder 2">
+            <a:extLst>
+              <a:ext uri="{FF2B5EF4-FFF2-40B4-BE49-F238E27FC236}">
+                <a16:creationId xmlns:a16="http://schemas.microsoft.com/office/drawing/2014/main" id="{CC566643-5B52-8E4E-8A39-30729F21CBAE}"/>
+              </a:ext>
+            </a:extLst>
+          </p:cNvPr>
+          <p:cNvSpPr>
+            <a:spLocks noGrp="1"/>
+          </p:cNvSpPr>
+          <p:nvPr>
+            <p:ph idx="1"/>
+          </p:nvPr>
+        </p:nvSpPr>
+        <p:spPr/>
+        <p:txBody>
+          <a:bodyPr/>
+          <a:lstStyle/>
+          <a:p>
+            <a:endParaRPr lang="en-US"/>
           </a:p>
         </p:txBody>
       </p:sp>
       <p:pic>
         <p:nvPicPr>
-          <p:cNvPr id="4" name="Picture 3">
-            <a:extLst>
-              <a:ext uri="{FF2B5EF4-FFF2-40B4-BE49-F238E27FC236}">
-                <a16:creationId xmlns:a16="http://schemas.microsoft.com/office/drawing/2014/main" id="{7280425C-5B09-2F48-85F2-E26B7906AAAE}"/>
+          <p:cNvPr id="4" name="Picture 3" descr="A close up of a map&#10;&#10;Description automatically generated">
+            <a:extLst>
+              <a:ext uri="{FF2B5EF4-FFF2-40B4-BE49-F238E27FC236}">
+                <a16:creationId xmlns:a16="http://schemas.microsoft.com/office/drawing/2014/main" id="{6BE5F839-ADCB-594A-86D3-ADDCDE5FCE67}"/>
+              </a:ext>
+            </a:extLst>
+          </p:cNvPr>
+          <p:cNvPicPr>
+            <a:picLocks noChangeAspect="1"/>
+          </p:cNvPicPr>
+          <p:nvPr/>
+        </p:nvPicPr>
+        <p:blipFill>
+          <a:blip r:embed="rId2"/>
+          <a:stretch>
+            <a:fillRect/>
+          </a:stretch>
+        </p:blipFill>
+        <p:spPr>
+          <a:xfrm>
+            <a:off x="0" y="365125"/>
+            <a:ext cx="12192000" cy="6096000"/>
+          </a:xfrm>
+          <a:prstGeom prst="rect">
+            <a:avLst/>
+          </a:prstGeom>
+        </p:spPr>
+      </p:pic>
+      <p:pic>
+        <p:nvPicPr>
+          <p:cNvPr id="5" name="Picture 4" descr="A close up of a map&#10;&#10;Description automatically generated">
+            <a:extLst>
+              <a:ext uri="{FF2B5EF4-FFF2-40B4-BE49-F238E27FC236}">
+                <a16:creationId xmlns:a16="http://schemas.microsoft.com/office/drawing/2014/main" id="{59226E90-2095-7546-B9A4-02553A928954}"/>
               </a:ext>
             </a:extLst>
           </p:cNvPr>
@@ -7548,8 +8713,8 @@
         </p:blipFill>
         <p:spPr>
           <a:xfrm>
-            <a:off x="222250" y="960670"/>
-            <a:ext cx="11747500" cy="5486400"/>
+            <a:off x="0" y="365125"/>
+            <a:ext cx="12192000" cy="6096000"/>
           </a:xfrm>
           <a:prstGeom prst="rect">
             <a:avLst/>
@@ -7558,62 +8723,226 @@
       </p:pic>
       <p:sp>
         <p:nvSpPr>
-          <p:cNvPr id="5" name="Rectangle 4">
-            <a:extLst>
-              <a:ext uri="{FF2B5EF4-FFF2-40B4-BE49-F238E27FC236}">
-                <a16:creationId xmlns:a16="http://schemas.microsoft.com/office/drawing/2014/main" id="{B9C03960-A1B9-DE45-B8A7-626456197E0F}"/>
-              </a:ext>
-            </a:extLst>
-          </p:cNvPr>
-          <p:cNvSpPr/>
+          <p:cNvPr id="7" name="TextBox 6">
+            <a:extLst>
+              <a:ext uri="{FF2B5EF4-FFF2-40B4-BE49-F238E27FC236}">
+                <a16:creationId xmlns:a16="http://schemas.microsoft.com/office/drawing/2014/main" id="{E1AAABDF-24F1-B448-B593-E9C9DFB8325E}"/>
+              </a:ext>
+            </a:extLst>
+          </p:cNvPr>
+          <p:cNvSpPr txBox="1"/>
           <p:nvPr/>
         </p:nvSpPr>
         <p:spPr>
           <a:xfrm>
-            <a:off x="9197789" y="1264024"/>
-            <a:ext cx="524436" cy="4633305"/>
+            <a:off x="6239436" y="993740"/>
+            <a:ext cx="1416424" cy="4691229"/>
           </a:xfrm>
           <a:prstGeom prst="rect">
             <a:avLst/>
           </a:prstGeom>
           <a:solidFill>
-            <a:srgbClr val="FF0000">
-              <a:alpha val="16863"/>
+            <a:srgbClr val="E8C0FF">
+              <a:alpha val="25882"/>
             </a:srgbClr>
           </a:solidFill>
-          <a:ln>
-            <a:noFill/>
-          </a:ln>
-        </p:spPr>
-        <p:style>
-          <a:lnRef idx="2">
-            <a:schemeClr val="accent1">
-              <a:shade val="50000"/>
+        </p:spPr>
+        <p:txBody>
+          <a:bodyPr wrap="square" rtlCol="0">
+            <a:spAutoFit/>
+          </a:bodyPr>
+          <a:lstStyle/>
+          <a:p>
+            <a:endParaRPr lang="en-US" dirty="0"/>
+          </a:p>
+        </p:txBody>
+      </p:sp>
+      <p:sp>
+        <p:nvSpPr>
+          <p:cNvPr id="8" name="TextBox 7">
+            <a:extLst>
+              <a:ext uri="{FF2B5EF4-FFF2-40B4-BE49-F238E27FC236}">
+                <a16:creationId xmlns:a16="http://schemas.microsoft.com/office/drawing/2014/main" id="{1932FEED-02FA-2647-94CE-A2CADB382923}"/>
+              </a:ext>
+            </a:extLst>
+          </p:cNvPr>
+          <p:cNvSpPr txBox="1"/>
+          <p:nvPr/>
+        </p:nvSpPr>
+        <p:spPr>
+          <a:xfrm>
+            <a:off x="1918448" y="1027906"/>
+            <a:ext cx="1416424" cy="4691229"/>
+          </a:xfrm>
+          <a:prstGeom prst="rect">
+            <a:avLst/>
+          </a:prstGeom>
+          <a:solidFill>
+            <a:srgbClr val="E8C0FF">
+              <a:alpha val="25882"/>
+            </a:srgbClr>
+          </a:solidFill>
+        </p:spPr>
+        <p:txBody>
+          <a:bodyPr wrap="square" rtlCol="0">
+            <a:spAutoFit/>
+          </a:bodyPr>
+          <a:lstStyle/>
+          <a:p>
+            <a:endParaRPr lang="en-US" dirty="0"/>
+          </a:p>
+        </p:txBody>
+      </p:sp>
+      <p:sp>
+        <p:nvSpPr>
+          <p:cNvPr id="9" name="TextBox 8">
+            <a:extLst>
+              <a:ext uri="{FF2B5EF4-FFF2-40B4-BE49-F238E27FC236}">
+                <a16:creationId xmlns:a16="http://schemas.microsoft.com/office/drawing/2014/main" id="{96B341BF-55A1-3640-8C17-295B4E95D5E7}"/>
+              </a:ext>
+            </a:extLst>
+          </p:cNvPr>
+          <p:cNvSpPr txBox="1"/>
+          <p:nvPr/>
+        </p:nvSpPr>
+        <p:spPr>
+          <a:xfrm>
+            <a:off x="9215719" y="1027906"/>
+            <a:ext cx="1691754" cy="4675989"/>
+          </a:xfrm>
+          <a:prstGeom prst="rect">
+            <a:avLst/>
+          </a:prstGeom>
+          <a:solidFill>
+            <a:schemeClr val="accent4">
+              <a:lumMod val="40000"/>
+              <a:lumOff val="60000"/>
+              <a:alpha val="25882"/>
             </a:schemeClr>
-          </a:lnRef>
-          <a:fillRef idx="1">
-            <a:schemeClr val="accent1"/>
-          </a:fillRef>
-          <a:effectRef idx="0">
-            <a:schemeClr val="accent1"/>
-          </a:effectRef>
-          <a:fontRef idx="minor">
-            <a:schemeClr val="lt1"/>
-          </a:fontRef>
-        </p:style>
-        <p:txBody>
-          <a:bodyPr vert="wordArtVert" rtlCol="0" anchor="ctr"/>
-          <a:lstStyle/>
-          <a:p>
-            <a:pPr algn="ctr"/>
-            <a:r>
-              <a:rPr lang="en-US" sz="1600" dirty="0">
-                <a:solidFill>
-                  <a:srgbClr val="FF0000"/>
-                </a:solidFill>
-                <a:latin typeface="Century Gothic" panose="020B0502020202020204" pitchFamily="34" charset="0"/>
-              </a:rPr>
-              <a:t>Data missing?</a:t>
+          </a:solidFill>
+        </p:spPr>
+        <p:txBody>
+          <a:bodyPr wrap="square" rtlCol="0">
+            <a:spAutoFit/>
+          </a:bodyPr>
+          <a:lstStyle/>
+          <a:p>
+            <a:endParaRPr lang="en-US" dirty="0"/>
+          </a:p>
+        </p:txBody>
+      </p:sp>
+      <p:sp>
+        <p:nvSpPr>
+          <p:cNvPr id="10" name="TextBox 9">
+            <a:extLst>
+              <a:ext uri="{FF2B5EF4-FFF2-40B4-BE49-F238E27FC236}">
+                <a16:creationId xmlns:a16="http://schemas.microsoft.com/office/drawing/2014/main" id="{98751F89-C69A-FC43-9321-CA00736157C3}"/>
+              </a:ext>
+            </a:extLst>
+          </p:cNvPr>
+          <p:cNvSpPr txBox="1"/>
+          <p:nvPr/>
+        </p:nvSpPr>
+        <p:spPr>
+          <a:xfrm>
+            <a:off x="9040214" y="154305"/>
+            <a:ext cx="3151786" cy="738664"/>
+          </a:xfrm>
+          <a:prstGeom prst="rect">
+            <a:avLst/>
+          </a:prstGeom>
+          <a:solidFill>
+            <a:schemeClr val="accent4">
+              <a:lumMod val="20000"/>
+              <a:lumOff val="80000"/>
+            </a:schemeClr>
+          </a:solidFill>
+        </p:spPr>
+        <p:txBody>
+          <a:bodyPr wrap="square" rtlCol="0">
+            <a:spAutoFit/>
+          </a:bodyPr>
+          <a:lstStyle/>
+          <a:p>
+            <a:r>
+              <a:rPr lang="en-US" sz="1400" dirty="0"/>
+              <a:t>Drop in SD: convergence in FV Pricing across various years as the As Of Date approaches end of our year snapshot.</a:t>
+            </a:r>
+          </a:p>
+        </p:txBody>
+      </p:sp>
+      <p:sp>
+        <p:nvSpPr>
+          <p:cNvPr id="11" name="TextBox 10">
+            <a:extLst>
+              <a:ext uri="{FF2B5EF4-FFF2-40B4-BE49-F238E27FC236}">
+                <a16:creationId xmlns:a16="http://schemas.microsoft.com/office/drawing/2014/main" id="{F9A81DCA-2E0D-AF44-8C99-D79AC95B31C8}"/>
+              </a:ext>
+            </a:extLst>
+          </p:cNvPr>
+          <p:cNvSpPr txBox="1"/>
+          <p:nvPr/>
+        </p:nvSpPr>
+        <p:spPr>
+          <a:xfrm>
+            <a:off x="2809996" y="6161043"/>
+            <a:ext cx="4992995" cy="600164"/>
+          </a:xfrm>
+          <a:prstGeom prst="rect">
+            <a:avLst/>
+          </a:prstGeom>
+          <a:solidFill>
+            <a:srgbClr val="E8C0FF"/>
+          </a:solidFill>
+        </p:spPr>
+        <p:txBody>
+          <a:bodyPr wrap="square" rtlCol="0">
+            <a:spAutoFit/>
+          </a:bodyPr>
+          <a:lstStyle/>
+          <a:p>
+            <a:r>
+              <a:rPr lang="en-US" sz="1100" dirty="0">
+                <a:latin typeface="Century Gothic" panose="020B0502020202020204" pitchFamily="34" charset="0"/>
+              </a:rPr>
+              <a:t>High volatility from year beginning at January to around November, drops significantly after November begins. Peak volatility From months Jan-March and July-September.</a:t>
+            </a:r>
+          </a:p>
+        </p:txBody>
+      </p:sp>
+      <p:sp>
+        <p:nvSpPr>
+          <p:cNvPr id="12" name="TextBox 11">
+            <a:extLst>
+              <a:ext uri="{FF2B5EF4-FFF2-40B4-BE49-F238E27FC236}">
+                <a16:creationId xmlns:a16="http://schemas.microsoft.com/office/drawing/2014/main" id="{46127880-1174-524F-B8FF-46BCEA1A331A}"/>
+              </a:ext>
+            </a:extLst>
+          </p:cNvPr>
+          <p:cNvSpPr txBox="1"/>
+          <p:nvPr/>
+        </p:nvSpPr>
+        <p:spPr>
+          <a:xfrm>
+            <a:off x="3522175" y="750671"/>
+            <a:ext cx="5434521" cy="307777"/>
+          </a:xfrm>
+          <a:prstGeom prst="rect">
+            <a:avLst/>
+          </a:prstGeom>
+          <a:solidFill>
+            <a:srgbClr val="FFFFFF"/>
+          </a:solidFill>
+        </p:spPr>
+        <p:txBody>
+          <a:bodyPr wrap="square" rtlCol="0">
+            <a:spAutoFit/>
+          </a:bodyPr>
+          <a:lstStyle/>
+          <a:p>
+            <a:r>
+              <a:rPr lang="en-US" sz="1400" dirty="0"/>
+              <a:t>Standard Deviation of Forward Values for Jan Over One Year’s AOD Time</a:t>
             </a:r>
           </a:p>
         </p:txBody>
@@ -7621,7 +8950,7 @@
     </p:spTree>
     <p:extLst>
       <p:ext uri="{BB962C8B-B14F-4D97-AF65-F5344CB8AC3E}">
-        <p14:creationId xmlns:p14="http://schemas.microsoft.com/office/powerpoint/2010/main" val="3463929625"/>
+        <p14:creationId xmlns:p14="http://schemas.microsoft.com/office/powerpoint/2010/main" val="428862279"/>
       </p:ext>
     </p:extLst>
   </p:cSld>
@@ -7650,33 +8979,315 @@
       </p:grpSpPr>
       <p:sp>
         <p:nvSpPr>
-          <p:cNvPr id="2" name="Title 1">
-            <a:extLst>
-              <a:ext uri="{FF2B5EF4-FFF2-40B4-BE49-F238E27FC236}">
-                <a16:creationId xmlns:a16="http://schemas.microsoft.com/office/drawing/2014/main" id="{6AB10619-1C62-1446-9061-F597684BDFF8}"/>
-              </a:ext>
-            </a:extLst>
-          </p:cNvPr>
-          <p:cNvSpPr>
-            <a:spLocks noGrp="1"/>
-          </p:cNvSpPr>
-          <p:nvPr>
-            <p:ph type="title"/>
-          </p:nvPr>
-        </p:nvSpPr>
-        <p:spPr>
-          <a:xfrm>
-            <a:off x="838200" y="2766218"/>
-            <a:ext cx="10515600" cy="1325563"/>
-          </a:xfrm>
-        </p:spPr>
-        <p:txBody>
-          <a:bodyPr/>
-          <a:lstStyle/>
-          <a:p>
-            <a:r>
-              <a:rPr lang="en-US" dirty="0"/>
-              <a:t>Overall Market Movement (Previous Data)</a:t>
+          <p:cNvPr id="9" name="Rectangle 8">
+            <a:extLst>
+              <a:ext uri="{FF2B5EF4-FFF2-40B4-BE49-F238E27FC236}">
+                <a16:creationId xmlns:a16="http://schemas.microsoft.com/office/drawing/2014/main" id="{04A8A824-7F7E-DC42-82F4-93CBCEDED63C}"/>
+              </a:ext>
+            </a:extLst>
+          </p:cNvPr>
+          <p:cNvSpPr/>
+          <p:nvPr/>
+        </p:nvSpPr>
+        <p:spPr>
+          <a:xfrm>
+            <a:off x="222250" y="1443789"/>
+            <a:ext cx="355266" cy="4463716"/>
+          </a:xfrm>
+          <a:prstGeom prst="rect">
+            <a:avLst/>
+          </a:prstGeom>
+          <a:solidFill>
+            <a:schemeClr val="bg1"/>
+          </a:solidFill>
+          <a:ln>
+            <a:noFill/>
+          </a:ln>
+        </p:spPr>
+        <p:style>
+          <a:lnRef idx="2">
+            <a:schemeClr val="accent1">
+              <a:shade val="50000"/>
+            </a:schemeClr>
+          </a:lnRef>
+          <a:fillRef idx="1">
+            <a:schemeClr val="accent1"/>
+          </a:fillRef>
+          <a:effectRef idx="0">
+            <a:schemeClr val="accent1"/>
+          </a:effectRef>
+          <a:fontRef idx="minor">
+            <a:schemeClr val="lt1"/>
+          </a:fontRef>
+        </p:style>
+        <p:txBody>
+          <a:bodyPr rtlCol="0" anchor="ctr"/>
+          <a:lstStyle/>
+          <a:p>
+            <a:pPr algn="ctr"/>
+            <a:endParaRPr lang="en-US"/>
+          </a:p>
+        </p:txBody>
+      </p:sp>
+      <p:pic>
+        <p:nvPicPr>
+          <p:cNvPr id="27" name="Picture 26" descr="A close up of a map&#10;&#10;Description automatically generated">
+            <a:extLst>
+              <a:ext uri="{FF2B5EF4-FFF2-40B4-BE49-F238E27FC236}">
+                <a16:creationId xmlns:a16="http://schemas.microsoft.com/office/drawing/2014/main" id="{2F96B19A-E372-954D-8E1A-7BB32A2347CF}"/>
+              </a:ext>
+            </a:extLst>
+          </p:cNvPr>
+          <p:cNvPicPr>
+            <a:picLocks noChangeAspect="1"/>
+          </p:cNvPicPr>
+          <p:nvPr/>
+        </p:nvPicPr>
+        <p:blipFill>
+          <a:blip r:embed="rId2"/>
+          <a:stretch>
+            <a:fillRect/>
+          </a:stretch>
+        </p:blipFill>
+        <p:spPr>
+          <a:xfrm>
+            <a:off x="0" y="510702"/>
+            <a:ext cx="12192000" cy="5836596"/>
+          </a:xfrm>
+          <a:prstGeom prst="rect">
+            <a:avLst/>
+          </a:prstGeom>
+        </p:spPr>
+      </p:pic>
+      <p:sp>
+        <p:nvSpPr>
+          <p:cNvPr id="4" name="TextBox 3">
+            <a:extLst>
+              <a:ext uri="{FF2B5EF4-FFF2-40B4-BE49-F238E27FC236}">
+                <a16:creationId xmlns:a16="http://schemas.microsoft.com/office/drawing/2014/main" id="{8F684A46-7E37-994E-B155-F7EF893FECE1}"/>
+              </a:ext>
+            </a:extLst>
+          </p:cNvPr>
+          <p:cNvSpPr txBox="1"/>
+          <p:nvPr/>
+        </p:nvSpPr>
+        <p:spPr>
+          <a:xfrm>
+            <a:off x="5934636" y="1330031"/>
+            <a:ext cx="1732394" cy="4691229"/>
+          </a:xfrm>
+          <a:prstGeom prst="rect">
+            <a:avLst/>
+          </a:prstGeom>
+          <a:solidFill>
+            <a:srgbClr val="E8C0FF">
+              <a:alpha val="25882"/>
+            </a:srgbClr>
+          </a:solidFill>
+        </p:spPr>
+        <p:txBody>
+          <a:bodyPr wrap="square" rtlCol="0">
+            <a:spAutoFit/>
+          </a:bodyPr>
+          <a:lstStyle/>
+          <a:p>
+            <a:endParaRPr lang="en-US" dirty="0"/>
+          </a:p>
+        </p:txBody>
+      </p:sp>
+      <p:sp>
+        <p:nvSpPr>
+          <p:cNvPr id="5" name="TextBox 4">
+            <a:extLst>
+              <a:ext uri="{FF2B5EF4-FFF2-40B4-BE49-F238E27FC236}">
+                <a16:creationId xmlns:a16="http://schemas.microsoft.com/office/drawing/2014/main" id="{976E5E21-3BE3-5945-8027-E5D05C046B10}"/>
+              </a:ext>
+            </a:extLst>
+          </p:cNvPr>
+          <p:cNvSpPr txBox="1"/>
+          <p:nvPr/>
+        </p:nvSpPr>
+        <p:spPr>
+          <a:xfrm>
+            <a:off x="866990" y="1330031"/>
+            <a:ext cx="1696915" cy="4691229"/>
+          </a:xfrm>
+          <a:prstGeom prst="rect">
+            <a:avLst/>
+          </a:prstGeom>
+          <a:solidFill>
+            <a:srgbClr val="E8C0FF">
+              <a:alpha val="25882"/>
+            </a:srgbClr>
+          </a:solidFill>
+        </p:spPr>
+        <p:txBody>
+          <a:bodyPr wrap="square" rtlCol="0">
+            <a:spAutoFit/>
+          </a:bodyPr>
+          <a:lstStyle/>
+          <a:p>
+            <a:endParaRPr lang="en-US" dirty="0"/>
+          </a:p>
+        </p:txBody>
+      </p:sp>
+      <p:sp>
+        <p:nvSpPr>
+          <p:cNvPr id="6" name="TextBox 5">
+            <a:extLst>
+              <a:ext uri="{FF2B5EF4-FFF2-40B4-BE49-F238E27FC236}">
+                <a16:creationId xmlns:a16="http://schemas.microsoft.com/office/drawing/2014/main" id="{3F6B788A-DAFF-DA47-8EAC-BD00D562DC80}"/>
+              </a:ext>
+            </a:extLst>
+          </p:cNvPr>
+          <p:cNvSpPr txBox="1"/>
+          <p:nvPr/>
+        </p:nvSpPr>
+        <p:spPr>
+          <a:xfrm>
+            <a:off x="9415331" y="1231516"/>
+            <a:ext cx="1691754" cy="4675989"/>
+          </a:xfrm>
+          <a:prstGeom prst="rect">
+            <a:avLst/>
+          </a:prstGeom>
+          <a:solidFill>
+            <a:schemeClr val="accent4">
+              <a:lumMod val="40000"/>
+              <a:lumOff val="60000"/>
+              <a:alpha val="25882"/>
+            </a:schemeClr>
+          </a:solidFill>
+        </p:spPr>
+        <p:txBody>
+          <a:bodyPr wrap="square" rtlCol="0">
+            <a:spAutoFit/>
+          </a:bodyPr>
+          <a:lstStyle/>
+          <a:p>
+            <a:endParaRPr lang="en-US" dirty="0"/>
+          </a:p>
+        </p:txBody>
+      </p:sp>
+      <p:sp>
+        <p:nvSpPr>
+          <p:cNvPr id="8" name="TextBox 7">
+            <a:extLst>
+              <a:ext uri="{FF2B5EF4-FFF2-40B4-BE49-F238E27FC236}">
+                <a16:creationId xmlns:a16="http://schemas.microsoft.com/office/drawing/2014/main" id="{47EC220C-CCEC-F940-AF92-208282CB321F}"/>
+              </a:ext>
+            </a:extLst>
+          </p:cNvPr>
+          <p:cNvSpPr txBox="1"/>
+          <p:nvPr/>
+        </p:nvSpPr>
+        <p:spPr>
+          <a:xfrm>
+            <a:off x="4208303" y="1138931"/>
+            <a:ext cx="3775393" cy="307777"/>
+          </a:xfrm>
+          <a:prstGeom prst="rect">
+            <a:avLst/>
+          </a:prstGeom>
+          <a:solidFill>
+            <a:schemeClr val="accent6">
+              <a:lumMod val="40000"/>
+              <a:lumOff val="60000"/>
+            </a:schemeClr>
+          </a:solidFill>
+        </p:spPr>
+        <p:txBody>
+          <a:bodyPr wrap="square" rtlCol="0">
+            <a:spAutoFit/>
+          </a:bodyPr>
+          <a:lstStyle/>
+          <a:p>
+            <a:r>
+              <a:rPr lang="en-US" sz="1400" dirty="0">
+                <a:latin typeface="Century Gothic" panose="020B0502020202020204" pitchFamily="34" charset="0"/>
+              </a:rPr>
+              <a:t>Example trade 2: As of Date is 8/26/15</a:t>
+            </a:r>
+          </a:p>
+        </p:txBody>
+      </p:sp>
+      <p:sp>
+        <p:nvSpPr>
+          <p:cNvPr id="10" name="TextBox 9">
+            <a:extLst>
+              <a:ext uri="{FF2B5EF4-FFF2-40B4-BE49-F238E27FC236}">
+                <a16:creationId xmlns:a16="http://schemas.microsoft.com/office/drawing/2014/main" id="{8CF5F364-AD58-444C-B9DC-698306FB65CE}"/>
+              </a:ext>
+            </a:extLst>
+          </p:cNvPr>
+          <p:cNvSpPr txBox="1"/>
+          <p:nvPr/>
+        </p:nvSpPr>
+        <p:spPr>
+          <a:xfrm>
+            <a:off x="8334100" y="1141718"/>
+            <a:ext cx="3775393" cy="307777"/>
+          </a:xfrm>
+          <a:prstGeom prst="rect">
+            <a:avLst/>
+          </a:prstGeom>
+          <a:solidFill>
+            <a:schemeClr val="accent2">
+              <a:lumMod val="60000"/>
+              <a:lumOff val="40000"/>
+            </a:schemeClr>
+          </a:solidFill>
+        </p:spPr>
+        <p:txBody>
+          <a:bodyPr wrap="square" rtlCol="0">
+            <a:spAutoFit/>
+          </a:bodyPr>
+          <a:lstStyle/>
+          <a:p>
+            <a:r>
+              <a:rPr lang="en-US" sz="1400" dirty="0">
+                <a:latin typeface="Century Gothic" panose="020B0502020202020204" pitchFamily="34" charset="0"/>
+              </a:rPr>
+              <a:t>Example trade 3: As of Date is 11/06/15</a:t>
+            </a:r>
+          </a:p>
+        </p:txBody>
+      </p:sp>
+      <p:sp>
+        <p:nvSpPr>
+          <p:cNvPr id="7" name="TextBox 6">
+            <a:extLst>
+              <a:ext uri="{FF2B5EF4-FFF2-40B4-BE49-F238E27FC236}">
+                <a16:creationId xmlns:a16="http://schemas.microsoft.com/office/drawing/2014/main" id="{DAAF487A-73F4-AC40-B108-59D20704CEF6}"/>
+              </a:ext>
+            </a:extLst>
+          </p:cNvPr>
+          <p:cNvSpPr txBox="1"/>
+          <p:nvPr/>
+        </p:nvSpPr>
+        <p:spPr>
+          <a:xfrm>
+            <a:off x="143435" y="1141718"/>
+            <a:ext cx="3775393" cy="307777"/>
+          </a:xfrm>
+          <a:prstGeom prst="rect">
+            <a:avLst/>
+          </a:prstGeom>
+          <a:solidFill>
+            <a:srgbClr val="FA827C"/>
+          </a:solidFill>
+        </p:spPr>
+        <p:txBody>
+          <a:bodyPr wrap="square" rtlCol="0">
+            <a:spAutoFit/>
+          </a:bodyPr>
+          <a:lstStyle/>
+          <a:p>
+            <a:r>
+              <a:rPr lang="en-US" sz="1400" dirty="0">
+                <a:latin typeface="Century Gothic" panose="020B0502020202020204" pitchFamily="34" charset="0"/>
+              </a:rPr>
+              <a:t>Example trade 1: As of Date is 2/6/15</a:t>
             </a:r>
           </a:p>
         </p:txBody>
@@ -7684,7 +9295,7 @@
     </p:spTree>
     <p:extLst>
       <p:ext uri="{BB962C8B-B14F-4D97-AF65-F5344CB8AC3E}">
-        <p14:creationId xmlns:p14="http://schemas.microsoft.com/office/powerpoint/2010/main" val="2565598077"/>
+        <p14:creationId xmlns:p14="http://schemas.microsoft.com/office/powerpoint/2010/main" val="2064690935"/>
       </p:ext>
     </p:extLst>
   </p:cSld>
@@ -7716,7 +9327,7 @@
           <p:cNvPr id="2" name="Title 1">
             <a:extLst>
               <a:ext uri="{FF2B5EF4-FFF2-40B4-BE49-F238E27FC236}">
-                <a16:creationId xmlns:a16="http://schemas.microsoft.com/office/drawing/2014/main" id="{11DA4AB7-BD4C-5A48-A186-283F8AA5490A}"/>
+                <a16:creationId xmlns:a16="http://schemas.microsoft.com/office/drawing/2014/main" id="{791EEFD0-B4D8-1F41-B1B4-E41684BBB628}"/>
               </a:ext>
             </a:extLst>
           </p:cNvPr>
@@ -7733,8 +9344,13 @@
           <a:lstStyle/>
           <a:p>
             <a:r>
-              <a:rPr lang="en-US" dirty="0"/>
-              <a:t>Data Source</a:t>
+              <a:rPr lang="en-US" dirty="0">
+                <a:solidFill>
+                  <a:schemeClr val="accent6"/>
+                </a:solidFill>
+                <a:latin typeface="Century Gothic" panose="020B0502020202020204" pitchFamily="34" charset="0"/>
+              </a:rPr>
+              <a:t>Methodology</a:t>
             </a:r>
           </a:p>
         </p:txBody>
@@ -7744,7 +9360,7 @@
           <p:cNvPr id="3" name="Content Placeholder 2">
             <a:extLst>
               <a:ext uri="{FF2B5EF4-FFF2-40B4-BE49-F238E27FC236}">
-                <a16:creationId xmlns:a16="http://schemas.microsoft.com/office/drawing/2014/main" id="{4C9F834C-E779-A54C-BFF8-CB3B82748FEE}"/>
+                <a16:creationId xmlns:a16="http://schemas.microsoft.com/office/drawing/2014/main" id="{10FB990B-D333-564F-8390-C4366288170B}"/>
               </a:ext>
             </a:extLst>
           </p:cNvPr>
@@ -7757,39 +9373,89 @@
         </p:nvSpPr>
         <p:spPr/>
         <p:txBody>
-          <a:bodyPr/>
-          <a:lstStyle/>
-          <a:p>
-            <a:r>
-              <a:rPr lang="en-US" dirty="0"/>
-              <a:t>How did we get this data</a:t>
-            </a:r>
-          </a:p>
-          <a:p>
-            <a:r>
-              <a:rPr lang="en-US" dirty="0" err="1"/>
-              <a:t>Snl</a:t>
-            </a:r>
-            <a:r>
-              <a:rPr lang="en-US" dirty="0"/>
-              <a:t> excel and scraping</a:t>
-            </a:r>
-          </a:p>
-          <a:p>
-            <a:r>
-              <a:rPr lang="en-US" dirty="0"/>
-              <a:t>Focus on US</a:t>
-            </a:r>
-          </a:p>
-          <a:p>
-            <a:endParaRPr lang="en-US" dirty="0"/>
+          <a:bodyPr>
+            <a:normAutofit fontScale="92500" lnSpcReduction="20000"/>
+          </a:bodyPr>
+          <a:lstStyle/>
+          <a:p>
+            <a:r>
+              <a:rPr lang="en-US" dirty="0">
+                <a:latin typeface="Century Gothic" panose="020B0502020202020204" pitchFamily="34" charset="0"/>
+              </a:rPr>
+              <a:t>Scraping:</a:t>
+            </a:r>
+          </a:p>
+          <a:p>
+            <a:pPr lvl="1"/>
+            <a:r>
+              <a:rPr lang="en-US" dirty="0">
+                <a:latin typeface="Century Gothic" panose="020B0502020202020204" pitchFamily="34" charset="0"/>
+              </a:rPr>
+              <a:t>Python Selenium Library</a:t>
+            </a:r>
+          </a:p>
+          <a:p>
+            <a:pPr lvl="1"/>
+            <a:r>
+              <a:rPr lang="en-US" dirty="0">
+                <a:latin typeface="Century Gothic" panose="020B0502020202020204" pitchFamily="34" charset="0"/>
+              </a:rPr>
+              <a:t>Each Market region (ERCOT, CAISO/WEST, Alberta, etc..) takes a few days to run currently since it has to go through every day of the last 10 years.</a:t>
+            </a:r>
+          </a:p>
+          <a:p>
+            <a:pPr lvl="1"/>
+            <a:endParaRPr lang="en-US" dirty="0">
+              <a:latin typeface="Century Gothic" panose="020B0502020202020204" pitchFamily="34" charset="0"/>
+            </a:endParaRPr>
+          </a:p>
+          <a:p>
+            <a:r>
+              <a:rPr lang="en-US" dirty="0">
+                <a:latin typeface="Century Gothic" panose="020B0502020202020204" pitchFamily="34" charset="0"/>
+              </a:rPr>
+              <a:t>Analysis:</a:t>
+            </a:r>
+          </a:p>
+          <a:p>
+            <a:pPr lvl="1"/>
+            <a:r>
+              <a:rPr lang="en-US" dirty="0">
+                <a:latin typeface="Century Gothic" panose="020B0502020202020204" pitchFamily="34" charset="0"/>
+              </a:rPr>
+              <a:t>ERCOT market data was combined with respective As Of Dates, and ATC prices were calculated from the On and Off Peak data provided</a:t>
+            </a:r>
+          </a:p>
+          <a:p>
+            <a:pPr lvl="1"/>
+            <a:r>
+              <a:rPr lang="en-US" dirty="0">
+                <a:latin typeface="Century Gothic" panose="020B0502020202020204" pitchFamily="34" charset="0"/>
+              </a:rPr>
+              <a:t>Looked at the entire market in whole by converting standard time parameters (dates) to time deltas (number of days from Term Date). Markets were grouped by Subregion, Peak Type, then an Average or Standard Deviation was taken to observe how </a:t>
+            </a:r>
+            <a:r>
+              <a:rPr lang="en-US" b="1" dirty="0">
+                <a:latin typeface="Century Gothic" panose="020B0502020202020204" pitchFamily="34" charset="0"/>
+              </a:rPr>
+              <a:t>varied or consistent </a:t>
+            </a:r>
+            <a:r>
+              <a:rPr lang="en-US" dirty="0">
+                <a:latin typeface="Century Gothic" panose="020B0502020202020204" pitchFamily="34" charset="0"/>
+              </a:rPr>
+              <a:t>market movements/trends are</a:t>
+            </a:r>
+            <a:endParaRPr lang="en-US" b="1" dirty="0">
+              <a:latin typeface="Century Gothic" panose="020B0502020202020204" pitchFamily="34" charset="0"/>
+            </a:endParaRPr>
           </a:p>
         </p:txBody>
       </p:sp>
     </p:spTree>
     <p:extLst>
       <p:ext uri="{BB962C8B-B14F-4D97-AF65-F5344CB8AC3E}">
-        <p14:creationId xmlns:p14="http://schemas.microsoft.com/office/powerpoint/2010/main" val="1049271370"/>
+        <p14:creationId xmlns:p14="http://schemas.microsoft.com/office/powerpoint/2010/main" val="3656967893"/>
       </p:ext>
     </p:extLst>
   </p:cSld>
@@ -7818,10 +9484,10 @@
       </p:grpSpPr>
       <p:pic>
         <p:nvPicPr>
-          <p:cNvPr id="11" name="Picture 10" descr="A close up of a map&#10;&#10;Description automatically generated">
-            <a:extLst>
-              <a:ext uri="{FF2B5EF4-FFF2-40B4-BE49-F238E27FC236}">
-                <a16:creationId xmlns:a16="http://schemas.microsoft.com/office/drawing/2014/main" id="{80F24972-7922-2845-866E-B157586C2C81}"/>
+          <p:cNvPr id="21" name="Picture 20" descr="A close up of a map&#10;&#10;Description automatically generated">
+            <a:extLst>
+              <a:ext uri="{FF2B5EF4-FFF2-40B4-BE49-F238E27FC236}">
+                <a16:creationId xmlns:a16="http://schemas.microsoft.com/office/drawing/2014/main" id="{C6362861-F2D3-A042-82E3-54F4BD9CA660}"/>
               </a:ext>
             </a:extLst>
           </p:cNvPr>
@@ -7838,18 +9504,831 @@
         </p:blipFill>
         <p:spPr>
           <a:xfrm>
-            <a:off x="1116541" y="0"/>
-            <a:ext cx="9958917" cy="6858000"/>
+            <a:off x="798021" y="397832"/>
+            <a:ext cx="10302055" cy="4931835"/>
           </a:xfrm>
           <a:prstGeom prst="rect">
             <a:avLst/>
           </a:prstGeom>
         </p:spPr>
       </p:pic>
+      <p:sp>
+        <p:nvSpPr>
+          <p:cNvPr id="9" name="Rectangle 8">
+            <a:extLst>
+              <a:ext uri="{FF2B5EF4-FFF2-40B4-BE49-F238E27FC236}">
+                <a16:creationId xmlns:a16="http://schemas.microsoft.com/office/drawing/2014/main" id="{04A8A824-7F7E-DC42-82F4-93CBCEDED63C}"/>
+              </a:ext>
+            </a:extLst>
+          </p:cNvPr>
+          <p:cNvSpPr/>
+          <p:nvPr/>
+        </p:nvSpPr>
+        <p:spPr>
+          <a:xfrm>
+            <a:off x="222250" y="1443789"/>
+            <a:ext cx="355266" cy="4463716"/>
+          </a:xfrm>
+          <a:prstGeom prst="rect">
+            <a:avLst/>
+          </a:prstGeom>
+          <a:solidFill>
+            <a:schemeClr val="bg1"/>
+          </a:solidFill>
+          <a:ln>
+            <a:noFill/>
+          </a:ln>
+        </p:spPr>
+        <p:style>
+          <a:lnRef idx="2">
+            <a:schemeClr val="accent1">
+              <a:shade val="50000"/>
+            </a:schemeClr>
+          </a:lnRef>
+          <a:fillRef idx="1">
+            <a:schemeClr val="accent1"/>
+          </a:fillRef>
+          <a:effectRef idx="0">
+            <a:schemeClr val="accent1"/>
+          </a:effectRef>
+          <a:fontRef idx="minor">
+            <a:schemeClr val="lt1"/>
+          </a:fontRef>
+        </p:style>
+        <p:txBody>
+          <a:bodyPr rtlCol="0" anchor="ctr"/>
+          <a:lstStyle/>
+          <a:p>
+            <a:pPr algn="ctr"/>
+            <a:endParaRPr lang="en-US"/>
+          </a:p>
+        </p:txBody>
+      </p:sp>
+      <p:sp>
+        <p:nvSpPr>
+          <p:cNvPr id="8" name="TextBox 7">
+            <a:extLst>
+              <a:ext uri="{FF2B5EF4-FFF2-40B4-BE49-F238E27FC236}">
+                <a16:creationId xmlns:a16="http://schemas.microsoft.com/office/drawing/2014/main" id="{47EC220C-CCEC-F940-AF92-208282CB321F}"/>
+              </a:ext>
+            </a:extLst>
+          </p:cNvPr>
+          <p:cNvSpPr txBox="1"/>
+          <p:nvPr/>
+        </p:nvSpPr>
+        <p:spPr>
+          <a:xfrm>
+            <a:off x="4395074" y="660755"/>
+            <a:ext cx="3481134" cy="307777"/>
+          </a:xfrm>
+          <a:prstGeom prst="rect">
+            <a:avLst/>
+          </a:prstGeom>
+          <a:solidFill>
+            <a:schemeClr val="accent6">
+              <a:lumMod val="40000"/>
+              <a:lumOff val="60000"/>
+            </a:schemeClr>
+          </a:solidFill>
+        </p:spPr>
+        <p:txBody>
+          <a:bodyPr wrap="square" rtlCol="0">
+            <a:spAutoFit/>
+          </a:bodyPr>
+          <a:lstStyle/>
+          <a:p>
+            <a:r>
+              <a:rPr lang="en-US" sz="1400" dirty="0">
+                <a:latin typeface="Century Gothic" panose="020B0502020202020204" pitchFamily="34" charset="0"/>
+              </a:rPr>
+              <a:t>Example trade 2: As of Date is 8/26/15</a:t>
+            </a:r>
+          </a:p>
+        </p:txBody>
+      </p:sp>
+      <p:sp>
+        <p:nvSpPr>
+          <p:cNvPr id="10" name="TextBox 9">
+            <a:extLst>
+              <a:ext uri="{FF2B5EF4-FFF2-40B4-BE49-F238E27FC236}">
+                <a16:creationId xmlns:a16="http://schemas.microsoft.com/office/drawing/2014/main" id="{8CF5F364-AD58-444C-B9DC-698306FB65CE}"/>
+              </a:ext>
+            </a:extLst>
+          </p:cNvPr>
+          <p:cNvSpPr txBox="1"/>
+          <p:nvPr/>
+        </p:nvSpPr>
+        <p:spPr>
+          <a:xfrm>
+            <a:off x="8149827" y="663542"/>
+            <a:ext cx="3741041" cy="307777"/>
+          </a:xfrm>
+          <a:prstGeom prst="rect">
+            <a:avLst/>
+          </a:prstGeom>
+          <a:solidFill>
+            <a:schemeClr val="accent2">
+              <a:lumMod val="60000"/>
+              <a:lumOff val="40000"/>
+            </a:schemeClr>
+          </a:solidFill>
+        </p:spPr>
+        <p:txBody>
+          <a:bodyPr wrap="square" rtlCol="0">
+            <a:spAutoFit/>
+          </a:bodyPr>
+          <a:lstStyle/>
+          <a:p>
+            <a:r>
+              <a:rPr lang="en-US" sz="1400" dirty="0">
+                <a:latin typeface="Century Gothic" panose="020B0502020202020204" pitchFamily="34" charset="0"/>
+              </a:rPr>
+              <a:t>Example trade 3: As of Date is 11/06/15</a:t>
+            </a:r>
+          </a:p>
+        </p:txBody>
+      </p:sp>
+      <p:sp>
+        <p:nvSpPr>
+          <p:cNvPr id="7" name="TextBox 6">
+            <a:extLst>
+              <a:ext uri="{FF2B5EF4-FFF2-40B4-BE49-F238E27FC236}">
+                <a16:creationId xmlns:a16="http://schemas.microsoft.com/office/drawing/2014/main" id="{DAAF487A-73F4-AC40-B108-59D20704CEF6}"/>
+              </a:ext>
+            </a:extLst>
+          </p:cNvPr>
+          <p:cNvSpPr txBox="1"/>
+          <p:nvPr/>
+        </p:nvSpPr>
+        <p:spPr>
+          <a:xfrm>
+            <a:off x="418159" y="660755"/>
+            <a:ext cx="3481134" cy="307777"/>
+          </a:xfrm>
+          <a:prstGeom prst="rect">
+            <a:avLst/>
+          </a:prstGeom>
+          <a:solidFill>
+            <a:srgbClr val="FA827C"/>
+          </a:solidFill>
+        </p:spPr>
+        <p:txBody>
+          <a:bodyPr wrap="square" rtlCol="0">
+            <a:spAutoFit/>
+          </a:bodyPr>
+          <a:lstStyle/>
+          <a:p>
+            <a:r>
+              <a:rPr lang="en-US" sz="1400" dirty="0">
+                <a:latin typeface="Century Gothic" panose="020B0502020202020204" pitchFamily="34" charset="0"/>
+              </a:rPr>
+              <a:t>Example trade 1: As of Date is 2/5/15</a:t>
+            </a:r>
+          </a:p>
+        </p:txBody>
+      </p:sp>
+      <p:sp>
+        <p:nvSpPr>
+          <p:cNvPr id="14" name="Rectangle 13">
+            <a:extLst>
+              <a:ext uri="{FF2B5EF4-FFF2-40B4-BE49-F238E27FC236}">
+                <a16:creationId xmlns:a16="http://schemas.microsoft.com/office/drawing/2014/main" id="{93D185FB-DF2A-D84F-B7B0-11C41280AEAA}"/>
+              </a:ext>
+            </a:extLst>
+          </p:cNvPr>
+          <p:cNvSpPr/>
+          <p:nvPr/>
+        </p:nvSpPr>
+        <p:spPr>
+          <a:xfrm>
+            <a:off x="8833198" y="199905"/>
+            <a:ext cx="3358802" cy="197927"/>
+          </a:xfrm>
+          <a:prstGeom prst="rect">
+            <a:avLst/>
+          </a:prstGeom>
+          <a:solidFill>
+            <a:srgbClr val="FF0000"/>
+          </a:solidFill>
+          <a:ln>
+            <a:noFill/>
+          </a:ln>
+        </p:spPr>
+        <p:style>
+          <a:lnRef idx="2">
+            <a:schemeClr val="accent1">
+              <a:shade val="50000"/>
+            </a:schemeClr>
+          </a:lnRef>
+          <a:fillRef idx="1">
+            <a:schemeClr val="accent1"/>
+          </a:fillRef>
+          <a:effectRef idx="0">
+            <a:schemeClr val="accent1"/>
+          </a:effectRef>
+          <a:fontRef idx="minor">
+            <a:schemeClr val="lt1"/>
+          </a:fontRef>
+        </p:style>
+        <p:txBody>
+          <a:bodyPr rtlCol="0" anchor="ctr"/>
+          <a:lstStyle/>
+          <a:p>
+            <a:pPr algn="ctr"/>
+            <a:r>
+              <a:rPr lang="en-US" sz="900" dirty="0">
+                <a:latin typeface="Century Gothic" panose="020B0502020202020204" pitchFamily="34" charset="0"/>
+              </a:rPr>
+              <a:t>Forward Value with Lowest (greatest error) Prediction Loss</a:t>
+            </a:r>
+          </a:p>
+        </p:txBody>
+      </p:sp>
+      <p:sp>
+        <p:nvSpPr>
+          <p:cNvPr id="15" name="Rectangle 14">
+            <a:extLst>
+              <a:ext uri="{FF2B5EF4-FFF2-40B4-BE49-F238E27FC236}">
+                <a16:creationId xmlns:a16="http://schemas.microsoft.com/office/drawing/2014/main" id="{3EB9D52B-7557-AC4A-88ED-0416404E27E8}"/>
+              </a:ext>
+            </a:extLst>
+          </p:cNvPr>
+          <p:cNvSpPr/>
+          <p:nvPr/>
+        </p:nvSpPr>
+        <p:spPr>
+          <a:xfrm>
+            <a:off x="8833199" y="397832"/>
+            <a:ext cx="3358800" cy="179639"/>
+          </a:xfrm>
+          <a:prstGeom prst="rect">
+            <a:avLst/>
+          </a:prstGeom>
+          <a:solidFill>
+            <a:schemeClr val="accent6">
+              <a:lumMod val="75000"/>
+            </a:schemeClr>
+          </a:solidFill>
+          <a:ln>
+            <a:noFill/>
+          </a:ln>
+        </p:spPr>
+        <p:style>
+          <a:lnRef idx="2">
+            <a:schemeClr val="accent1">
+              <a:shade val="50000"/>
+            </a:schemeClr>
+          </a:lnRef>
+          <a:fillRef idx="1">
+            <a:schemeClr val="accent1"/>
+          </a:fillRef>
+          <a:effectRef idx="0">
+            <a:schemeClr val="accent1"/>
+          </a:effectRef>
+          <a:fontRef idx="minor">
+            <a:schemeClr val="lt1"/>
+          </a:fontRef>
+        </p:style>
+        <p:txBody>
+          <a:bodyPr rtlCol="0" anchor="ctr"/>
+          <a:lstStyle/>
+          <a:p>
+            <a:pPr algn="ctr"/>
+            <a:r>
+              <a:rPr lang="en-US" sz="900" dirty="0">
+                <a:latin typeface="Century Gothic" panose="020B0502020202020204" pitchFamily="34" charset="0"/>
+              </a:rPr>
+              <a:t>Forward Value with Highest (least error) Prediction Loss</a:t>
+            </a:r>
+          </a:p>
+        </p:txBody>
+      </p:sp>
+      <p:cxnSp>
+        <p:nvCxnSpPr>
+          <p:cNvPr id="23" name="Straight Connector 22">
+            <a:extLst>
+              <a:ext uri="{FF2B5EF4-FFF2-40B4-BE49-F238E27FC236}">
+                <a16:creationId xmlns:a16="http://schemas.microsoft.com/office/drawing/2014/main" id="{C0937BB0-408E-0240-84CA-7AD4FE0EE1A4}"/>
+              </a:ext>
+            </a:extLst>
+          </p:cNvPr>
+          <p:cNvCxnSpPr/>
+          <p:nvPr/>
+        </p:nvCxnSpPr>
+        <p:spPr>
+          <a:xfrm>
+            <a:off x="2384612" y="968532"/>
+            <a:ext cx="0" cy="4103845"/>
+          </a:xfrm>
+          <a:prstGeom prst="line">
+            <a:avLst/>
+          </a:prstGeom>
+          <a:ln>
+            <a:solidFill>
+              <a:srgbClr val="FF0000"/>
+            </a:solidFill>
+          </a:ln>
+        </p:spPr>
+        <p:style>
+          <a:lnRef idx="1">
+            <a:schemeClr val="accent1"/>
+          </a:lnRef>
+          <a:fillRef idx="0">
+            <a:schemeClr val="accent1"/>
+          </a:fillRef>
+          <a:effectRef idx="0">
+            <a:schemeClr val="accent1"/>
+          </a:effectRef>
+          <a:fontRef idx="minor">
+            <a:schemeClr val="tx1"/>
+          </a:fontRef>
+        </p:style>
+      </p:cxnSp>
+      <p:cxnSp>
+        <p:nvCxnSpPr>
+          <p:cNvPr id="25" name="Straight Connector 24">
+            <a:extLst>
+              <a:ext uri="{FF2B5EF4-FFF2-40B4-BE49-F238E27FC236}">
+                <a16:creationId xmlns:a16="http://schemas.microsoft.com/office/drawing/2014/main" id="{E3A9D448-C7B5-9540-8A66-602F66F8D66F}"/>
+              </a:ext>
+            </a:extLst>
+          </p:cNvPr>
+          <p:cNvCxnSpPr/>
+          <p:nvPr/>
+        </p:nvCxnSpPr>
+        <p:spPr>
+          <a:xfrm>
+            <a:off x="7144869" y="895260"/>
+            <a:ext cx="0" cy="4103845"/>
+          </a:xfrm>
+          <a:prstGeom prst="line">
+            <a:avLst/>
+          </a:prstGeom>
+          <a:ln>
+            <a:solidFill>
+              <a:schemeClr val="accent6"/>
+            </a:solidFill>
+          </a:ln>
+        </p:spPr>
+        <p:style>
+          <a:lnRef idx="1">
+            <a:schemeClr val="accent1"/>
+          </a:lnRef>
+          <a:fillRef idx="0">
+            <a:schemeClr val="accent1"/>
+          </a:fillRef>
+          <a:effectRef idx="0">
+            <a:schemeClr val="accent1"/>
+          </a:effectRef>
+          <a:fontRef idx="minor">
+            <a:schemeClr val="tx1"/>
+          </a:fontRef>
+        </p:style>
+      </p:cxnSp>
+      <p:cxnSp>
+        <p:nvCxnSpPr>
+          <p:cNvPr id="26" name="Straight Connector 25">
+            <a:extLst>
+              <a:ext uri="{FF2B5EF4-FFF2-40B4-BE49-F238E27FC236}">
+                <a16:creationId xmlns:a16="http://schemas.microsoft.com/office/drawing/2014/main" id="{D4361272-E7F6-4F44-91A9-3BA62AD252BB}"/>
+              </a:ext>
+            </a:extLst>
+          </p:cNvPr>
+          <p:cNvCxnSpPr/>
+          <p:nvPr/>
+        </p:nvCxnSpPr>
+        <p:spPr>
+          <a:xfrm>
+            <a:off x="8833198" y="908707"/>
+            <a:ext cx="0" cy="4103845"/>
+          </a:xfrm>
+          <a:prstGeom prst="line">
+            <a:avLst/>
+          </a:prstGeom>
+          <a:ln>
+            <a:solidFill>
+              <a:schemeClr val="accent2"/>
+            </a:solidFill>
+          </a:ln>
+        </p:spPr>
+        <p:style>
+          <a:lnRef idx="1">
+            <a:schemeClr val="accent1"/>
+          </a:lnRef>
+          <a:fillRef idx="0">
+            <a:schemeClr val="accent1"/>
+          </a:fillRef>
+          <a:effectRef idx="0">
+            <a:schemeClr val="accent1"/>
+          </a:effectRef>
+          <a:fontRef idx="minor">
+            <a:schemeClr val="tx1"/>
+          </a:fontRef>
+        </p:style>
+      </p:cxnSp>
+      <p:sp>
+        <p:nvSpPr>
+          <p:cNvPr id="12" name="TextBox 11">
+            <a:extLst>
+              <a:ext uri="{FF2B5EF4-FFF2-40B4-BE49-F238E27FC236}">
+                <a16:creationId xmlns:a16="http://schemas.microsoft.com/office/drawing/2014/main" id="{483E5F6E-C9BB-384F-9B2B-4831389DFF32}"/>
+              </a:ext>
+            </a:extLst>
+          </p:cNvPr>
+          <p:cNvSpPr txBox="1"/>
+          <p:nvPr/>
+        </p:nvSpPr>
+        <p:spPr>
+          <a:xfrm>
+            <a:off x="2390032" y="967264"/>
+            <a:ext cx="1896545" cy="646331"/>
+          </a:xfrm>
+          <a:prstGeom prst="rect">
+            <a:avLst/>
+          </a:prstGeom>
+          <a:noFill/>
+        </p:spPr>
+        <p:txBody>
+          <a:bodyPr wrap="none" rtlCol="0">
+            <a:spAutoFit/>
+          </a:bodyPr>
+          <a:lstStyle/>
+          <a:p>
+            <a:r>
+              <a:rPr lang="en-US" sz="1200" dirty="0">
+                <a:solidFill>
+                  <a:srgbClr val="FF0000"/>
+                </a:solidFill>
+              </a:rPr>
+              <a:t>PL Mean: -16.386</a:t>
+            </a:r>
+          </a:p>
+          <a:p>
+            <a:r>
+              <a:rPr lang="en-US" sz="1200" dirty="0">
+                <a:solidFill>
+                  <a:srgbClr val="FF0000"/>
+                </a:solidFill>
+              </a:rPr>
+              <a:t>PL SD: 3.789 </a:t>
+            </a:r>
+          </a:p>
+          <a:p>
+            <a:r>
+              <a:rPr lang="en-US" sz="1200" b="1" dirty="0">
+                <a:solidFill>
+                  <a:srgbClr val="FF0000"/>
+                </a:solidFill>
+              </a:rPr>
+              <a:t>least volatile, highest error</a:t>
+            </a:r>
+          </a:p>
+        </p:txBody>
+      </p:sp>
+      <p:sp>
+        <p:nvSpPr>
+          <p:cNvPr id="22" name="TextBox 21">
+            <a:extLst>
+              <a:ext uri="{FF2B5EF4-FFF2-40B4-BE49-F238E27FC236}">
+                <a16:creationId xmlns:a16="http://schemas.microsoft.com/office/drawing/2014/main" id="{41920089-0A36-F546-BCBE-BE5B9D88BC83}"/>
+              </a:ext>
+            </a:extLst>
+          </p:cNvPr>
+          <p:cNvSpPr txBox="1"/>
+          <p:nvPr/>
+        </p:nvSpPr>
+        <p:spPr>
+          <a:xfrm>
+            <a:off x="7103827" y="996659"/>
+            <a:ext cx="1281120" cy="461665"/>
+          </a:xfrm>
+          <a:prstGeom prst="rect">
+            <a:avLst/>
+          </a:prstGeom>
+          <a:noFill/>
+        </p:spPr>
+        <p:txBody>
+          <a:bodyPr wrap="none" rtlCol="0">
+            <a:spAutoFit/>
+          </a:bodyPr>
+          <a:lstStyle/>
+          <a:p>
+            <a:r>
+              <a:rPr lang="en-US" sz="1200" dirty="0">
+                <a:solidFill>
+                  <a:schemeClr val="accent6"/>
+                </a:solidFill>
+              </a:rPr>
+              <a:t>PL Mean: -13.777</a:t>
+            </a:r>
+          </a:p>
+          <a:p>
+            <a:r>
+              <a:rPr lang="en-US" sz="1200" dirty="0">
+                <a:solidFill>
+                  <a:schemeClr val="accent6"/>
+                </a:solidFill>
+              </a:rPr>
+              <a:t>PL SD: 4.385</a:t>
+            </a:r>
+          </a:p>
+        </p:txBody>
+      </p:sp>
+      <p:sp>
+        <p:nvSpPr>
+          <p:cNvPr id="24" name="TextBox 23">
+            <a:extLst>
+              <a:ext uri="{FF2B5EF4-FFF2-40B4-BE49-F238E27FC236}">
+                <a16:creationId xmlns:a16="http://schemas.microsoft.com/office/drawing/2014/main" id="{2FC9E18D-006C-374A-A520-368392C332D6}"/>
+              </a:ext>
+            </a:extLst>
+          </p:cNvPr>
+          <p:cNvSpPr txBox="1"/>
+          <p:nvPr/>
+        </p:nvSpPr>
+        <p:spPr>
+          <a:xfrm>
+            <a:off x="8856106" y="968532"/>
+            <a:ext cx="1281096" cy="646331"/>
+          </a:xfrm>
+          <a:prstGeom prst="rect">
+            <a:avLst/>
+          </a:prstGeom>
+          <a:solidFill>
+            <a:srgbClr val="FFFFFF"/>
+          </a:solidFill>
+        </p:spPr>
+        <p:txBody>
+          <a:bodyPr wrap="square" rtlCol="0">
+            <a:spAutoFit/>
+          </a:bodyPr>
+          <a:lstStyle/>
+          <a:p>
+            <a:r>
+              <a:rPr lang="en-US" sz="1200" dirty="0">
+                <a:solidFill>
+                  <a:schemeClr val="accent2"/>
+                </a:solidFill>
+              </a:rPr>
+              <a:t>PL Mean: -10.712</a:t>
+            </a:r>
+          </a:p>
+          <a:p>
+            <a:r>
+              <a:rPr lang="en-US" sz="1200" dirty="0">
+                <a:solidFill>
+                  <a:schemeClr val="accent2"/>
+                </a:solidFill>
+              </a:rPr>
+              <a:t>PL SD: 4.167 </a:t>
+            </a:r>
+          </a:p>
+          <a:p>
+            <a:r>
+              <a:rPr lang="en-US" sz="1200" b="1" dirty="0">
+                <a:solidFill>
+                  <a:schemeClr val="accent2"/>
+                </a:solidFill>
+              </a:rPr>
+              <a:t>Lowest error</a:t>
+            </a:r>
+          </a:p>
+        </p:txBody>
+      </p:sp>
+      <p:pic>
+        <p:nvPicPr>
+          <p:cNvPr id="16" name="Picture 15" descr="A screenshot of a cell phone&#10;&#10;Description automatically generated">
+            <a:extLst>
+              <a:ext uri="{FF2B5EF4-FFF2-40B4-BE49-F238E27FC236}">
+                <a16:creationId xmlns:a16="http://schemas.microsoft.com/office/drawing/2014/main" id="{F1F56A72-9EC3-3F45-AF43-7D2933C52022}"/>
+              </a:ext>
+            </a:extLst>
+          </p:cNvPr>
+          <p:cNvPicPr>
+            <a:picLocks noChangeAspect="1"/>
+          </p:cNvPicPr>
+          <p:nvPr/>
+        </p:nvPicPr>
+        <p:blipFill>
+          <a:blip r:embed="rId3"/>
+          <a:stretch>
+            <a:fillRect/>
+          </a:stretch>
+        </p:blipFill>
+        <p:spPr>
+          <a:xfrm>
+            <a:off x="565857" y="5104426"/>
+            <a:ext cx="3801902" cy="1689734"/>
+          </a:xfrm>
+          <a:prstGeom prst="rect">
+            <a:avLst/>
+          </a:prstGeom>
+        </p:spPr>
+      </p:pic>
+      <p:pic>
+        <p:nvPicPr>
+          <p:cNvPr id="27" name="Picture 26" descr="A screenshot of a cell phone&#10;&#10;Description automatically generated">
+            <a:extLst>
+              <a:ext uri="{FF2B5EF4-FFF2-40B4-BE49-F238E27FC236}">
+                <a16:creationId xmlns:a16="http://schemas.microsoft.com/office/drawing/2014/main" id="{6744D453-203B-D049-8DA9-2514EE856D29}"/>
+              </a:ext>
+            </a:extLst>
+          </p:cNvPr>
+          <p:cNvPicPr>
+            <a:picLocks noChangeAspect="1"/>
+          </p:cNvPicPr>
+          <p:nvPr/>
+        </p:nvPicPr>
+        <p:blipFill>
+          <a:blip r:embed="rId4"/>
+          <a:stretch>
+            <a:fillRect/>
+          </a:stretch>
+        </p:blipFill>
+        <p:spPr>
+          <a:xfrm>
+            <a:off x="4386960" y="5083627"/>
+            <a:ext cx="3840304" cy="1689734"/>
+          </a:xfrm>
+          <a:prstGeom prst="rect">
+            <a:avLst/>
+          </a:prstGeom>
+        </p:spPr>
+      </p:pic>
+      <p:pic>
+        <p:nvPicPr>
+          <p:cNvPr id="29" name="Picture 28" descr="A screenshot of a cell phone&#10;&#10;Description automatically generated">
+            <a:extLst>
+              <a:ext uri="{FF2B5EF4-FFF2-40B4-BE49-F238E27FC236}">
+                <a16:creationId xmlns:a16="http://schemas.microsoft.com/office/drawing/2014/main" id="{E3A7F3BB-E48F-954C-861B-51BD3230AA63}"/>
+              </a:ext>
+            </a:extLst>
+          </p:cNvPr>
+          <p:cNvPicPr>
+            <a:picLocks noChangeAspect="1"/>
+          </p:cNvPicPr>
+          <p:nvPr/>
+        </p:nvPicPr>
+        <p:blipFill>
+          <a:blip r:embed="rId5"/>
+          <a:stretch>
+            <a:fillRect/>
+          </a:stretch>
+        </p:blipFill>
+        <p:spPr>
+          <a:xfrm>
+            <a:off x="8227264" y="5104425"/>
+            <a:ext cx="3819923" cy="1689735"/>
+          </a:xfrm>
+          <a:prstGeom prst="rect">
+            <a:avLst/>
+          </a:prstGeom>
+        </p:spPr>
+      </p:pic>
+      <p:sp>
+        <p:nvSpPr>
+          <p:cNvPr id="31" name="Rectangle 30">
+            <a:extLst>
+              <a:ext uri="{FF2B5EF4-FFF2-40B4-BE49-F238E27FC236}">
+                <a16:creationId xmlns:a16="http://schemas.microsoft.com/office/drawing/2014/main" id="{EB766064-FA16-CE49-9C2E-7535B4CF8D10}"/>
+              </a:ext>
+            </a:extLst>
+          </p:cNvPr>
+          <p:cNvSpPr/>
+          <p:nvPr/>
+        </p:nvSpPr>
+        <p:spPr>
+          <a:xfrm>
+            <a:off x="577516" y="6257365"/>
+            <a:ext cx="11469671" cy="268941"/>
+          </a:xfrm>
+          <a:prstGeom prst="rect">
+            <a:avLst/>
+          </a:prstGeom>
+          <a:solidFill>
+            <a:srgbClr val="E2F0D9">
+              <a:alpha val="29020"/>
+            </a:srgbClr>
+          </a:solidFill>
+          <a:ln>
+            <a:solidFill>
+              <a:srgbClr val="00B050"/>
+            </a:solidFill>
+          </a:ln>
+        </p:spPr>
+        <p:style>
+          <a:lnRef idx="2">
+            <a:schemeClr val="accent1">
+              <a:shade val="50000"/>
+            </a:schemeClr>
+          </a:lnRef>
+          <a:fillRef idx="1">
+            <a:schemeClr val="accent1"/>
+          </a:fillRef>
+          <a:effectRef idx="0">
+            <a:schemeClr val="accent1"/>
+          </a:effectRef>
+          <a:fontRef idx="minor">
+            <a:schemeClr val="lt1"/>
+          </a:fontRef>
+        </p:style>
+        <p:txBody>
+          <a:bodyPr rtlCol="0" anchor="ctr"/>
+          <a:lstStyle/>
+          <a:p>
+            <a:pPr algn="ctr"/>
+            <a:endParaRPr lang="en-US"/>
+          </a:p>
+        </p:txBody>
+      </p:sp>
+      <p:cxnSp>
+        <p:nvCxnSpPr>
+          <p:cNvPr id="33" name="Straight Arrow Connector 32">
+            <a:extLst>
+              <a:ext uri="{FF2B5EF4-FFF2-40B4-BE49-F238E27FC236}">
+                <a16:creationId xmlns:a16="http://schemas.microsoft.com/office/drawing/2014/main" id="{11C98F9F-5125-8047-B67F-933AC9129263}"/>
+              </a:ext>
+            </a:extLst>
+          </p:cNvPr>
+          <p:cNvCxnSpPr>
+            <a:cxnSpLocks/>
+          </p:cNvCxnSpPr>
+          <p:nvPr/>
+        </p:nvCxnSpPr>
+        <p:spPr>
+          <a:xfrm>
+            <a:off x="11349318" y="4999105"/>
+            <a:ext cx="0" cy="571516"/>
+          </a:xfrm>
+          <a:prstGeom prst="straightConnector1">
+            <a:avLst/>
+          </a:prstGeom>
+          <a:ln>
+            <a:solidFill>
+              <a:schemeClr val="accent2"/>
+            </a:solidFill>
+            <a:tailEnd type="triangle"/>
+          </a:ln>
+        </p:spPr>
+        <p:style>
+          <a:lnRef idx="1">
+            <a:schemeClr val="accent1"/>
+          </a:lnRef>
+          <a:fillRef idx="0">
+            <a:schemeClr val="accent1"/>
+          </a:fillRef>
+          <a:effectRef idx="0">
+            <a:schemeClr val="accent1"/>
+          </a:effectRef>
+          <a:fontRef idx="minor">
+            <a:schemeClr val="tx1"/>
+          </a:fontRef>
+        </p:style>
+      </p:cxnSp>
+      <p:sp>
+        <p:nvSpPr>
+          <p:cNvPr id="35" name="TextBox 34">
+            <a:extLst>
+              <a:ext uri="{FF2B5EF4-FFF2-40B4-BE49-F238E27FC236}">
+                <a16:creationId xmlns:a16="http://schemas.microsoft.com/office/drawing/2014/main" id="{90E2CB3C-4906-644B-9028-E901722D8BB1}"/>
+              </a:ext>
+            </a:extLst>
+          </p:cNvPr>
+          <p:cNvSpPr txBox="1"/>
+          <p:nvPr/>
+        </p:nvSpPr>
+        <p:spPr>
+          <a:xfrm>
+            <a:off x="10943374" y="4774766"/>
+            <a:ext cx="901209" cy="276999"/>
+          </a:xfrm>
+          <a:prstGeom prst="rect">
+            <a:avLst/>
+          </a:prstGeom>
+          <a:noFill/>
+        </p:spPr>
+        <p:txBody>
+          <a:bodyPr wrap="none" rtlCol="0">
+            <a:spAutoFit/>
+          </a:bodyPr>
+          <a:lstStyle/>
+          <a:p>
+            <a:r>
+              <a:rPr lang="en-US" sz="1200" dirty="0">
+                <a:solidFill>
+                  <a:schemeClr val="accent2"/>
+                </a:solidFill>
+                <a:latin typeface="Century Gothic" panose="020B0502020202020204" pitchFamily="34" charset="0"/>
+              </a:rPr>
+              <a:t>Lowest PL</a:t>
+            </a:r>
+          </a:p>
+        </p:txBody>
+      </p:sp>
     </p:spTree>
     <p:extLst>
       <p:ext uri="{BB962C8B-B14F-4D97-AF65-F5344CB8AC3E}">
-        <p14:creationId xmlns:p14="http://schemas.microsoft.com/office/powerpoint/2010/main" val="2442820012"/>
+        <p14:creationId xmlns:p14="http://schemas.microsoft.com/office/powerpoint/2010/main" val="1034895413"/>
       </p:ext>
     </p:extLst>
   </p:cSld>
@@ -7876,40 +10355,45 @@
           <a:chExt cx="0" cy="0"/>
         </a:xfrm>
       </p:grpSpPr>
-      <p:pic>
-        <p:nvPicPr>
-          <p:cNvPr id="4" name="Picture 3" descr="A picture containing drawing&#10;&#10;Description automatically generated">
-            <a:extLst>
-              <a:ext uri="{FF2B5EF4-FFF2-40B4-BE49-F238E27FC236}">
-                <a16:creationId xmlns:a16="http://schemas.microsoft.com/office/drawing/2014/main" id="{F0DE2329-BF6D-BF4D-9A4A-417235519CBB}"/>
-              </a:ext>
-            </a:extLst>
-          </p:cNvPr>
-          <p:cNvPicPr>
-            <a:picLocks noChangeAspect="1"/>
-          </p:cNvPicPr>
-          <p:nvPr/>
-        </p:nvPicPr>
-        <p:blipFill>
-          <a:blip r:embed="rId2"/>
-          <a:stretch>
-            <a:fillRect/>
-          </a:stretch>
-        </p:blipFill>
-        <p:spPr>
-          <a:xfrm>
-            <a:off x="1116541" y="0"/>
-            <a:ext cx="9958917" cy="6858000"/>
-          </a:xfrm>
-          <a:prstGeom prst="rect">
-            <a:avLst/>
-          </a:prstGeom>
-        </p:spPr>
-      </p:pic>
+      <p:sp>
+        <p:nvSpPr>
+          <p:cNvPr id="2" name="Title 1">
+            <a:extLst>
+              <a:ext uri="{FF2B5EF4-FFF2-40B4-BE49-F238E27FC236}">
+                <a16:creationId xmlns:a16="http://schemas.microsoft.com/office/drawing/2014/main" id="{4E686E22-C141-A640-9D19-0C8A2437225A}"/>
+              </a:ext>
+            </a:extLst>
+          </p:cNvPr>
+          <p:cNvSpPr>
+            <a:spLocks noGrp="1"/>
+          </p:cNvSpPr>
+          <p:nvPr>
+            <p:ph type="title"/>
+          </p:nvPr>
+        </p:nvSpPr>
+        <p:spPr>
+          <a:xfrm>
+            <a:off x="838200" y="2766218"/>
+            <a:ext cx="10515600" cy="1325563"/>
+          </a:xfrm>
+        </p:spPr>
+        <p:txBody>
+          <a:bodyPr/>
+          <a:lstStyle/>
+          <a:p>
+            <a:r>
+              <a:rPr lang="en-US" dirty="0">
+                <a:latin typeface="Century Gothic" panose="020B0502020202020204" pitchFamily="34" charset="0"/>
+              </a:rPr>
+              <a:t>Conclusions &amp; Findings</a:t>
+            </a:r>
+          </a:p>
+        </p:txBody>
+      </p:sp>
     </p:spTree>
     <p:extLst>
       <p:ext uri="{BB962C8B-B14F-4D97-AF65-F5344CB8AC3E}">
-        <p14:creationId xmlns:p14="http://schemas.microsoft.com/office/powerpoint/2010/main" val="328680787"/>
+        <p14:creationId xmlns:p14="http://schemas.microsoft.com/office/powerpoint/2010/main" val="4257870789"/>
       </p:ext>
     </p:extLst>
   </p:cSld>
@@ -7936,40 +10420,190 @@
           <a:chExt cx="0" cy="0"/>
         </a:xfrm>
       </p:grpSpPr>
-      <p:pic>
-        <p:nvPicPr>
-          <p:cNvPr id="4" name="Picture 3" descr="A picture containing text, map&#10;&#10;Description automatically generated">
-            <a:extLst>
-              <a:ext uri="{FF2B5EF4-FFF2-40B4-BE49-F238E27FC236}">
-                <a16:creationId xmlns:a16="http://schemas.microsoft.com/office/drawing/2014/main" id="{AD997E56-E323-C24D-BBBF-996A3658A4D5}"/>
-              </a:ext>
-            </a:extLst>
-          </p:cNvPr>
-          <p:cNvPicPr>
-            <a:picLocks noChangeAspect="1"/>
-          </p:cNvPicPr>
-          <p:nvPr/>
-        </p:nvPicPr>
-        <p:blipFill>
-          <a:blip r:embed="rId2"/>
-          <a:stretch>
-            <a:fillRect/>
-          </a:stretch>
-        </p:blipFill>
-        <p:spPr>
-          <a:xfrm>
-            <a:off x="1116541" y="0"/>
-            <a:ext cx="9958917" cy="6858000"/>
-          </a:xfrm>
-          <a:prstGeom prst="rect">
-            <a:avLst/>
-          </a:prstGeom>
-        </p:spPr>
-      </p:pic>
+      <p:sp>
+        <p:nvSpPr>
+          <p:cNvPr id="2" name="Title 1">
+            <a:extLst>
+              <a:ext uri="{FF2B5EF4-FFF2-40B4-BE49-F238E27FC236}">
+                <a16:creationId xmlns:a16="http://schemas.microsoft.com/office/drawing/2014/main" id="{366DBC7F-CD44-0446-9A32-A205FA3FCD55}"/>
+              </a:ext>
+            </a:extLst>
+          </p:cNvPr>
+          <p:cNvSpPr>
+            <a:spLocks noGrp="1"/>
+          </p:cNvSpPr>
+          <p:nvPr>
+            <p:ph type="title"/>
+          </p:nvPr>
+        </p:nvSpPr>
+        <p:spPr/>
+        <p:txBody>
+          <a:bodyPr/>
+          <a:lstStyle/>
+          <a:p>
+            <a:r>
+              <a:rPr lang="en-US" dirty="0">
+                <a:solidFill>
+                  <a:schemeClr val="accent6"/>
+                </a:solidFill>
+                <a:latin typeface="Century Gothic" panose="020B0502020202020204" pitchFamily="34" charset="0"/>
+              </a:rPr>
+              <a:t>Outcomes</a:t>
+            </a:r>
+          </a:p>
+        </p:txBody>
+      </p:sp>
+      <p:sp>
+        <p:nvSpPr>
+          <p:cNvPr id="3" name="Content Placeholder 2">
+            <a:extLst>
+              <a:ext uri="{FF2B5EF4-FFF2-40B4-BE49-F238E27FC236}">
+                <a16:creationId xmlns:a16="http://schemas.microsoft.com/office/drawing/2014/main" id="{607372A5-D75B-AF4B-9CEE-854A15B6A9BB}"/>
+              </a:ext>
+            </a:extLst>
+          </p:cNvPr>
+          <p:cNvSpPr>
+            <a:spLocks noGrp="1"/>
+          </p:cNvSpPr>
+          <p:nvPr>
+            <p:ph idx="1"/>
+          </p:nvPr>
+        </p:nvSpPr>
+        <p:spPr/>
+        <p:txBody>
+          <a:bodyPr>
+            <a:normAutofit fontScale="70000" lnSpcReduction="20000"/>
+          </a:bodyPr>
+          <a:lstStyle/>
+          <a:p>
+            <a:r>
+              <a:rPr lang="en-US" dirty="0">
+                <a:latin typeface="Century Gothic" panose="020B0502020202020204" pitchFamily="34" charset="0"/>
+              </a:rPr>
+              <a:t>Python Script </a:t>
+            </a:r>
+          </a:p>
+          <a:p>
+            <a:pPr lvl="1"/>
+            <a:r>
+              <a:rPr lang="en-US" dirty="0">
+                <a:latin typeface="Century Gothic" panose="020B0502020202020204" pitchFamily="34" charset="0"/>
+              </a:rPr>
+              <a:t>Scrapes daily excel files, read, clean and concatenate Forwards Data available on SNL Market Intelligence Platform!</a:t>
+            </a:r>
+          </a:p>
+          <a:p>
+            <a:r>
+              <a:rPr lang="en-US" dirty="0">
+                <a:latin typeface="Century Gothic" panose="020B0502020202020204" pitchFamily="34" charset="0"/>
+              </a:rPr>
+              <a:t>ERCOT market level analysis of futures prices</a:t>
+            </a:r>
+          </a:p>
+          <a:p>
+            <a:pPr lvl="1"/>
+            <a:r>
+              <a:rPr lang="en-US" sz="2000" dirty="0">
+                <a:latin typeface="Century Gothic" panose="020B0502020202020204" pitchFamily="34" charset="0"/>
+              </a:rPr>
+              <a:t>Futures predictions from 2012-2020 overall follow expected trends of decreasing errors as time gets closer</a:t>
+            </a:r>
+          </a:p>
+          <a:p>
+            <a:pPr lvl="1"/>
+            <a:r>
+              <a:rPr lang="en-US" sz="2000" dirty="0">
+                <a:latin typeface="Century Gothic" panose="020B0502020202020204" pitchFamily="34" charset="0"/>
+              </a:rPr>
+              <a:t>Variations in the 10-Year view fluctuate when further out due to uncertainty, decrease, then increase again within approximately 2-3 years due to increased trading volumes </a:t>
+            </a:r>
+          </a:p>
+          <a:p>
+            <a:pPr lvl="1"/>
+            <a:r>
+              <a:rPr lang="en-US" sz="2000" dirty="0">
+                <a:latin typeface="Century Gothic" panose="020B0502020202020204" pitchFamily="34" charset="0"/>
+              </a:rPr>
+              <a:t>A 1-year look shows Off Peak prices generally under predict real prices, while ATC and On peak over predict</a:t>
+            </a:r>
+          </a:p>
+          <a:p>
+            <a:pPr lvl="1"/>
+            <a:r>
+              <a:rPr lang="en-US" sz="2000" dirty="0">
+                <a:latin typeface="Century Gothic" panose="020B0502020202020204" pitchFamily="34" charset="0"/>
+              </a:rPr>
+              <a:t>1-year volatility view shows increased volatility during month of Term and High volatility between 150 and 50 days out, most likely due to trading</a:t>
+            </a:r>
+          </a:p>
+          <a:p>
+            <a:r>
+              <a:rPr lang="en-US" sz="2400" dirty="0">
+                <a:latin typeface="Century Gothic" panose="020B0502020202020204" pitchFamily="34" charset="0"/>
+              </a:rPr>
+              <a:t>Variation of 2015 deals</a:t>
+            </a:r>
+          </a:p>
+          <a:p>
+            <a:pPr lvl="1"/>
+            <a:r>
+              <a:rPr lang="en-US" sz="2000" dirty="0">
+                <a:latin typeface="Century Gothic" panose="020B0502020202020204" pitchFamily="34" charset="0"/>
+              </a:rPr>
+              <a:t>High volatility is experienced for all January terms in 2015-2020 when the As of Date is between Jan-March or July-September</a:t>
+            </a:r>
+          </a:p>
+          <a:p>
+            <a:pPr lvl="1"/>
+            <a:r>
+              <a:rPr lang="en-US" sz="2000" dirty="0">
+                <a:latin typeface="Century Gothic" panose="020B0502020202020204" pitchFamily="34" charset="0"/>
+              </a:rPr>
+              <a:t>Volatility Decreases as the year closes, from November to end of December</a:t>
+            </a:r>
+          </a:p>
+          <a:p>
+            <a:pPr lvl="1"/>
+            <a:r>
+              <a:rPr lang="en-US" sz="2000" dirty="0">
+                <a:latin typeface="Century Gothic" panose="020B0502020202020204" pitchFamily="34" charset="0"/>
+              </a:rPr>
+              <a:t>Each year generally follows the same trendline in Forward Prices (predictions), and Prediction Loss, with slight shifts between different Term Years.</a:t>
+            </a:r>
+          </a:p>
+          <a:p>
+            <a:pPr lvl="1"/>
+            <a:r>
+              <a:rPr lang="en-US" sz="2000" dirty="0">
+                <a:latin typeface="Century Gothic" panose="020B0502020202020204" pitchFamily="34" charset="0"/>
+              </a:rPr>
+              <a:t>Lowest prediction error if pricing in Nov-December rather than earlier in the year.</a:t>
+            </a:r>
+          </a:p>
+          <a:p>
+            <a:pPr lvl="1"/>
+            <a:endParaRPr lang="en-US" sz="2000" dirty="0">
+              <a:latin typeface="Century Gothic" panose="020B0502020202020204" pitchFamily="34" charset="0"/>
+            </a:endParaRPr>
+          </a:p>
+          <a:p>
+            <a:pPr lvl="1"/>
+            <a:endParaRPr lang="en-US" sz="2800" dirty="0">
+              <a:latin typeface="Century Gothic" panose="020B0502020202020204" pitchFamily="34" charset="0"/>
+            </a:endParaRPr>
+          </a:p>
+          <a:p>
+            <a:pPr lvl="1"/>
+            <a:endParaRPr lang="en-US" sz="2800" dirty="0">
+              <a:latin typeface="Century Gothic" panose="020B0502020202020204" pitchFamily="34" charset="0"/>
+            </a:endParaRPr>
+          </a:p>
+        </p:txBody>
+      </p:sp>
     </p:spTree>
     <p:extLst>
       <p:ext uri="{BB962C8B-B14F-4D97-AF65-F5344CB8AC3E}">
-        <p14:creationId xmlns:p14="http://schemas.microsoft.com/office/powerpoint/2010/main" val="2313964318"/>
+        <p14:creationId xmlns:p14="http://schemas.microsoft.com/office/powerpoint/2010/main" val="3609705243"/>
       </p:ext>
     </p:extLst>
   </p:cSld>
@@ -7996,12 +10630,302 @@
           <a:chExt cx="0" cy="0"/>
         </a:xfrm>
       </p:grpSpPr>
+      <p:sp>
+        <p:nvSpPr>
+          <p:cNvPr id="2" name="Title 1">
+            <a:extLst>
+              <a:ext uri="{FF2B5EF4-FFF2-40B4-BE49-F238E27FC236}">
+                <a16:creationId xmlns:a16="http://schemas.microsoft.com/office/drawing/2014/main" id="{CD64B00D-ABE7-5947-9C76-EB5E65827A43}"/>
+              </a:ext>
+            </a:extLst>
+          </p:cNvPr>
+          <p:cNvSpPr>
+            <a:spLocks noGrp="1"/>
+          </p:cNvSpPr>
+          <p:nvPr>
+            <p:ph type="title"/>
+          </p:nvPr>
+        </p:nvSpPr>
+        <p:spPr/>
+        <p:txBody>
+          <a:bodyPr/>
+          <a:lstStyle/>
+          <a:p>
+            <a:r>
+              <a:rPr lang="en-US" dirty="0">
+                <a:solidFill>
+                  <a:schemeClr val="accent6"/>
+                </a:solidFill>
+                <a:latin typeface="Century Gothic" panose="020B0502020202020204" pitchFamily="34" charset="0"/>
+              </a:rPr>
+              <a:t>What’s Next</a:t>
+            </a:r>
+          </a:p>
+        </p:txBody>
+      </p:sp>
+      <p:sp>
+        <p:nvSpPr>
+          <p:cNvPr id="3" name="Content Placeholder 2">
+            <a:extLst>
+              <a:ext uri="{FF2B5EF4-FFF2-40B4-BE49-F238E27FC236}">
+                <a16:creationId xmlns:a16="http://schemas.microsoft.com/office/drawing/2014/main" id="{687D1D11-DDB7-8244-8CE4-EA6DB04BCDDC}"/>
+              </a:ext>
+            </a:extLst>
+          </p:cNvPr>
+          <p:cNvSpPr>
+            <a:spLocks noGrp="1"/>
+          </p:cNvSpPr>
+          <p:nvPr>
+            <p:ph idx="1"/>
+          </p:nvPr>
+        </p:nvSpPr>
+        <p:spPr/>
+        <p:txBody>
+          <a:bodyPr/>
+          <a:lstStyle/>
+          <a:p>
+            <a:r>
+              <a:rPr lang="en-US" dirty="0">
+                <a:latin typeface="Century Gothic" panose="020B0502020202020204" pitchFamily="34" charset="0"/>
+              </a:rPr>
+              <a:t> Local to Cloud Movement</a:t>
+            </a:r>
+          </a:p>
+          <a:p>
+            <a:pPr lvl="1"/>
+            <a:r>
+              <a:rPr lang="en-US" dirty="0">
+                <a:latin typeface="Century Gothic" panose="020B0502020202020204" pitchFamily="34" charset="0"/>
+              </a:rPr>
+              <a:t>Validation of Data Consistency (Are all dates on SNL, and if so, are all of them downloaded?)</a:t>
+            </a:r>
+          </a:p>
+          <a:p>
+            <a:pPr lvl="1"/>
+            <a:r>
+              <a:rPr lang="en-US" dirty="0">
+                <a:latin typeface="Century Gothic" panose="020B0502020202020204" pitchFamily="34" charset="0"/>
+              </a:rPr>
+              <a:t>Upload to Azure Databricks for daily automation of As Of Date Futures predictions</a:t>
+            </a:r>
+          </a:p>
+          <a:p>
+            <a:r>
+              <a:rPr lang="en-US" dirty="0">
+                <a:latin typeface="Century Gothic" panose="020B0502020202020204" pitchFamily="34" charset="0"/>
+              </a:rPr>
+              <a:t>Generalization of Findings</a:t>
+            </a:r>
+          </a:p>
+          <a:p>
+            <a:pPr lvl="1"/>
+            <a:r>
+              <a:rPr lang="en-US" dirty="0">
+                <a:latin typeface="Century Gothic" panose="020B0502020202020204" pitchFamily="34" charset="0"/>
+              </a:rPr>
+              <a:t>How does the pricing vary over a year time not just in 2015, but other years?</a:t>
+            </a:r>
+          </a:p>
+          <a:p>
+            <a:pPr lvl="1"/>
+            <a:r>
+              <a:rPr lang="en-US" dirty="0">
+                <a:latin typeface="Century Gothic" panose="020B0502020202020204" pitchFamily="34" charset="0"/>
+              </a:rPr>
+              <a:t>What do other markets and their Submarkets look like?</a:t>
+            </a:r>
+          </a:p>
+          <a:p>
+            <a:pPr lvl="1"/>
+            <a:r>
+              <a:rPr lang="en-US" dirty="0">
+                <a:latin typeface="Century Gothic" panose="020B0502020202020204" pitchFamily="34" charset="0"/>
+              </a:rPr>
+              <a:t>How does this affect the Prius Pricing Model? Test a deal today using these trends?</a:t>
+            </a:r>
+          </a:p>
+        </p:txBody>
+      </p:sp>
+    </p:spTree>
+    <p:extLst>
+      <p:ext uri="{BB962C8B-B14F-4D97-AF65-F5344CB8AC3E}">
+        <p14:creationId xmlns:p14="http://schemas.microsoft.com/office/powerpoint/2010/main" val="3271260375"/>
+      </p:ext>
+    </p:extLst>
+  </p:cSld>
+  <p:clrMapOvr>
+    <a:masterClrMapping/>
+  </p:clrMapOvr>
+</p:sld>
+</file>
+
+<file path=ppt/slides/slide34.xml><?xml version="1.0" encoding="utf-8"?>
+<p:sld xmlns:a="http://schemas.openxmlformats.org/drawingml/2006/main" xmlns:r="http://schemas.openxmlformats.org/officeDocument/2006/relationships" xmlns:p="http://schemas.openxmlformats.org/presentationml/2006/main">
+  <p:cSld>
+    <p:bg>
+      <p:bgPr>
+        <a:solidFill>
+          <a:schemeClr val="accent6">
+            <a:lumMod val="40000"/>
+            <a:lumOff val="60000"/>
+          </a:schemeClr>
+        </a:solidFill>
+        <a:effectLst/>
+      </p:bgPr>
+    </p:bg>
+    <p:spTree>
+      <p:nvGrpSpPr>
+        <p:cNvPr id="1" name=""/>
+        <p:cNvGrpSpPr/>
+        <p:nvPr/>
+      </p:nvGrpSpPr>
+      <p:grpSpPr>
+        <a:xfrm>
+          <a:off x="0" y="0"/>
+          <a:ext cx="0" cy="0"/>
+          <a:chOff x="0" y="0"/>
+          <a:chExt cx="0" cy="0"/>
+        </a:xfrm>
+      </p:grpSpPr>
+      <p:sp>
+        <p:nvSpPr>
+          <p:cNvPr id="2" name="Title 1">
+            <a:extLst>
+              <a:ext uri="{FF2B5EF4-FFF2-40B4-BE49-F238E27FC236}">
+                <a16:creationId xmlns:a16="http://schemas.microsoft.com/office/drawing/2014/main" id="{CB78CD62-6C2E-8F43-96E2-6E822086B03D}"/>
+              </a:ext>
+            </a:extLst>
+          </p:cNvPr>
+          <p:cNvSpPr>
+            <a:spLocks noGrp="1"/>
+          </p:cNvSpPr>
+          <p:nvPr>
+            <p:ph type="title"/>
+          </p:nvPr>
+        </p:nvSpPr>
+        <p:spPr>
+          <a:xfrm>
+            <a:off x="838200" y="2766218"/>
+            <a:ext cx="10515600" cy="1325563"/>
+          </a:xfrm>
+        </p:spPr>
+        <p:txBody>
+          <a:bodyPr/>
+          <a:lstStyle/>
+          <a:p>
+            <a:r>
+              <a:rPr lang="en-US" dirty="0">
+                <a:solidFill>
+                  <a:schemeClr val="bg1"/>
+                </a:solidFill>
+                <a:latin typeface="Century Gothic" panose="020B0502020202020204" pitchFamily="34" charset="0"/>
+              </a:rPr>
+              <a:t>Thank You!</a:t>
+            </a:r>
+          </a:p>
+        </p:txBody>
+      </p:sp>
+    </p:spTree>
+    <p:extLst>
+      <p:ext uri="{BB962C8B-B14F-4D97-AF65-F5344CB8AC3E}">
+        <p14:creationId xmlns:p14="http://schemas.microsoft.com/office/powerpoint/2010/main" val="1880365492"/>
+      </p:ext>
+    </p:extLst>
+  </p:cSld>
+  <p:clrMapOvr>
+    <a:masterClrMapping/>
+  </p:clrMapOvr>
+</p:sld>
+</file>
+
+<file path=ppt/slides/slide35.xml><?xml version="1.0" encoding="utf-8"?>
+<p:sld xmlns:a="http://schemas.openxmlformats.org/drawingml/2006/main" xmlns:r="http://schemas.openxmlformats.org/officeDocument/2006/relationships" xmlns:p="http://schemas.openxmlformats.org/presentationml/2006/main">
+  <p:cSld>
+    <p:spTree>
+      <p:nvGrpSpPr>
+        <p:cNvPr id="1" name=""/>
+        <p:cNvGrpSpPr/>
+        <p:nvPr/>
+      </p:nvGrpSpPr>
+      <p:grpSpPr>
+        <a:xfrm>
+          <a:off x="0" y="0"/>
+          <a:ext cx="0" cy="0"/>
+          <a:chOff x="0" y="0"/>
+          <a:chExt cx="0" cy="0"/>
+        </a:xfrm>
+      </p:grpSpPr>
+      <p:sp>
+        <p:nvSpPr>
+          <p:cNvPr id="2" name="Title 1">
+            <a:extLst>
+              <a:ext uri="{FF2B5EF4-FFF2-40B4-BE49-F238E27FC236}">
+                <a16:creationId xmlns:a16="http://schemas.microsoft.com/office/drawing/2014/main" id="{CB78CD62-6C2E-8F43-96E2-6E822086B03D}"/>
+              </a:ext>
+            </a:extLst>
+          </p:cNvPr>
+          <p:cNvSpPr>
+            <a:spLocks noGrp="1"/>
+          </p:cNvSpPr>
+          <p:nvPr>
+            <p:ph type="title"/>
+          </p:nvPr>
+        </p:nvSpPr>
+        <p:spPr>
+          <a:xfrm>
+            <a:off x="838200" y="2766218"/>
+            <a:ext cx="10515600" cy="1325563"/>
+          </a:xfrm>
+        </p:spPr>
+        <p:txBody>
+          <a:bodyPr/>
+          <a:lstStyle/>
+          <a:p>
+            <a:r>
+              <a:rPr lang="en-US" dirty="0">
+                <a:latin typeface="Century Gothic" panose="020B0502020202020204" pitchFamily="34" charset="0"/>
+              </a:rPr>
+              <a:t>APPENDIX</a:t>
+            </a:r>
+          </a:p>
+        </p:txBody>
+      </p:sp>
+    </p:spTree>
+    <p:extLst>
+      <p:ext uri="{BB962C8B-B14F-4D97-AF65-F5344CB8AC3E}">
+        <p14:creationId xmlns:p14="http://schemas.microsoft.com/office/powerpoint/2010/main" val="1408622436"/>
+      </p:ext>
+    </p:extLst>
+  </p:cSld>
+  <p:clrMapOvr>
+    <a:masterClrMapping/>
+  </p:clrMapOvr>
+</p:sld>
+</file>
+
+<file path=ppt/slides/slide36.xml><?xml version="1.0" encoding="utf-8"?>
+<p:sld xmlns:a="http://schemas.openxmlformats.org/drawingml/2006/main" xmlns:r="http://schemas.openxmlformats.org/officeDocument/2006/relationships" xmlns:p="http://schemas.openxmlformats.org/presentationml/2006/main">
+  <p:cSld>
+    <p:spTree>
+      <p:nvGrpSpPr>
+        <p:cNvPr id="1" name=""/>
+        <p:cNvGrpSpPr/>
+        <p:nvPr/>
+      </p:nvGrpSpPr>
+      <p:grpSpPr>
+        <a:xfrm>
+          <a:off x="0" y="0"/>
+          <a:ext cx="0" cy="0"/>
+          <a:chOff x="0" y="0"/>
+          <a:chExt cx="0" cy="0"/>
+        </a:xfrm>
+      </p:grpSpPr>
       <p:pic>
         <p:nvPicPr>
-          <p:cNvPr id="4" name="Content Placeholder 4" descr="A close up of a map&#10;&#10;Description automatically generated">
-            <a:extLst>
-              <a:ext uri="{FF2B5EF4-FFF2-40B4-BE49-F238E27FC236}">
-                <a16:creationId xmlns:a16="http://schemas.microsoft.com/office/drawing/2014/main" id="{E10B6BAD-F710-4049-9839-3D2FB7E87E7E}"/>
+          <p:cNvPr id="4" name="Picture 3" descr="A close up of a map&#10;&#10;Description automatically generated">
+            <a:extLst>
+              <a:ext uri="{FF2B5EF4-FFF2-40B4-BE49-F238E27FC236}">
+                <a16:creationId xmlns:a16="http://schemas.microsoft.com/office/drawing/2014/main" id="{6BE5F839-ADCB-594A-86D3-ADDCDE5FCE67}"/>
               </a:ext>
             </a:extLst>
           </p:cNvPr>
@@ -8018,18 +10942,474 @@
         </p:blipFill>
         <p:spPr>
           <a:xfrm>
-            <a:off x="1116542" y="0"/>
-            <a:ext cx="9958916" cy="6858000"/>
+            <a:off x="1093694" y="1678828"/>
+            <a:ext cx="9628094" cy="4814047"/>
           </a:xfrm>
           <a:prstGeom prst="rect">
             <a:avLst/>
           </a:prstGeom>
         </p:spPr>
       </p:pic>
+      <p:sp>
+        <p:nvSpPr>
+          <p:cNvPr id="5" name="Title 1">
+            <a:extLst>
+              <a:ext uri="{FF2B5EF4-FFF2-40B4-BE49-F238E27FC236}">
+                <a16:creationId xmlns:a16="http://schemas.microsoft.com/office/drawing/2014/main" id="{3E478D70-E969-7F4D-8EE8-701F23F42811}"/>
+              </a:ext>
+            </a:extLst>
+          </p:cNvPr>
+          <p:cNvSpPr txBox="1">
+            <a:spLocks/>
+          </p:cNvSpPr>
+          <p:nvPr/>
+        </p:nvSpPr>
+        <p:spPr>
+          <a:xfrm>
+            <a:off x="838200" y="365125"/>
+            <a:ext cx="10515600" cy="1325563"/>
+          </a:xfrm>
+          <a:prstGeom prst="rect">
+            <a:avLst/>
+          </a:prstGeom>
+        </p:spPr>
+        <p:txBody>
+          <a:bodyPr vert="horz" lIns="91440" tIns="45720" rIns="91440" bIns="45720" rtlCol="0" anchor="ctr">
+            <a:normAutofit/>
+          </a:bodyPr>
+          <a:lstStyle>
+            <a:lvl1pPr algn="l" defTabSz="914400" rtl="0" eaLnBrk="1" latinLnBrk="0" hangingPunct="1">
+              <a:lnSpc>
+                <a:spcPct val="90000"/>
+              </a:lnSpc>
+              <a:spcBef>
+                <a:spcPct val="0"/>
+              </a:spcBef>
+              <a:buNone/>
+              <a:defRPr sz="4400" kern="1200">
+                <a:solidFill>
+                  <a:schemeClr val="tx1"/>
+                </a:solidFill>
+                <a:latin typeface="+mj-lt"/>
+                <a:ea typeface="+mj-ea"/>
+                <a:cs typeface="+mj-cs"/>
+              </a:defRPr>
+            </a:lvl1pPr>
+          </a:lstStyle>
+          <a:p>
+            <a:r>
+              <a:rPr lang="en-US" dirty="0">
+                <a:latin typeface="Century Gothic" panose="020B0502020202020204" pitchFamily="34" charset="0"/>
+              </a:rPr>
+              <a:t>Data Consistency</a:t>
+            </a:r>
+          </a:p>
+        </p:txBody>
+      </p:sp>
     </p:spTree>
     <p:extLst>
       <p:ext uri="{BB962C8B-B14F-4D97-AF65-F5344CB8AC3E}">
-        <p14:creationId xmlns:p14="http://schemas.microsoft.com/office/powerpoint/2010/main" val="189216964"/>
+        <p14:creationId xmlns:p14="http://schemas.microsoft.com/office/powerpoint/2010/main" val="1903670896"/>
+      </p:ext>
+    </p:extLst>
+  </p:cSld>
+  <p:clrMapOvr>
+    <a:masterClrMapping/>
+  </p:clrMapOvr>
+</p:sld>
+</file>
+
+<file path=ppt/slides/slide37.xml><?xml version="1.0" encoding="utf-8"?>
+<p:sld xmlns:a="http://schemas.openxmlformats.org/drawingml/2006/main" xmlns:r="http://schemas.openxmlformats.org/officeDocument/2006/relationships" xmlns:p="http://schemas.openxmlformats.org/presentationml/2006/main">
+  <p:cSld>
+    <p:spTree>
+      <p:nvGrpSpPr>
+        <p:cNvPr id="1" name=""/>
+        <p:cNvGrpSpPr/>
+        <p:nvPr/>
+      </p:nvGrpSpPr>
+      <p:grpSpPr>
+        <a:xfrm>
+          <a:off x="0" y="0"/>
+          <a:ext cx="0" cy="0"/>
+          <a:chOff x="0" y="0"/>
+          <a:chExt cx="0" cy="0"/>
+        </a:xfrm>
+      </p:grpSpPr>
+      <p:pic>
+        <p:nvPicPr>
+          <p:cNvPr id="4" name="Picture 3" descr="A close up of a map&#10;&#10;Description automatically generated">
+            <a:extLst>
+              <a:ext uri="{FF2B5EF4-FFF2-40B4-BE49-F238E27FC236}">
+                <a16:creationId xmlns:a16="http://schemas.microsoft.com/office/drawing/2014/main" id="{6BE5F839-ADCB-594A-86D3-ADDCDE5FCE67}"/>
+              </a:ext>
+            </a:extLst>
+          </p:cNvPr>
+          <p:cNvPicPr>
+            <a:picLocks noChangeAspect="1"/>
+          </p:cNvPicPr>
+          <p:nvPr/>
+        </p:nvPicPr>
+        <p:blipFill>
+          <a:blip r:embed="rId2"/>
+          <a:stretch>
+            <a:fillRect/>
+          </a:stretch>
+        </p:blipFill>
+        <p:spPr>
+          <a:xfrm>
+            <a:off x="1093694" y="1678828"/>
+            <a:ext cx="9628094" cy="4814047"/>
+          </a:xfrm>
+          <a:prstGeom prst="rect">
+            <a:avLst/>
+          </a:prstGeom>
+        </p:spPr>
+      </p:pic>
+      <p:sp>
+        <p:nvSpPr>
+          <p:cNvPr id="5" name="Title 1">
+            <a:extLst>
+              <a:ext uri="{FF2B5EF4-FFF2-40B4-BE49-F238E27FC236}">
+                <a16:creationId xmlns:a16="http://schemas.microsoft.com/office/drawing/2014/main" id="{3E478D70-E969-7F4D-8EE8-701F23F42811}"/>
+              </a:ext>
+            </a:extLst>
+          </p:cNvPr>
+          <p:cNvSpPr txBox="1">
+            <a:spLocks/>
+          </p:cNvSpPr>
+          <p:nvPr/>
+        </p:nvSpPr>
+        <p:spPr>
+          <a:xfrm>
+            <a:off x="838200" y="365125"/>
+            <a:ext cx="10515600" cy="1325563"/>
+          </a:xfrm>
+          <a:prstGeom prst="rect">
+            <a:avLst/>
+          </a:prstGeom>
+        </p:spPr>
+        <p:txBody>
+          <a:bodyPr vert="horz" lIns="91440" tIns="45720" rIns="91440" bIns="45720" rtlCol="0" anchor="ctr">
+            <a:normAutofit/>
+          </a:bodyPr>
+          <a:lstStyle>
+            <a:lvl1pPr algn="l" defTabSz="914400" rtl="0" eaLnBrk="1" latinLnBrk="0" hangingPunct="1">
+              <a:lnSpc>
+                <a:spcPct val="90000"/>
+              </a:lnSpc>
+              <a:spcBef>
+                <a:spcPct val="0"/>
+              </a:spcBef>
+              <a:buNone/>
+              <a:defRPr sz="4400" kern="1200">
+                <a:solidFill>
+                  <a:schemeClr val="tx1"/>
+                </a:solidFill>
+                <a:latin typeface="+mj-lt"/>
+                <a:ea typeface="+mj-ea"/>
+                <a:cs typeface="+mj-cs"/>
+              </a:defRPr>
+            </a:lvl1pPr>
+          </a:lstStyle>
+          <a:p>
+            <a:r>
+              <a:rPr lang="en-US" dirty="0">
+                <a:latin typeface="Century Gothic" panose="020B0502020202020204" pitchFamily="34" charset="0"/>
+              </a:rPr>
+              <a:t>Data Consistency</a:t>
+            </a:r>
+          </a:p>
+        </p:txBody>
+      </p:sp>
+      <p:sp>
+        <p:nvSpPr>
+          <p:cNvPr id="6" name="Rectangle 5">
+            <a:extLst>
+              <a:ext uri="{FF2B5EF4-FFF2-40B4-BE49-F238E27FC236}">
+                <a16:creationId xmlns:a16="http://schemas.microsoft.com/office/drawing/2014/main" id="{85BD8D53-4FD8-614A-8970-2E0EC0AEC409}"/>
+              </a:ext>
+            </a:extLst>
+          </p:cNvPr>
+          <p:cNvSpPr/>
+          <p:nvPr/>
+        </p:nvSpPr>
+        <p:spPr>
+          <a:xfrm>
+            <a:off x="8014447" y="2241175"/>
+            <a:ext cx="340659" cy="3765178"/>
+          </a:xfrm>
+          <a:prstGeom prst="rect">
+            <a:avLst/>
+          </a:prstGeom>
+          <a:solidFill>
+            <a:srgbClr val="FF0000">
+              <a:alpha val="16863"/>
+            </a:srgbClr>
+          </a:solidFill>
+          <a:ln>
+            <a:noFill/>
+          </a:ln>
+        </p:spPr>
+        <p:style>
+          <a:lnRef idx="2">
+            <a:schemeClr val="accent1">
+              <a:shade val="50000"/>
+            </a:schemeClr>
+          </a:lnRef>
+          <a:fillRef idx="1">
+            <a:schemeClr val="accent1"/>
+          </a:fillRef>
+          <a:effectRef idx="0">
+            <a:schemeClr val="accent1"/>
+          </a:effectRef>
+          <a:fontRef idx="minor">
+            <a:schemeClr val="lt1"/>
+          </a:fontRef>
+        </p:style>
+        <p:txBody>
+          <a:bodyPr vert="wordArtVert" rtlCol="0" anchor="ctr"/>
+          <a:lstStyle/>
+          <a:p>
+            <a:pPr algn="ctr"/>
+            <a:r>
+              <a:rPr lang="en-US" sz="1400" dirty="0">
+                <a:solidFill>
+                  <a:srgbClr val="FF0000"/>
+                </a:solidFill>
+                <a:latin typeface="Century Gothic" panose="020B0502020202020204" pitchFamily="34" charset="0"/>
+              </a:rPr>
+              <a:t>Data missing?</a:t>
+            </a:r>
+          </a:p>
+        </p:txBody>
+      </p:sp>
+    </p:spTree>
+    <p:extLst>
+      <p:ext uri="{BB962C8B-B14F-4D97-AF65-F5344CB8AC3E}">
+        <p14:creationId xmlns:p14="http://schemas.microsoft.com/office/powerpoint/2010/main" val="4222028314"/>
+      </p:ext>
+    </p:extLst>
+  </p:cSld>
+  <p:clrMapOvr>
+    <a:masterClrMapping/>
+  </p:clrMapOvr>
+</p:sld>
+</file>
+
+<file path=ppt/slides/slide38.xml><?xml version="1.0" encoding="utf-8"?>
+<p:sld xmlns:a="http://schemas.openxmlformats.org/drawingml/2006/main" xmlns:r="http://schemas.openxmlformats.org/officeDocument/2006/relationships" xmlns:p="http://schemas.openxmlformats.org/presentationml/2006/main">
+  <p:cSld>
+    <p:spTree>
+      <p:nvGrpSpPr>
+        <p:cNvPr id="1" name=""/>
+        <p:cNvGrpSpPr/>
+        <p:nvPr/>
+      </p:nvGrpSpPr>
+      <p:grpSpPr>
+        <a:xfrm>
+          <a:off x="0" y="0"/>
+          <a:ext cx="0" cy="0"/>
+          <a:chOff x="0" y="0"/>
+          <a:chExt cx="0" cy="0"/>
+        </a:xfrm>
+      </p:grpSpPr>
+      <p:sp>
+        <p:nvSpPr>
+          <p:cNvPr id="2" name="Title 1">
+            <a:extLst>
+              <a:ext uri="{FF2B5EF4-FFF2-40B4-BE49-F238E27FC236}">
+                <a16:creationId xmlns:a16="http://schemas.microsoft.com/office/drawing/2014/main" id="{11EC3C57-9B39-A345-A831-A1CFE275202D}"/>
+              </a:ext>
+            </a:extLst>
+          </p:cNvPr>
+          <p:cNvSpPr>
+            <a:spLocks noGrp="1"/>
+          </p:cNvSpPr>
+          <p:nvPr>
+            <p:ph type="title"/>
+          </p:nvPr>
+        </p:nvSpPr>
+        <p:spPr>
+          <a:xfrm>
+            <a:off x="838200" y="96183"/>
+            <a:ext cx="10515600" cy="1325563"/>
+          </a:xfrm>
+        </p:spPr>
+        <p:txBody>
+          <a:bodyPr/>
+          <a:lstStyle/>
+          <a:p>
+            <a:r>
+              <a:rPr lang="en-US" dirty="0">
+                <a:latin typeface="Century Gothic" panose="020B0502020202020204" pitchFamily="34" charset="0"/>
+              </a:rPr>
+              <a:t>Data Consistency</a:t>
+            </a:r>
+          </a:p>
+        </p:txBody>
+      </p:sp>
+      <p:pic>
+        <p:nvPicPr>
+          <p:cNvPr id="4" name="Picture 3">
+            <a:extLst>
+              <a:ext uri="{FF2B5EF4-FFF2-40B4-BE49-F238E27FC236}">
+                <a16:creationId xmlns:a16="http://schemas.microsoft.com/office/drawing/2014/main" id="{7280425C-5B09-2F48-85F2-E26B7906AAAE}"/>
+              </a:ext>
+            </a:extLst>
+          </p:cNvPr>
+          <p:cNvPicPr>
+            <a:picLocks noChangeAspect="1"/>
+          </p:cNvPicPr>
+          <p:nvPr/>
+        </p:nvPicPr>
+        <p:blipFill>
+          <a:blip r:embed="rId3"/>
+          <a:stretch>
+            <a:fillRect/>
+          </a:stretch>
+        </p:blipFill>
+        <p:spPr>
+          <a:xfrm>
+            <a:off x="222250" y="960670"/>
+            <a:ext cx="11747500" cy="5486400"/>
+          </a:xfrm>
+          <a:prstGeom prst="rect">
+            <a:avLst/>
+          </a:prstGeom>
+        </p:spPr>
+      </p:pic>
+      <p:sp>
+        <p:nvSpPr>
+          <p:cNvPr id="5" name="Rectangle 4">
+            <a:extLst>
+              <a:ext uri="{FF2B5EF4-FFF2-40B4-BE49-F238E27FC236}">
+                <a16:creationId xmlns:a16="http://schemas.microsoft.com/office/drawing/2014/main" id="{54FB8FB4-78D5-1545-A2AE-578D79A74388}"/>
+              </a:ext>
+            </a:extLst>
+          </p:cNvPr>
+          <p:cNvSpPr/>
+          <p:nvPr/>
+        </p:nvSpPr>
+        <p:spPr>
+          <a:xfrm>
+            <a:off x="9087874" y="2132152"/>
+            <a:ext cx="718735" cy="3765178"/>
+          </a:xfrm>
+          <a:prstGeom prst="rect">
+            <a:avLst/>
+          </a:prstGeom>
+          <a:solidFill>
+            <a:srgbClr val="FF0000">
+              <a:alpha val="16863"/>
+            </a:srgbClr>
+          </a:solidFill>
+          <a:ln>
+            <a:noFill/>
+          </a:ln>
+        </p:spPr>
+        <p:style>
+          <a:lnRef idx="2">
+            <a:schemeClr val="accent1">
+              <a:shade val="50000"/>
+            </a:schemeClr>
+          </a:lnRef>
+          <a:fillRef idx="1">
+            <a:schemeClr val="accent1"/>
+          </a:fillRef>
+          <a:effectRef idx="0">
+            <a:schemeClr val="accent1"/>
+          </a:effectRef>
+          <a:fontRef idx="minor">
+            <a:schemeClr val="lt1"/>
+          </a:fontRef>
+        </p:style>
+        <p:txBody>
+          <a:bodyPr vert="wordArtVert" rtlCol="0" anchor="ctr"/>
+          <a:lstStyle/>
+          <a:p>
+            <a:pPr algn="ctr"/>
+            <a:r>
+              <a:rPr lang="en-US" sz="1400" dirty="0">
+                <a:solidFill>
+                  <a:srgbClr val="FF0000"/>
+                </a:solidFill>
+                <a:latin typeface="Century Gothic" panose="020B0502020202020204" pitchFamily="34" charset="0"/>
+              </a:rPr>
+              <a:t>Data missing?</a:t>
+            </a:r>
+          </a:p>
+        </p:txBody>
+      </p:sp>
+    </p:spTree>
+    <p:extLst>
+      <p:ext uri="{BB962C8B-B14F-4D97-AF65-F5344CB8AC3E}">
+        <p14:creationId xmlns:p14="http://schemas.microsoft.com/office/powerpoint/2010/main" val="406385713"/>
+      </p:ext>
+    </p:extLst>
+  </p:cSld>
+  <p:clrMapOvr>
+    <a:masterClrMapping/>
+  </p:clrMapOvr>
+</p:sld>
+</file>
+
+<file path=ppt/slides/slide39.xml><?xml version="1.0" encoding="utf-8"?>
+<p:sld xmlns:a="http://schemas.openxmlformats.org/drawingml/2006/main" xmlns:r="http://schemas.openxmlformats.org/officeDocument/2006/relationships" xmlns:p="http://schemas.openxmlformats.org/presentationml/2006/main">
+  <p:cSld>
+    <p:spTree>
+      <p:nvGrpSpPr>
+        <p:cNvPr id="1" name=""/>
+        <p:cNvGrpSpPr/>
+        <p:nvPr/>
+      </p:nvGrpSpPr>
+      <p:grpSpPr>
+        <a:xfrm>
+          <a:off x="0" y="0"/>
+          <a:ext cx="0" cy="0"/>
+          <a:chOff x="0" y="0"/>
+          <a:chExt cx="0" cy="0"/>
+        </a:xfrm>
+      </p:grpSpPr>
+      <p:sp>
+        <p:nvSpPr>
+          <p:cNvPr id="2" name="Title 1">
+            <a:extLst>
+              <a:ext uri="{FF2B5EF4-FFF2-40B4-BE49-F238E27FC236}">
+                <a16:creationId xmlns:a16="http://schemas.microsoft.com/office/drawing/2014/main" id="{6AB10619-1C62-1446-9061-F597684BDFF8}"/>
+              </a:ext>
+            </a:extLst>
+          </p:cNvPr>
+          <p:cNvSpPr>
+            <a:spLocks noGrp="1"/>
+          </p:cNvSpPr>
+          <p:nvPr>
+            <p:ph type="title"/>
+          </p:nvPr>
+        </p:nvSpPr>
+        <p:spPr>
+          <a:xfrm>
+            <a:off x="838200" y="2766218"/>
+            <a:ext cx="10515600" cy="1325563"/>
+          </a:xfrm>
+        </p:spPr>
+        <p:txBody>
+          <a:bodyPr/>
+          <a:lstStyle/>
+          <a:p>
+            <a:r>
+              <a:rPr lang="en-US" dirty="0">
+                <a:latin typeface="Century Gothic" panose="020B0502020202020204" pitchFamily="34" charset="0"/>
+              </a:rPr>
+              <a:t>Overall ERCOT Market Movement (Previous Data)</a:t>
+            </a:r>
+          </a:p>
+        </p:txBody>
+      </p:sp>
+    </p:spTree>
+    <p:extLst>
+      <p:ext uri="{BB962C8B-B14F-4D97-AF65-F5344CB8AC3E}">
+        <p14:creationId xmlns:p14="http://schemas.microsoft.com/office/powerpoint/2010/main" val="2565598077"/>
       </p:ext>
     </p:extLst>
   </p:cSld>
@@ -8078,8 +11458,13 @@
           <a:lstStyle/>
           <a:p>
             <a:r>
-              <a:rPr lang="en-US" dirty="0"/>
-              <a:t>Precursor Variable Definitions</a:t>
+              <a:rPr lang="en-US" dirty="0">
+                <a:solidFill>
+                  <a:schemeClr val="accent6"/>
+                </a:solidFill>
+                <a:latin typeface="Century Gothic" panose="020B0502020202020204" pitchFamily="34" charset="0"/>
+              </a:rPr>
+              <a:t>Key Variable Definitions</a:t>
             </a:r>
           </a:p>
         </p:txBody>
@@ -8102,43 +11487,145 @@
         </p:nvSpPr>
         <p:spPr/>
         <p:txBody>
-          <a:bodyPr/>
-          <a:lstStyle/>
-          <a:p>
-            <a:r>
-              <a:rPr lang="en-US" dirty="0"/>
-              <a:t>Prediction delta = real historical price (avg over month) - predicted forward price (at as of date), grouped by time delta and averaged or found variance</a:t>
-            </a:r>
-          </a:p>
-          <a:p>
-            <a:r>
-              <a:rPr lang="en-US" dirty="0"/>
-              <a:t>Delta (time delta) = # days before the 1</a:t>
-            </a:r>
-            <a:r>
-              <a:rPr lang="en-US" baseline="30000" dirty="0"/>
+          <a:bodyPr>
+            <a:normAutofit fontScale="92500" lnSpcReduction="20000"/>
+          </a:bodyPr>
+          <a:lstStyle/>
+          <a:p>
+            <a:r>
+              <a:rPr lang="en-US" b="1" dirty="0">
+                <a:solidFill>
+                  <a:schemeClr val="accent6">
+                    <a:lumMod val="75000"/>
+                  </a:schemeClr>
+                </a:solidFill>
+                <a:latin typeface="Century Gothic" panose="020B0502020202020204" pitchFamily="34" charset="0"/>
+              </a:rPr>
+              <a:t>As Of Date</a:t>
+            </a:r>
+            <a:r>
+              <a:rPr lang="en-US" dirty="0">
+                <a:latin typeface="Century Gothic" panose="020B0502020202020204" pitchFamily="34" charset="0"/>
+              </a:rPr>
+              <a:t>: Date the forwards are priced on</a:t>
+            </a:r>
+          </a:p>
+          <a:p>
+            <a:pPr lvl="1"/>
+            <a:r>
+              <a:rPr lang="en-US" dirty="0">
+                <a:latin typeface="Century Gothic" panose="020B0502020202020204" pitchFamily="34" charset="0"/>
+              </a:rPr>
+              <a:t>i.e. If you look at forwards for October 2020 today, the As Of Date is today.</a:t>
+            </a:r>
+          </a:p>
+          <a:p>
+            <a:r>
+              <a:rPr lang="en-US" b="1" dirty="0">
+                <a:solidFill>
+                  <a:schemeClr val="accent6">
+                    <a:lumMod val="75000"/>
+                  </a:schemeClr>
+                </a:solidFill>
+                <a:latin typeface="Century Gothic" panose="020B0502020202020204" pitchFamily="34" charset="0"/>
+              </a:rPr>
+              <a:t>Term</a:t>
+            </a:r>
+            <a:r>
+              <a:rPr lang="en-US" dirty="0">
+                <a:latin typeface="Century Gothic" panose="020B0502020202020204" pitchFamily="34" charset="0"/>
+              </a:rPr>
+              <a:t>: Date of monthly average of the forward prices</a:t>
+            </a:r>
+          </a:p>
+          <a:p>
+            <a:pPr lvl="1"/>
+            <a:r>
+              <a:rPr lang="en-US" dirty="0">
+                <a:latin typeface="Century Gothic" panose="020B0502020202020204" pitchFamily="34" charset="0"/>
+              </a:rPr>
+              <a:t>i.e. If you look at forwards for October 2020 today, the Term date is October 1</a:t>
+            </a:r>
+            <a:r>
+              <a:rPr lang="en-US" baseline="30000" dirty="0">
+                <a:latin typeface="Century Gothic" panose="020B0502020202020204" pitchFamily="34" charset="0"/>
+              </a:rPr>
               <a:t>st</a:t>
             </a:r>
             <a:r>
-              <a:rPr lang="en-US" dirty="0"/>
+              <a:rPr lang="en-US" dirty="0">
+                <a:latin typeface="Century Gothic" panose="020B0502020202020204" pitchFamily="34" charset="0"/>
+              </a:rPr>
+              <a:t>, 2020</a:t>
+            </a:r>
+          </a:p>
+          <a:p>
+            <a:r>
+              <a:rPr lang="en-US" b="1" dirty="0">
+                <a:solidFill>
+                  <a:schemeClr val="accent6">
+                    <a:lumMod val="75000"/>
+                  </a:schemeClr>
+                </a:solidFill>
+                <a:latin typeface="Century Gothic" panose="020B0502020202020204" pitchFamily="34" charset="0"/>
+              </a:rPr>
+              <a:t>Time Delta</a:t>
+            </a:r>
+            <a:r>
+              <a:rPr lang="en-US" dirty="0">
+                <a:latin typeface="Century Gothic" panose="020B0502020202020204" pitchFamily="34" charset="0"/>
+              </a:rPr>
+              <a:t>: # days before the 1</a:t>
+            </a:r>
+            <a:r>
+              <a:rPr lang="en-US" baseline="30000" dirty="0">
+                <a:latin typeface="Century Gothic" panose="020B0502020202020204" pitchFamily="34" charset="0"/>
+              </a:rPr>
+              <a:t>st</a:t>
+            </a:r>
+            <a:r>
+              <a:rPr lang="en-US" dirty="0">
+                <a:latin typeface="Century Gothic" panose="020B0502020202020204" pitchFamily="34" charset="0"/>
+              </a:rPr>
               <a:t> day of the predicting term</a:t>
             </a:r>
           </a:p>
           <a:p>
             <a:pPr lvl="1"/>
             <a:r>
-              <a:rPr lang="en-US" dirty="0"/>
-              <a:t>dt [-30, 10*365]</a:t>
-            </a:r>
-          </a:p>
-          <a:p>
-            <a:r>
-              <a:rPr lang="en-US" dirty="0"/>
-              <a:t>Add example of how each variable is found</a:t>
-            </a:r>
-          </a:p>
-          <a:p>
-            <a:endParaRPr lang="en-US" dirty="0"/>
+              <a:rPr lang="en-US" dirty="0">
+                <a:latin typeface="Century Gothic" panose="020B0502020202020204" pitchFamily="34" charset="0"/>
+              </a:rPr>
+              <a:t>Term Date – As Of Date</a:t>
+            </a:r>
+          </a:p>
+          <a:p>
+            <a:r>
+              <a:rPr lang="en-US" b="1" dirty="0">
+                <a:solidFill>
+                  <a:schemeClr val="accent6">
+                    <a:lumMod val="75000"/>
+                  </a:schemeClr>
+                </a:solidFill>
+                <a:latin typeface="Century Gothic" panose="020B0502020202020204" pitchFamily="34" charset="0"/>
+              </a:rPr>
+              <a:t>Prediction Loss</a:t>
+            </a:r>
+            <a:r>
+              <a:rPr lang="en-US" dirty="0">
+                <a:latin typeface="Century Gothic" panose="020B0502020202020204" pitchFamily="34" charset="0"/>
+              </a:rPr>
+              <a:t>: real time price (avg over month) - predicted forward price (at as of date), grouped by time delta and averaged or found variance</a:t>
+            </a:r>
+          </a:p>
+          <a:p>
+            <a:pPr lvl="1"/>
+            <a:r>
+              <a:rPr lang="en-US" dirty="0">
+                <a:latin typeface="Century Gothic" panose="020B0502020202020204" pitchFamily="34" charset="0"/>
+              </a:rPr>
+              <a:t>Note: Prediction loss &lt; 0 is an over prediction of the term’s futures prices</a:t>
+            </a:r>
           </a:p>
         </p:txBody>
       </p:sp>
@@ -8155,17 +11642,9 @@
 </p:sld>
 </file>
 
-<file path=ppt/slides/slide5.xml><?xml version="1.0" encoding="utf-8"?>
+<file path=ppt/slides/slide40.xml><?xml version="1.0" encoding="utf-8"?>
 <p:sld xmlns:a="http://schemas.openxmlformats.org/drawingml/2006/main" xmlns:r="http://schemas.openxmlformats.org/officeDocument/2006/relationships" xmlns:p="http://schemas.openxmlformats.org/presentationml/2006/main">
   <p:cSld>
-    <p:bg>
-      <p:bgPr>
-        <a:solidFill>
-          <a:schemeClr val="accent6"/>
-        </a:solidFill>
-        <a:effectLst/>
-      </p:bgPr>
-    </p:bg>
     <p:spTree>
       <p:nvGrpSpPr>
         <p:cNvPr id="1" name=""/>
@@ -8180,138 +11659,12 @@
           <a:chExt cx="0" cy="0"/>
         </a:xfrm>
       </p:grpSpPr>
-      <p:sp>
-        <p:nvSpPr>
-          <p:cNvPr id="10" name="Rectangle 9">
-            <a:extLst>
-              <a:ext uri="{FF2B5EF4-FFF2-40B4-BE49-F238E27FC236}">
-                <a16:creationId xmlns:a16="http://schemas.microsoft.com/office/drawing/2014/main" id="{5F9CFCE6-877F-4858-B8BD-2C52CA8AFBC4}"/>
-              </a:ext>
-              <a:ext uri="{C183D7F6-B498-43B3-948B-1728B52AA6E4}">
-                <adec:decorative xmlns:adec="http://schemas.microsoft.com/office/drawing/2017/decorative" val="1"/>
-              </a:ext>
-            </a:extLst>
-          </p:cNvPr>
-          <p:cNvSpPr>
-            <a:spLocks noGrp="1" noRot="1" noChangeAspect="1" noMove="1" noResize="1" noEditPoints="1" noAdjustHandles="1" noChangeArrowheads="1" noChangeShapeType="1" noTextEdit="1"/>
-          </p:cNvSpPr>
-          <p:nvPr>
-            <p:extLst>
-              <p:ext uri="{386F3935-93C4-4BCD-93E2-E3B085C9AB24}">
-                <p16:designElem xmlns:p16="http://schemas.microsoft.com/office/powerpoint/2015/main" val="1"/>
-              </p:ext>
-            </p:extLst>
-          </p:nvPr>
-        </p:nvSpPr>
-        <p:spPr>
-          <a:xfrm>
-            <a:off x="0" y="0"/>
-            <a:ext cx="12192000" cy="6858000"/>
-          </a:xfrm>
-          <a:prstGeom prst="rect">
-            <a:avLst/>
-          </a:prstGeom>
-          <a:solidFill>
-            <a:srgbClr val="46833F"/>
-          </a:solidFill>
-          <a:ln>
-            <a:noFill/>
-          </a:ln>
-        </p:spPr>
-        <p:style>
-          <a:lnRef idx="2">
-            <a:schemeClr val="accent1">
-              <a:shade val="50000"/>
-            </a:schemeClr>
-          </a:lnRef>
-          <a:fillRef idx="1">
-            <a:schemeClr val="accent1"/>
-          </a:fillRef>
-          <a:effectRef idx="0">
-            <a:schemeClr val="accent1"/>
-          </a:effectRef>
-          <a:fontRef idx="minor">
-            <a:schemeClr val="lt1"/>
-          </a:fontRef>
-        </p:style>
-        <p:txBody>
-          <a:bodyPr rtlCol="0" anchor="ctr"/>
-          <a:lstStyle/>
-          <a:p>
-            <a:pPr algn="ctr"/>
-            <a:endParaRPr lang="en-US"/>
-          </a:p>
-        </p:txBody>
-      </p:sp>
-      <p:sp>
-        <p:nvSpPr>
-          <p:cNvPr id="12" name="Rectangle 11">
-            <a:extLst>
-              <a:ext uri="{FF2B5EF4-FFF2-40B4-BE49-F238E27FC236}">
-                <a16:creationId xmlns:a16="http://schemas.microsoft.com/office/drawing/2014/main" id="{8213F8A0-12AE-4514-8372-0DD766EC28EE}"/>
-              </a:ext>
-              <a:ext uri="{C183D7F6-B498-43B3-948B-1728B52AA6E4}">
-                <adec:decorative xmlns:adec="http://schemas.microsoft.com/office/drawing/2017/decorative" val="1"/>
-              </a:ext>
-            </a:extLst>
-          </p:cNvPr>
-          <p:cNvSpPr>
-            <a:spLocks noGrp="1" noRot="1" noChangeAspect="1" noMove="1" noResize="1" noEditPoints="1" noAdjustHandles="1" noChangeArrowheads="1" noChangeShapeType="1" noTextEdit="1"/>
-          </p:cNvSpPr>
-          <p:nvPr>
-            <p:extLst>
-              <p:ext uri="{386F3935-93C4-4BCD-93E2-E3B085C9AB24}">
-                <p16:designElem xmlns:p16="http://schemas.microsoft.com/office/powerpoint/2015/main" val="1"/>
-              </p:ext>
-            </p:extLst>
-          </p:nvPr>
-        </p:nvSpPr>
-        <p:spPr>
-          <a:xfrm>
-            <a:off x="6256866" y="480060"/>
-            <a:ext cx="5458122" cy="5897880"/>
-          </a:xfrm>
-          <a:prstGeom prst="rect">
-            <a:avLst/>
-          </a:prstGeom>
-          <a:solidFill>
-            <a:srgbClr val="FFFFFF"/>
-          </a:solidFill>
-          <a:ln>
-            <a:noFill/>
-          </a:ln>
-        </p:spPr>
-        <p:style>
-          <a:lnRef idx="2">
-            <a:schemeClr val="accent1">
-              <a:shade val="50000"/>
-            </a:schemeClr>
-          </a:lnRef>
-          <a:fillRef idx="1">
-            <a:schemeClr val="accent1"/>
-          </a:fillRef>
-          <a:effectRef idx="0">
-            <a:schemeClr val="accent1"/>
-          </a:effectRef>
-          <a:fontRef idx="minor">
-            <a:schemeClr val="lt1"/>
-          </a:fontRef>
-        </p:style>
-        <p:txBody>
-          <a:bodyPr rtlCol="0" anchor="ctr"/>
-          <a:lstStyle/>
-          <a:p>
-            <a:pPr algn="ctr"/>
-            <a:endParaRPr lang="en-US"/>
-          </a:p>
-        </p:txBody>
-      </p:sp>
       <p:pic>
         <p:nvPicPr>
-          <p:cNvPr id="5" name="Picture 4" descr="A screenshot of a cell phone&#10;&#10;Description automatically generated">
-            <a:extLst>
-              <a:ext uri="{FF2B5EF4-FFF2-40B4-BE49-F238E27FC236}">
-                <a16:creationId xmlns:a16="http://schemas.microsoft.com/office/drawing/2014/main" id="{338EC1DB-9C39-2A49-B3EE-B0BC563CA079}"/>
+          <p:cNvPr id="11" name="Picture 10" descr="A close up of a map&#10;&#10;Description automatically generated">
+            <a:extLst>
+              <a:ext uri="{FF2B5EF4-FFF2-40B4-BE49-F238E27FC236}">
+                <a16:creationId xmlns:a16="http://schemas.microsoft.com/office/drawing/2014/main" id="{80F24972-7922-2845-866E-B157586C2C81}"/>
               </a:ext>
             </a:extLst>
           </p:cNvPr>
@@ -8321,90 +11674,57 @@
           <p:nvPr/>
         </p:nvPicPr>
         <p:blipFill>
-          <a:blip r:embed="rId3"/>
+          <a:blip r:embed="rId2"/>
           <a:stretch>
             <a:fillRect/>
           </a:stretch>
         </p:blipFill>
         <p:spPr>
           <a:xfrm>
-            <a:off x="6421035" y="1252117"/>
-            <a:ext cx="5129784" cy="4353765"/>
+            <a:off x="1116541" y="0"/>
+            <a:ext cx="9958917" cy="6858000"/>
           </a:xfrm>
           <a:prstGeom prst="rect">
             <a:avLst/>
           </a:prstGeom>
         </p:spPr>
       </p:pic>
-      <p:sp>
-        <p:nvSpPr>
-          <p:cNvPr id="14" name="Rectangle 13">
-            <a:extLst>
-              <a:ext uri="{FF2B5EF4-FFF2-40B4-BE49-F238E27FC236}">
-                <a16:creationId xmlns:a16="http://schemas.microsoft.com/office/drawing/2014/main" id="{9EFF17D4-9A8C-4CE5-B096-D8CCD4400437}"/>
-              </a:ext>
-              <a:ext uri="{C183D7F6-B498-43B3-948B-1728B52AA6E4}">
-                <adec:decorative xmlns:adec="http://schemas.microsoft.com/office/drawing/2017/decorative" val="1"/>
-              </a:ext>
-            </a:extLst>
-          </p:cNvPr>
-          <p:cNvSpPr>
-            <a:spLocks noGrp="1" noRot="1" noChangeAspect="1" noMove="1" noResize="1" noEditPoints="1" noAdjustHandles="1" noChangeArrowheads="1" noChangeShapeType="1" noTextEdit="1"/>
-          </p:cNvSpPr>
-          <p:nvPr>
-            <p:extLst>
-              <p:ext uri="{386F3935-93C4-4BCD-93E2-E3B085C9AB24}">
-                <p16:designElem xmlns:p16="http://schemas.microsoft.com/office/powerpoint/2015/main" val="1"/>
-              </p:ext>
-            </p:extLst>
-          </p:nvPr>
-        </p:nvSpPr>
-        <p:spPr>
-          <a:xfrm>
-            <a:off x="477012" y="480060"/>
-            <a:ext cx="5458121" cy="5897880"/>
-          </a:xfrm>
-          <a:prstGeom prst="rect">
-            <a:avLst/>
-          </a:prstGeom>
-          <a:solidFill>
-            <a:srgbClr val="FFFFFF"/>
-          </a:solidFill>
-          <a:ln>
-            <a:noFill/>
-          </a:ln>
-        </p:spPr>
-        <p:style>
-          <a:lnRef idx="2">
-            <a:schemeClr val="accent1">
-              <a:shade val="50000"/>
-            </a:schemeClr>
-          </a:lnRef>
-          <a:fillRef idx="1">
-            <a:schemeClr val="accent1"/>
-          </a:fillRef>
-          <a:effectRef idx="0">
-            <a:schemeClr val="accent1"/>
-          </a:effectRef>
-          <a:fontRef idx="minor">
-            <a:schemeClr val="lt1"/>
-          </a:fontRef>
-        </p:style>
-        <p:txBody>
-          <a:bodyPr rtlCol="0" anchor="ctr"/>
-          <a:lstStyle/>
-          <a:p>
-            <a:pPr algn="ctr"/>
-            <a:endParaRPr lang="en-US"/>
-          </a:p>
-        </p:txBody>
-      </p:sp>
+    </p:spTree>
+    <p:extLst>
+      <p:ext uri="{BB962C8B-B14F-4D97-AF65-F5344CB8AC3E}">
+        <p14:creationId xmlns:p14="http://schemas.microsoft.com/office/powerpoint/2010/main" val="2442820012"/>
+      </p:ext>
+    </p:extLst>
+  </p:cSld>
+  <p:clrMapOvr>
+    <a:masterClrMapping/>
+  </p:clrMapOvr>
+</p:sld>
+</file>
+
+<file path=ppt/slides/slide41.xml><?xml version="1.0" encoding="utf-8"?>
+<p:sld xmlns:a="http://schemas.openxmlformats.org/drawingml/2006/main" xmlns:r="http://schemas.openxmlformats.org/officeDocument/2006/relationships" xmlns:p="http://schemas.openxmlformats.org/presentationml/2006/main">
+  <p:cSld>
+    <p:spTree>
+      <p:nvGrpSpPr>
+        <p:cNvPr id="1" name=""/>
+        <p:cNvGrpSpPr/>
+        <p:nvPr/>
+      </p:nvGrpSpPr>
+      <p:grpSpPr>
+        <a:xfrm>
+          <a:off x="0" y="0"/>
+          <a:ext cx="0" cy="0"/>
+          <a:chOff x="0" y="0"/>
+          <a:chExt cx="0" cy="0"/>
+        </a:xfrm>
+      </p:grpSpPr>
       <p:pic>
         <p:nvPicPr>
-          <p:cNvPr id="4" name="Picture 3" descr="A close up of a map&#10;&#10;Description automatically generated">
-            <a:extLst>
-              <a:ext uri="{FF2B5EF4-FFF2-40B4-BE49-F238E27FC236}">
-                <a16:creationId xmlns:a16="http://schemas.microsoft.com/office/drawing/2014/main" id="{74192663-BAE1-894B-A071-880AD1A4FB6F}"/>
+          <p:cNvPr id="4" name="Picture 3" descr="A picture containing drawing&#10;&#10;Description automatically generated">
+            <a:extLst>
+              <a:ext uri="{FF2B5EF4-FFF2-40B4-BE49-F238E27FC236}">
+                <a16:creationId xmlns:a16="http://schemas.microsoft.com/office/drawing/2014/main" id="{F0DE2329-BF6D-BF4D-9A4A-417235519CBB}"/>
               </a:ext>
             </a:extLst>
           </p:cNvPr>
@@ -8414,15 +11734,15 @@
           <p:nvPr/>
         </p:nvPicPr>
         <p:blipFill>
-          <a:blip r:embed="rId4"/>
+          <a:blip r:embed="rId2"/>
           <a:stretch>
             <a:fillRect/>
           </a:stretch>
         </p:blipFill>
         <p:spPr>
           <a:xfrm>
-            <a:off x="641180" y="1252117"/>
-            <a:ext cx="5129784" cy="4353765"/>
+            <a:off x="1116541" y="0"/>
+            <a:ext cx="9958917" cy="6858000"/>
           </a:xfrm>
           <a:prstGeom prst="rect">
             <a:avLst/>
@@ -8432,7 +11752,199 @@
     </p:spTree>
     <p:extLst>
       <p:ext uri="{BB962C8B-B14F-4D97-AF65-F5344CB8AC3E}">
-        <p14:creationId xmlns:p14="http://schemas.microsoft.com/office/powerpoint/2010/main" val="1242190887"/>
+        <p14:creationId xmlns:p14="http://schemas.microsoft.com/office/powerpoint/2010/main" val="328680787"/>
+      </p:ext>
+    </p:extLst>
+  </p:cSld>
+  <p:clrMapOvr>
+    <a:masterClrMapping/>
+  </p:clrMapOvr>
+</p:sld>
+</file>
+
+<file path=ppt/slides/slide42.xml><?xml version="1.0" encoding="utf-8"?>
+<p:sld xmlns:a="http://schemas.openxmlformats.org/drawingml/2006/main" xmlns:r="http://schemas.openxmlformats.org/officeDocument/2006/relationships" xmlns:p="http://schemas.openxmlformats.org/presentationml/2006/main">
+  <p:cSld>
+    <p:spTree>
+      <p:nvGrpSpPr>
+        <p:cNvPr id="1" name=""/>
+        <p:cNvGrpSpPr/>
+        <p:nvPr/>
+      </p:nvGrpSpPr>
+      <p:grpSpPr>
+        <a:xfrm>
+          <a:off x="0" y="0"/>
+          <a:ext cx="0" cy="0"/>
+          <a:chOff x="0" y="0"/>
+          <a:chExt cx="0" cy="0"/>
+        </a:xfrm>
+      </p:grpSpPr>
+      <p:pic>
+        <p:nvPicPr>
+          <p:cNvPr id="4" name="Picture 3" descr="A picture containing text, map&#10;&#10;Description automatically generated">
+            <a:extLst>
+              <a:ext uri="{FF2B5EF4-FFF2-40B4-BE49-F238E27FC236}">
+                <a16:creationId xmlns:a16="http://schemas.microsoft.com/office/drawing/2014/main" id="{AD997E56-E323-C24D-BBBF-996A3658A4D5}"/>
+              </a:ext>
+            </a:extLst>
+          </p:cNvPr>
+          <p:cNvPicPr>
+            <a:picLocks noChangeAspect="1"/>
+          </p:cNvPicPr>
+          <p:nvPr/>
+        </p:nvPicPr>
+        <p:blipFill>
+          <a:blip r:embed="rId2"/>
+          <a:stretch>
+            <a:fillRect/>
+          </a:stretch>
+        </p:blipFill>
+        <p:spPr>
+          <a:xfrm>
+            <a:off x="1116541" y="0"/>
+            <a:ext cx="9958917" cy="6858000"/>
+          </a:xfrm>
+          <a:prstGeom prst="rect">
+            <a:avLst/>
+          </a:prstGeom>
+        </p:spPr>
+      </p:pic>
+    </p:spTree>
+    <p:extLst>
+      <p:ext uri="{BB962C8B-B14F-4D97-AF65-F5344CB8AC3E}">
+        <p14:creationId xmlns:p14="http://schemas.microsoft.com/office/powerpoint/2010/main" val="2313964318"/>
+      </p:ext>
+    </p:extLst>
+  </p:cSld>
+  <p:clrMapOvr>
+    <a:masterClrMapping/>
+  </p:clrMapOvr>
+</p:sld>
+</file>
+
+<file path=ppt/slides/slide43.xml><?xml version="1.0" encoding="utf-8"?>
+<p:sld xmlns:a="http://schemas.openxmlformats.org/drawingml/2006/main" xmlns:r="http://schemas.openxmlformats.org/officeDocument/2006/relationships" xmlns:p="http://schemas.openxmlformats.org/presentationml/2006/main">
+  <p:cSld>
+    <p:spTree>
+      <p:nvGrpSpPr>
+        <p:cNvPr id="1" name=""/>
+        <p:cNvGrpSpPr/>
+        <p:nvPr/>
+      </p:nvGrpSpPr>
+      <p:grpSpPr>
+        <a:xfrm>
+          <a:off x="0" y="0"/>
+          <a:ext cx="0" cy="0"/>
+          <a:chOff x="0" y="0"/>
+          <a:chExt cx="0" cy="0"/>
+        </a:xfrm>
+      </p:grpSpPr>
+      <p:pic>
+        <p:nvPicPr>
+          <p:cNvPr id="4" name="Content Placeholder 4" descr="A close up of a map&#10;&#10;Description automatically generated">
+            <a:extLst>
+              <a:ext uri="{FF2B5EF4-FFF2-40B4-BE49-F238E27FC236}">
+                <a16:creationId xmlns:a16="http://schemas.microsoft.com/office/drawing/2014/main" id="{E10B6BAD-F710-4049-9839-3D2FB7E87E7E}"/>
+              </a:ext>
+            </a:extLst>
+          </p:cNvPr>
+          <p:cNvPicPr>
+            <a:picLocks noChangeAspect="1"/>
+          </p:cNvPicPr>
+          <p:nvPr/>
+        </p:nvPicPr>
+        <p:blipFill>
+          <a:blip r:embed="rId2"/>
+          <a:stretch>
+            <a:fillRect/>
+          </a:stretch>
+        </p:blipFill>
+        <p:spPr>
+          <a:xfrm>
+            <a:off x="1116542" y="0"/>
+            <a:ext cx="9958916" cy="6858000"/>
+          </a:xfrm>
+          <a:prstGeom prst="rect">
+            <a:avLst/>
+          </a:prstGeom>
+        </p:spPr>
+      </p:pic>
+    </p:spTree>
+    <p:extLst>
+      <p:ext uri="{BB962C8B-B14F-4D97-AF65-F5344CB8AC3E}">
+        <p14:creationId xmlns:p14="http://schemas.microsoft.com/office/powerpoint/2010/main" val="189216964"/>
+      </p:ext>
+    </p:extLst>
+  </p:cSld>
+  <p:clrMapOvr>
+    <a:masterClrMapping/>
+  </p:clrMapOvr>
+</p:sld>
+</file>
+
+<file path=ppt/slides/slide5.xml><?xml version="1.0" encoding="utf-8"?>
+<p:sld xmlns:a="http://schemas.openxmlformats.org/drawingml/2006/main" xmlns:r="http://schemas.openxmlformats.org/officeDocument/2006/relationships" xmlns:p="http://schemas.openxmlformats.org/presentationml/2006/main">
+  <p:cSld>
+    <p:spTree>
+      <p:nvGrpSpPr>
+        <p:cNvPr id="1" name=""/>
+        <p:cNvGrpSpPr/>
+        <p:nvPr/>
+      </p:nvGrpSpPr>
+      <p:grpSpPr>
+        <a:xfrm>
+          <a:off x="0" y="0"/>
+          <a:ext cx="0" cy="0"/>
+          <a:chOff x="0" y="0"/>
+          <a:chExt cx="0" cy="0"/>
+        </a:xfrm>
+      </p:grpSpPr>
+      <p:sp>
+        <p:nvSpPr>
+          <p:cNvPr id="2" name="Title 1">
+            <a:extLst>
+              <a:ext uri="{FF2B5EF4-FFF2-40B4-BE49-F238E27FC236}">
+                <a16:creationId xmlns:a16="http://schemas.microsoft.com/office/drawing/2014/main" id="{408B8383-A78A-8D48-9A6E-432BE22C868F}"/>
+              </a:ext>
+            </a:extLst>
+          </p:cNvPr>
+          <p:cNvSpPr>
+            <a:spLocks noGrp="1"/>
+          </p:cNvSpPr>
+          <p:nvPr>
+            <p:ph type="title"/>
+          </p:nvPr>
+        </p:nvSpPr>
+        <p:spPr>
+          <a:xfrm>
+            <a:off x="838200" y="2766218"/>
+            <a:ext cx="10515600" cy="1325563"/>
+          </a:xfrm>
+        </p:spPr>
+        <p:txBody>
+          <a:bodyPr>
+            <a:normAutofit fontScale="90000"/>
+          </a:bodyPr>
+          <a:lstStyle/>
+          <a:p>
+            <a:r>
+              <a:rPr lang="en-US" b="1" dirty="0">
+                <a:solidFill>
+                  <a:schemeClr val="accent6">
+                    <a:lumMod val="75000"/>
+                  </a:schemeClr>
+                </a:solidFill>
+                <a:latin typeface="Century Gothic" panose="020B0502020202020204" pitchFamily="34" charset="0"/>
+              </a:rPr>
+              <a:t>Variable &amp; Analysis Methodology Walk Through – Term June 2020 Predictions</a:t>
+            </a:r>
+          </a:p>
+        </p:txBody>
+      </p:sp>
+    </p:spTree>
+    <p:extLst>
+      <p:ext uri="{BB962C8B-B14F-4D97-AF65-F5344CB8AC3E}">
+        <p14:creationId xmlns:p14="http://schemas.microsoft.com/office/powerpoint/2010/main" val="4197074512"/>
       </p:ext>
     </p:extLst>
   </p:cSld>
@@ -8459,43 +11971,40 @@
           <a:chExt cx="0" cy="0"/>
         </a:xfrm>
       </p:grpSpPr>
-      <p:sp>
-        <p:nvSpPr>
-          <p:cNvPr id="2" name="Title 1">
-            <a:extLst>
-              <a:ext uri="{FF2B5EF4-FFF2-40B4-BE49-F238E27FC236}">
-                <a16:creationId xmlns:a16="http://schemas.microsoft.com/office/drawing/2014/main" id="{408B8383-A78A-8D48-9A6E-432BE22C868F}"/>
-              </a:ext>
-            </a:extLst>
-          </p:cNvPr>
-          <p:cNvSpPr>
-            <a:spLocks noGrp="1"/>
-          </p:cNvSpPr>
-          <p:nvPr>
-            <p:ph type="title"/>
-          </p:nvPr>
-        </p:nvSpPr>
-        <p:spPr>
-          <a:xfrm>
-            <a:off x="838200" y="2766218"/>
-            <a:ext cx="10515600" cy="1325563"/>
-          </a:xfrm>
-        </p:spPr>
-        <p:txBody>
-          <a:bodyPr/>
-          <a:lstStyle/>
-          <a:p>
-            <a:r>
-              <a:rPr lang="en-US" dirty="0"/>
-              <a:t>Case – Term June 2020 Predictions</a:t>
-            </a:r>
-          </a:p>
-        </p:txBody>
-      </p:sp>
+      <p:pic>
+        <p:nvPicPr>
+          <p:cNvPr id="3" name="Picture 2" descr="A picture containing building, window&#10;&#10;Description automatically generated">
+            <a:extLst>
+              <a:ext uri="{FF2B5EF4-FFF2-40B4-BE49-F238E27FC236}">
+                <a16:creationId xmlns:a16="http://schemas.microsoft.com/office/drawing/2014/main" id="{0E395CCC-279D-5046-865A-42A75158610D}"/>
+              </a:ext>
+            </a:extLst>
+          </p:cNvPr>
+          <p:cNvPicPr>
+            <a:picLocks noChangeAspect="1"/>
+          </p:cNvPicPr>
+          <p:nvPr/>
+        </p:nvPicPr>
+        <p:blipFill>
+          <a:blip r:embed="rId2"/>
+          <a:stretch>
+            <a:fillRect/>
+          </a:stretch>
+        </p:blipFill>
+        <p:spPr>
+          <a:xfrm>
+            <a:off x="2361406" y="0"/>
+            <a:ext cx="7469188" cy="6858000"/>
+          </a:xfrm>
+          <a:prstGeom prst="rect">
+            <a:avLst/>
+          </a:prstGeom>
+        </p:spPr>
+      </p:pic>
     </p:spTree>
     <p:extLst>
       <p:ext uri="{BB962C8B-B14F-4D97-AF65-F5344CB8AC3E}">
-        <p14:creationId xmlns:p14="http://schemas.microsoft.com/office/powerpoint/2010/main" val="4197074512"/>
+        <p14:creationId xmlns:p14="http://schemas.microsoft.com/office/powerpoint/2010/main" val="1578532979"/>
       </p:ext>
     </p:extLst>
   </p:cSld>
@@ -8522,40 +12031,48 @@
           <a:chExt cx="0" cy="0"/>
         </a:xfrm>
       </p:grpSpPr>
-      <p:pic>
-        <p:nvPicPr>
-          <p:cNvPr id="7" name="Picture 6" descr="A picture containing text, map&#10;&#10;Description automatically generated">
-            <a:extLst>
-              <a:ext uri="{FF2B5EF4-FFF2-40B4-BE49-F238E27FC236}">
-                <a16:creationId xmlns:a16="http://schemas.microsoft.com/office/drawing/2014/main" id="{A0372573-79AB-2B47-9EF5-2F7656D907E3}"/>
-              </a:ext>
-            </a:extLst>
-          </p:cNvPr>
-          <p:cNvPicPr>
-            <a:picLocks noChangeAspect="1"/>
-          </p:cNvPicPr>
-          <p:nvPr/>
-        </p:nvPicPr>
-        <p:blipFill>
-          <a:blip r:embed="rId2"/>
-          <a:stretch>
-            <a:fillRect/>
-          </a:stretch>
-        </p:blipFill>
-        <p:spPr>
-          <a:xfrm>
-            <a:off x="2139983" y="71437"/>
-            <a:ext cx="7912034" cy="6715125"/>
-          </a:xfrm>
-          <a:prstGeom prst="rect">
-            <a:avLst/>
-          </a:prstGeom>
-        </p:spPr>
-      </p:pic>
+      <p:sp>
+        <p:nvSpPr>
+          <p:cNvPr id="2" name="Title 1">
+            <a:extLst>
+              <a:ext uri="{FF2B5EF4-FFF2-40B4-BE49-F238E27FC236}">
+                <a16:creationId xmlns:a16="http://schemas.microsoft.com/office/drawing/2014/main" id="{E930EB85-73B2-4849-9337-5BC558C8C66D}"/>
+              </a:ext>
+            </a:extLst>
+          </p:cNvPr>
+          <p:cNvSpPr>
+            <a:spLocks noGrp="1"/>
+          </p:cNvSpPr>
+          <p:nvPr>
+            <p:ph type="title"/>
+          </p:nvPr>
+        </p:nvSpPr>
+        <p:spPr>
+          <a:xfrm>
+            <a:off x="838200" y="2766218"/>
+            <a:ext cx="10515600" cy="1325563"/>
+          </a:xfrm>
+        </p:spPr>
+        <p:txBody>
+          <a:bodyPr/>
+          <a:lstStyle/>
+          <a:p>
+            <a:r>
+              <a:rPr lang="en-US" dirty="0">
+                <a:solidFill>
+                  <a:schemeClr val="accent6"/>
+                </a:solidFill>
+                <a:latin typeface="Century Gothic" panose="020B0502020202020204" pitchFamily="34" charset="0"/>
+              </a:rPr>
+              <a:t>10 Year overview</a:t>
+            </a:r>
+          </a:p>
+        </p:txBody>
+      </p:sp>
     </p:spTree>
     <p:extLst>
       <p:ext uri="{BB962C8B-B14F-4D97-AF65-F5344CB8AC3E}">
-        <p14:creationId xmlns:p14="http://schemas.microsoft.com/office/powerpoint/2010/main" val="1578532979"/>
+        <p14:creationId xmlns:p14="http://schemas.microsoft.com/office/powerpoint/2010/main" val="298092996"/>
       </p:ext>
     </p:extLst>
   </p:cSld>
@@ -8582,45 +12099,40 @@
           <a:chExt cx="0" cy="0"/>
         </a:xfrm>
       </p:grpSpPr>
-      <p:sp>
-        <p:nvSpPr>
-          <p:cNvPr id="2" name="Title 1">
-            <a:extLst>
-              <a:ext uri="{FF2B5EF4-FFF2-40B4-BE49-F238E27FC236}">
-                <a16:creationId xmlns:a16="http://schemas.microsoft.com/office/drawing/2014/main" id="{E930EB85-73B2-4849-9337-5BC558C8C66D}"/>
-              </a:ext>
-            </a:extLst>
-          </p:cNvPr>
-          <p:cNvSpPr>
-            <a:spLocks noGrp="1"/>
-          </p:cNvSpPr>
-          <p:nvPr>
-            <p:ph type="title"/>
-          </p:nvPr>
-        </p:nvSpPr>
-        <p:spPr>
-          <a:xfrm>
-            <a:off x="838200" y="2766218"/>
-            <a:ext cx="10515600" cy="1325563"/>
-          </a:xfrm>
-        </p:spPr>
-        <p:txBody>
-          <a:bodyPr/>
-          <a:lstStyle/>
-          <a:p>
-            <a:r>
-              <a:rPr lang="en-US" dirty="0">
-                <a:latin typeface="Century Gothic" panose="020B0502020202020204" pitchFamily="34" charset="0"/>
-              </a:rPr>
-              <a:t>One year out</a:t>
-            </a:r>
-          </a:p>
-        </p:txBody>
-      </p:sp>
+      <p:pic>
+        <p:nvPicPr>
+          <p:cNvPr id="7" name="Picture 6" descr="A picture containing screenshot, sitting&#10;&#10;Description automatically generated">
+            <a:extLst>
+              <a:ext uri="{FF2B5EF4-FFF2-40B4-BE49-F238E27FC236}">
+                <a16:creationId xmlns:a16="http://schemas.microsoft.com/office/drawing/2014/main" id="{E7AA49A1-DA88-DC45-A5CB-5DBA5CB3283C}"/>
+              </a:ext>
+            </a:extLst>
+          </p:cNvPr>
+          <p:cNvPicPr>
+            <a:picLocks noChangeAspect="1"/>
+          </p:cNvPicPr>
+          <p:nvPr/>
+        </p:nvPicPr>
+        <p:blipFill>
+          <a:blip r:embed="rId2"/>
+          <a:stretch>
+            <a:fillRect/>
+          </a:stretch>
+        </p:blipFill>
+        <p:spPr>
+          <a:xfrm>
+            <a:off x="2361406" y="0"/>
+            <a:ext cx="7469188" cy="6858000"/>
+          </a:xfrm>
+          <a:prstGeom prst="rect">
+            <a:avLst/>
+          </a:prstGeom>
+        </p:spPr>
+      </p:pic>
     </p:spTree>
     <p:extLst>
       <p:ext uri="{BB962C8B-B14F-4D97-AF65-F5344CB8AC3E}">
-        <p14:creationId xmlns:p14="http://schemas.microsoft.com/office/powerpoint/2010/main" val="4140632681"/>
+        <p14:creationId xmlns:p14="http://schemas.microsoft.com/office/powerpoint/2010/main" val="2726932014"/>
       </p:ext>
     </p:extLst>
   </p:cSld>
@@ -8647,45 +12159,40 @@
           <a:chExt cx="0" cy="0"/>
         </a:xfrm>
       </p:grpSpPr>
-      <p:sp>
-        <p:nvSpPr>
-          <p:cNvPr id="2" name="Title 1">
-            <a:extLst>
-              <a:ext uri="{FF2B5EF4-FFF2-40B4-BE49-F238E27FC236}">
-                <a16:creationId xmlns:a16="http://schemas.microsoft.com/office/drawing/2014/main" id="{E930EB85-73B2-4849-9337-5BC558C8C66D}"/>
-              </a:ext>
-            </a:extLst>
-          </p:cNvPr>
-          <p:cNvSpPr>
-            <a:spLocks noGrp="1"/>
-          </p:cNvSpPr>
-          <p:nvPr>
-            <p:ph type="title"/>
-          </p:nvPr>
-        </p:nvSpPr>
-        <p:spPr>
-          <a:xfrm>
-            <a:off x="838200" y="2766218"/>
-            <a:ext cx="10515600" cy="1325563"/>
-          </a:xfrm>
-        </p:spPr>
-        <p:txBody>
-          <a:bodyPr/>
-          <a:lstStyle/>
-          <a:p>
-            <a:r>
-              <a:rPr lang="en-US" dirty="0">
-                <a:latin typeface="Century Gothic" panose="020B0502020202020204" pitchFamily="34" charset="0"/>
-              </a:rPr>
-              <a:t>Means</a:t>
-            </a:r>
-          </a:p>
-        </p:txBody>
-      </p:sp>
+      <p:pic>
+        <p:nvPicPr>
+          <p:cNvPr id="12" name="Picture 11" descr="A picture containing screenshot&#10;&#10;Description automatically generated">
+            <a:extLst>
+              <a:ext uri="{FF2B5EF4-FFF2-40B4-BE49-F238E27FC236}">
+                <a16:creationId xmlns:a16="http://schemas.microsoft.com/office/drawing/2014/main" id="{7DA555AA-0206-9A46-89AD-330259635F93}"/>
+              </a:ext>
+            </a:extLst>
+          </p:cNvPr>
+          <p:cNvPicPr>
+            <a:picLocks noChangeAspect="1"/>
+          </p:cNvPicPr>
+          <p:nvPr/>
+        </p:nvPicPr>
+        <p:blipFill>
+          <a:blip r:embed="rId2"/>
+          <a:stretch>
+            <a:fillRect/>
+          </a:stretch>
+        </p:blipFill>
+        <p:spPr>
+          <a:xfrm>
+            <a:off x="2361406" y="0"/>
+            <a:ext cx="7469188" cy="6858000"/>
+          </a:xfrm>
+          <a:prstGeom prst="rect">
+            <a:avLst/>
+          </a:prstGeom>
+        </p:spPr>
+      </p:pic>
     </p:spTree>
     <p:extLst>
       <p:ext uri="{BB962C8B-B14F-4D97-AF65-F5344CB8AC3E}">
-        <p14:creationId xmlns:p14="http://schemas.microsoft.com/office/powerpoint/2010/main" val="1472903204"/>
+        <p14:creationId xmlns:p14="http://schemas.microsoft.com/office/powerpoint/2010/main" val="2843521078"/>
       </p:ext>
     </p:extLst>
   </p:cSld>
